--- a/Final Presentation/MECH417_Team4_FinalPresentation.pptx
+++ b/Final Presentation/MECH417_Team4_FinalPresentation.pptx
@@ -597,7 +597,7 @@
           <a:p>
             <a:fld id="{EA0C0817-A112-4847-8014-A94B7D2A4EA3}" type="datetime1">
               <a:rPr lang="en-US" smtClean="0"/>
-              <a:t>4/18/2021</a:t>
+              <a:t>4/20/2021</a:t>
             </a:fld>
             <a:endParaRPr lang="en-US" dirty="0"/>
           </a:p>
@@ -799,7 +799,7 @@
           <a:p>
             <a:fld id="{7332B432-ACDA-4023-A761-2BAB76577B62}" type="datetime1">
               <a:rPr lang="en-US" smtClean="0"/>
-              <a:t>4/18/2021</a:t>
+              <a:t>4/20/2021</a:t>
             </a:fld>
             <a:endParaRPr lang="en-US" dirty="0"/>
           </a:p>
@@ -1398,7 +1398,7 @@
           <a:p>
             <a:fld id="{D9C646AA-F36E-4540-911D-FFFC0A0EF24A}" type="datetime1">
               <a:rPr lang="en-US" smtClean="0"/>
-              <a:t>4/18/2021</a:t>
+              <a:t>4/20/2021</a:t>
             </a:fld>
             <a:endParaRPr lang="en-US" dirty="0"/>
           </a:p>
@@ -1718,7 +1718,7 @@
           <a:p>
             <a:fld id="{69186D26-FA5F-4637-B602-B7C2DC34CFD4}" type="datetime1">
               <a:rPr lang="en-US" smtClean="0"/>
-              <a:t>4/18/2021</a:t>
+              <a:t>4/20/2021</a:t>
             </a:fld>
             <a:endParaRPr lang="en-US" dirty="0"/>
           </a:p>
@@ -2155,7 +2155,7 @@
           <a:p>
             <a:fld id="{8A7F15D8-96D1-4781-BC50-CA8A088B2FE4}" type="datetime1">
               <a:rPr lang="en-US" smtClean="0"/>
-              <a:t>4/18/2021</a:t>
+              <a:t>4/20/2021</a:t>
             </a:fld>
             <a:endParaRPr lang="en-US" dirty="0"/>
           </a:p>
@@ -2273,7 +2273,7 @@
           <a:p>
             <a:fld id="{F9A96C99-B8F8-4528-BD05-0E16E943DC09}" type="datetime1">
               <a:rPr lang="en-US" smtClean="0"/>
-              <a:t>4/18/2021</a:t>
+              <a:t>4/20/2021</a:t>
             </a:fld>
             <a:endParaRPr lang="en-US" dirty="0"/>
           </a:p>
@@ -2368,7 +2368,7 @@
           <a:p>
             <a:fld id="{03636942-C211-4B28-8DBD-C953E00AF71B}" type="datetime1">
               <a:rPr lang="en-US" smtClean="0"/>
-              <a:t>4/18/2021</a:t>
+              <a:t>4/20/2021</a:t>
             </a:fld>
             <a:endParaRPr lang="en-US" dirty="0"/>
           </a:p>
@@ -2785,7 +2785,7 @@
           <a:p>
             <a:fld id="{7E8D12A6-918A-48BD-8CB9-CA713993B0EA}" type="datetime1">
               <a:rPr lang="en-US" smtClean="0"/>
-              <a:t>4/18/2021</a:t>
+              <a:t>4/20/2021</a:t>
             </a:fld>
             <a:endParaRPr lang="en-US" dirty="0"/>
           </a:p>
@@ -3047,7 +3047,7 @@
             <a:fld id="{E778CE86-875F-4587-BCF6-FA054AFC0D53}" type="datetime1">
               <a:rPr lang="en-US" smtClean="0"/>
               <a:pPr/>
-              <a:t>4/18/2021</a:t>
+              <a:t>4/20/2021</a:t>
             </a:fld>
             <a:endParaRPr lang="en-US" dirty="0"/>
           </a:p>
@@ -3563,7 +3563,7 @@
           <a:p>
             <a:fld id="{F6FA2B21-3FCD-4721-B95C-427943F61125}" type="datetime1">
               <a:rPr lang="en-US" smtClean="0"/>
-              <a:t>4/18/2021</a:t>
+              <a:t>4/20/2021</a:t>
             </a:fld>
             <a:endParaRPr lang="en-US" dirty="0"/>
           </a:p>
@@ -4679,6 +4679,39 @@
               <a:t>Discuss final user manual outcome</a:t>
             </a:r>
           </a:p>
+          <a:p>
+            <a:pPr lvl="1"/>
+            <a:r>
+              <a:rPr lang="en-US" dirty="0">
+                <a:solidFill>
+                  <a:srgbClr val="FF0000"/>
+                </a:solidFill>
+              </a:rPr>
+              <a:t>List section: introduction, GUI section, function, etc.</a:t>
+            </a:r>
+          </a:p>
+          <a:p>
+            <a:pPr lvl="1"/>
+            <a:r>
+              <a:rPr lang="en-US" dirty="0">
+                <a:solidFill>
+                  <a:srgbClr val="FF0000"/>
+                </a:solidFill>
+              </a:rPr>
+              <a:t>For each section: describe what is covered in each section</a:t>
+            </a:r>
+          </a:p>
+          <a:p>
+            <a:pPr lvl="2"/>
+            <a:r>
+              <a:rPr lang="en-US" dirty="0">
+                <a:solidFill>
+                  <a:srgbClr val="FF0000"/>
+                </a:solidFill>
+              </a:rPr>
+              <a:t>Ex. GUI section: covers installation and features of the GUI on the user side</a:t>
+            </a:r>
+          </a:p>
         </p:txBody>
       </p:sp>
     </p:spTree>
@@ -4960,7 +4993,38 @@
                   <a:srgbClr val="FF0000"/>
                 </a:solidFill>
               </a:rPr>
+              <a:t>Address the equation generation/simulations</a:t>
+            </a:r>
+          </a:p>
+          <a:p>
+            <a:pPr lvl="1"/>
+            <a:r>
+              <a:rPr lang="en-US" sz="1800" dirty="0">
+                <a:solidFill>
+                  <a:srgbClr val="FF0000"/>
+                </a:solidFill>
+              </a:rPr>
+              <a:t>How we could have planned better to include this</a:t>
+            </a:r>
+          </a:p>
+          <a:p>
+            <a:r>
+              <a:rPr lang="en-US" sz="2000" dirty="0">
+                <a:solidFill>
+                  <a:srgbClr val="FF0000"/>
+                </a:solidFill>
+              </a:rPr>
               <a:t>Discuss applet limitations/bugs</a:t>
+            </a:r>
+          </a:p>
+          <a:p>
+            <a:r>
+              <a:rPr lang="en-US" sz="2000" dirty="0">
+                <a:solidFill>
+                  <a:srgbClr val="FF0000"/>
+                </a:solidFill>
+              </a:rPr>
+              <a:t>Discuss a final comparison of the competitor</a:t>
             </a:r>
           </a:p>
         </p:txBody>
@@ -5235,6 +5299,50 @@
                 </a:solidFill>
               </a:rPr>
               <a:t>Discuss next steps for GUI</a:t>
+            </a:r>
+          </a:p>
+          <a:p>
+            <a:pPr lvl="1"/>
+            <a:r>
+              <a:rPr lang="en-US" sz="1800" dirty="0">
+                <a:solidFill>
+                  <a:srgbClr val="FF0000"/>
+                </a:solidFill>
+              </a:rPr>
+              <a:t>Better floor finding</a:t>
+            </a:r>
+          </a:p>
+          <a:p>
+            <a:pPr lvl="1"/>
+            <a:r>
+              <a:rPr lang="en-US" sz="1800" dirty="0">
+                <a:solidFill>
+                  <a:srgbClr val="FF0000"/>
+                </a:solidFill>
+              </a:rPr>
+              <a:t>Object tracking</a:t>
+            </a:r>
+          </a:p>
+          <a:p>
+            <a:pPr lvl="1"/>
+            <a:r>
+              <a:rPr lang="en-US" sz="1800" dirty="0">
+                <a:solidFill>
+                  <a:srgbClr val="FF0000"/>
+                </a:solidFill>
+              </a:rPr>
+              <a:t>Additional image processing methods/algorithms</a:t>
+            </a:r>
+          </a:p>
+          <a:p>
+            <a:pPr lvl="1"/>
+            <a:r>
+              <a:rPr lang="en-US" sz="1800" dirty="0">
+                <a:solidFill>
+                  <a:srgbClr val="FF0000"/>
+                </a:solidFill>
+              </a:rPr>
+              <a:t>Automated data cleaning</a:t>
             </a:r>
           </a:p>
         </p:txBody>
@@ -8598,6 +8706,29 @@
               </a:rPr>
               <a:t>3,9,11,12,13</a:t>
             </a:r>
+          </a:p>
+          <a:p>
+            <a:r>
+              <a:rPr lang="en-US" dirty="0">
+                <a:solidFill>
+                  <a:srgbClr val="000000"/>
+                </a:solidFill>
+                <a:latin typeface="Sagona Book" panose="02020503050505020204" pitchFamily="18" charset="0"/>
+              </a:rPr>
+              <a:t>User Manual:</a:t>
+            </a:r>
+          </a:p>
+          <a:p>
+            <a:pPr lvl="1"/>
+            <a:r>
+              <a:rPr lang="en-US" dirty="0">
+                <a:solidFill>
+                  <a:srgbClr val="000000"/>
+                </a:solidFill>
+                <a:latin typeface="Times New Roman" panose="02020603050405020304" pitchFamily="18" charset="0"/>
+              </a:rPr>
+              <a:t>IEEE Standard ####</a:t>
+            </a:r>
             <a:endParaRPr lang="en-US" dirty="0"/>
           </a:p>
           <a:p>
@@ -8618,6 +8749,13 @@
             <a:r>
               <a:rPr lang="en-US" dirty="0"/>
               <a:t>Limited programming and microfluidics experience on the team</a:t>
+            </a:r>
+          </a:p>
+          <a:p>
+            <a:pPr lvl="1"/>
+            <a:r>
+              <a:rPr lang="en-US" dirty="0"/>
+              <a:t>COVID social distancing</a:t>
             </a:r>
           </a:p>
         </p:txBody>
@@ -8918,13 +9056,13 @@
         </p:nvSpPr>
         <p:spPr>
           <a:xfrm>
-            <a:off x="1033844" y="1934222"/>
-            <a:ext cx="9792208" cy="2149761"/>
+            <a:off x="1033844" y="1730650"/>
+            <a:ext cx="9792208" cy="2607298"/>
           </a:xfrm>
         </p:spPr>
         <p:txBody>
           <a:bodyPr>
-            <a:normAutofit lnSpcReduction="10000"/>
+            <a:normAutofit/>
           </a:bodyPr>
           <a:lstStyle/>
           <a:p>
@@ -8970,6 +9108,16 @@
             <a:r>
               <a:rPr lang="en-US" dirty="0"/>
               <a:t>New functions were created for finding feature data</a:t>
+            </a:r>
+          </a:p>
+          <a:p>
+            <a:r>
+              <a:rPr lang="en-US" dirty="0">
+                <a:solidFill>
+                  <a:srgbClr val="FF0000"/>
+                </a:solidFill>
+              </a:rPr>
+              <a:t>User Manual expectations</a:t>
             </a:r>
           </a:p>
           <a:p>
@@ -10795,6 +10943,16 @@
                 </a:solidFill>
               </a:rPr>
               <a:t>Discuss final GUI outcome</a:t>
+            </a:r>
+          </a:p>
+          <a:p>
+            <a:r>
+              <a:rPr lang="en-US" dirty="0">
+                <a:solidFill>
+                  <a:srgbClr val="FF0000"/>
+                </a:solidFill>
+              </a:rPr>
+              <a:t>Show/Discuss graphs of data</a:t>
             </a:r>
           </a:p>
         </p:txBody>
@@ -11807,12 +11965,12 @@
 </file>
 
 <file path=customXml/item1.xml><?xml version="1.0" encoding="utf-8"?>
-<p:properties xmlns:p="http://schemas.microsoft.com/office/2006/metadata/properties" xmlns:xsi="http://www.w3.org/2001/XMLSchema-instance" xmlns:pc="http://schemas.microsoft.com/office/infopath/2007/PartnerControls">
-  <documentManagement>
-    <Status xmlns="71af3243-3dd4-4a8d-8c0d-dd76da1f02a5">Not started</Status>
-    <MediaServiceKeyPoints xmlns="71af3243-3dd4-4a8d-8c0d-dd76da1f02a5" xsi:nil="true"/>
-  </documentManagement>
-</p:properties>
+<?mso-contentType ?>
+<FormTemplates xmlns="http://schemas.microsoft.com/sharepoint/v3/contenttype/forms">
+  <Display>DocumentLibraryForm</Display>
+  <Edit>DocumentLibraryForm</Edit>
+  <New>DocumentLibraryForm</New>
+</FormTemplates>
 </file>
 
 <file path=customXml/item2.xml><?xml version="1.0" encoding="utf-8"?>
@@ -12037,20 +12195,18 @@
 </file>
 
 <file path=customXml/item3.xml><?xml version="1.0" encoding="utf-8"?>
-<?mso-contentType ?>
-<FormTemplates xmlns="http://schemas.microsoft.com/sharepoint/v3/contenttype/forms">
-  <Display>DocumentLibraryForm</Display>
-  <Edit>DocumentLibraryForm</Edit>
-  <New>DocumentLibraryForm</New>
-</FormTemplates>
+<p:properties xmlns:p="http://schemas.microsoft.com/office/2006/metadata/properties" xmlns:xsi="http://www.w3.org/2001/XMLSchema-instance" xmlns:pc="http://schemas.microsoft.com/office/infopath/2007/PartnerControls">
+  <documentManagement>
+    <Status xmlns="71af3243-3dd4-4a8d-8c0d-dd76da1f02a5">Not started</Status>
+    <MediaServiceKeyPoints xmlns="71af3243-3dd4-4a8d-8c0d-dd76da1f02a5" xsi:nil="true"/>
+  </documentManagement>
+</p:properties>
 </file>
 
 <file path=customXml/itemProps1.xml><?xml version="1.0" encoding="utf-8"?>
-<ds:datastoreItem xmlns:ds="http://schemas.openxmlformats.org/officeDocument/2006/customXml" ds:itemID="{52F3B215-496E-4790-A364-7C1C46DEC771}">
+<ds:datastoreItem xmlns:ds="http://schemas.openxmlformats.org/officeDocument/2006/customXml" ds:itemID="{AE2713E1-6312-427E-BFCB-C5A5DA301373}">
   <ds:schemaRefs>
-    <ds:schemaRef ds:uri="http://schemas.microsoft.com/office/2006/metadata/properties"/>
-    <ds:schemaRef ds:uri="http://schemas.microsoft.com/office/infopath/2007/PartnerControls"/>
-    <ds:schemaRef ds:uri="71af3243-3dd4-4a8d-8c0d-dd76da1f02a5"/>
+    <ds:schemaRef ds:uri="http://schemas.microsoft.com/sharepoint/v3/contenttype/forms"/>
   </ds:schemaRefs>
 </ds:datastoreItem>
 </file>
@@ -12075,9 +12231,11 @@
 </file>
 
 <file path=customXml/itemProps3.xml><?xml version="1.0" encoding="utf-8"?>
-<ds:datastoreItem xmlns:ds="http://schemas.openxmlformats.org/officeDocument/2006/customXml" ds:itemID="{AE2713E1-6312-427E-BFCB-C5A5DA301373}">
+<ds:datastoreItem xmlns:ds="http://schemas.openxmlformats.org/officeDocument/2006/customXml" ds:itemID="{52F3B215-496E-4790-A364-7C1C46DEC771}">
   <ds:schemaRefs>
-    <ds:schemaRef ds:uri="http://schemas.microsoft.com/sharepoint/v3/contenttype/forms"/>
+    <ds:schemaRef ds:uri="http://schemas.microsoft.com/office/2006/metadata/properties"/>
+    <ds:schemaRef ds:uri="http://schemas.microsoft.com/office/infopath/2007/PartnerControls"/>
+    <ds:schemaRef ds:uri="71af3243-3dd4-4a8d-8c0d-dd76da1f02a5"/>
   </ds:schemaRefs>
 </ds:datastoreItem>
 </file>
--- a/Final Presentation/MECH417_Team4_FinalPresentation.pptx
+++ b/Final Presentation/MECH417_Team4_FinalPresentation.pptx
@@ -20,8 +20,7 @@
     <p:sldId id="331" r:id="rId17"/>
     <p:sldId id="317" r:id="rId18"/>
     <p:sldId id="328" r:id="rId19"/>
-    <p:sldId id="329" r:id="rId20"/>
-    <p:sldId id="318" r:id="rId21"/>
+    <p:sldId id="318" r:id="rId20"/>
   </p:sldIdLst>
   <p:sldSz cx="12192000" cy="6858000"/>
   <p:notesSz cx="6858000" cy="9144000"/>
@@ -597,7 +596,7 @@
           <a:p>
             <a:fld id="{EA0C0817-A112-4847-8014-A94B7D2A4EA3}" type="datetime1">
               <a:rPr lang="en-US" smtClean="0"/>
-              <a:t>4/20/2021</a:t>
+              <a:t>4/21/2021</a:t>
             </a:fld>
             <a:endParaRPr lang="en-US" dirty="0"/>
           </a:p>
@@ -799,7 +798,7 @@
           <a:p>
             <a:fld id="{7332B432-ACDA-4023-A761-2BAB76577B62}" type="datetime1">
               <a:rPr lang="en-US" smtClean="0"/>
-              <a:t>4/20/2021</a:t>
+              <a:t>4/21/2021</a:t>
             </a:fld>
             <a:endParaRPr lang="en-US" dirty="0"/>
           </a:p>
@@ -1398,7 +1397,7 @@
           <a:p>
             <a:fld id="{D9C646AA-F36E-4540-911D-FFFC0A0EF24A}" type="datetime1">
               <a:rPr lang="en-US" smtClean="0"/>
-              <a:t>4/20/2021</a:t>
+              <a:t>4/21/2021</a:t>
             </a:fld>
             <a:endParaRPr lang="en-US" dirty="0"/>
           </a:p>
@@ -1718,7 +1717,7 @@
           <a:p>
             <a:fld id="{69186D26-FA5F-4637-B602-B7C2DC34CFD4}" type="datetime1">
               <a:rPr lang="en-US" smtClean="0"/>
-              <a:t>4/20/2021</a:t>
+              <a:t>4/21/2021</a:t>
             </a:fld>
             <a:endParaRPr lang="en-US" dirty="0"/>
           </a:p>
@@ -2155,7 +2154,7 @@
           <a:p>
             <a:fld id="{8A7F15D8-96D1-4781-BC50-CA8A088B2FE4}" type="datetime1">
               <a:rPr lang="en-US" smtClean="0"/>
-              <a:t>4/20/2021</a:t>
+              <a:t>4/21/2021</a:t>
             </a:fld>
             <a:endParaRPr lang="en-US" dirty="0"/>
           </a:p>
@@ -2273,7 +2272,7 @@
           <a:p>
             <a:fld id="{F9A96C99-B8F8-4528-BD05-0E16E943DC09}" type="datetime1">
               <a:rPr lang="en-US" smtClean="0"/>
-              <a:t>4/20/2021</a:t>
+              <a:t>4/21/2021</a:t>
             </a:fld>
             <a:endParaRPr lang="en-US" dirty="0"/>
           </a:p>
@@ -2368,7 +2367,7 @@
           <a:p>
             <a:fld id="{03636942-C211-4B28-8DBD-C953E00AF71B}" type="datetime1">
               <a:rPr lang="en-US" smtClean="0"/>
-              <a:t>4/20/2021</a:t>
+              <a:t>4/21/2021</a:t>
             </a:fld>
             <a:endParaRPr lang="en-US" dirty="0"/>
           </a:p>
@@ -2785,7 +2784,7 @@
           <a:p>
             <a:fld id="{7E8D12A6-918A-48BD-8CB9-CA713993B0EA}" type="datetime1">
               <a:rPr lang="en-US" smtClean="0"/>
-              <a:t>4/20/2021</a:t>
+              <a:t>4/21/2021</a:t>
             </a:fld>
             <a:endParaRPr lang="en-US" dirty="0"/>
           </a:p>
@@ -3047,7 +3046,7 @@
             <a:fld id="{E778CE86-875F-4587-BCF6-FA054AFC0D53}" type="datetime1">
               <a:rPr lang="en-US" smtClean="0"/>
               <a:pPr/>
-              <a:t>4/20/2021</a:t>
+              <a:t>4/21/2021</a:t>
             </a:fld>
             <a:endParaRPr lang="en-US" dirty="0"/>
           </a:p>
@@ -3563,7 +3562,7 @@
           <a:p>
             <a:fld id="{F6FA2B21-3FCD-4721-B95C-427943F61125}" type="datetime1">
               <a:rPr lang="en-US" smtClean="0"/>
-              <a:t>4/20/2021</a:t>
+              <a:t>4/21/2021</a:t>
             </a:fld>
             <a:endParaRPr lang="en-US" dirty="0"/>
           </a:p>
@@ -5754,7 +5753,7 @@
         </p:spPr>
         <p:txBody>
           <a:bodyPr>
-            <a:normAutofit lnSpcReduction="10000"/>
+            <a:normAutofit/>
           </a:bodyPr>
           <a:lstStyle/>
           <a:p>
@@ -5880,73 +5879,34 @@
                 <a:effectLst/>
                 <a:latin typeface="Times New Roman" panose="02020603050405020304" pitchFamily="18" charset="0"/>
               </a:rPr>
-              <a:t>[2] Chen, </a:t>
-            </a:r>
-            <a:r>
-              <a:rPr lang="en-US" b="0" i="0" u="none" strike="noStrike" dirty="0" err="1">
+              <a:t>[2] IEEE Computer Society. “IEEE Standard for Software User Documentation.” </a:t>
+            </a:r>
+            <a:r>
+              <a:rPr lang="en-US" b="0" i="1" u="none" strike="noStrike" dirty="0">
                 <a:effectLst/>
                 <a:latin typeface="Times New Roman" panose="02020603050405020304" pitchFamily="18" charset="0"/>
               </a:rPr>
-              <a:t>Xiongzhi</a:t>
+              <a:t>IEEE Std </a:t>
+            </a:r>
+            <a:br>
+              <a:rPr lang="en-US" b="0" i="1" u="none" strike="noStrike" dirty="0">
+                <a:effectLst/>
+                <a:latin typeface="Times New Roman" panose="02020603050405020304" pitchFamily="18" charset="0"/>
+              </a:rPr>
+            </a:br>
+            <a:r>
+              <a:rPr lang="en-US" b="0" i="1" u="none" strike="noStrike" dirty="0">
+                <a:effectLst/>
+                <a:latin typeface="Times New Roman" panose="02020603050405020304" pitchFamily="18" charset="0"/>
+              </a:rPr>
+              <a:t>    1063-1987</a:t>
             </a:r>
             <a:r>
               <a:rPr lang="en-US" b="0" i="0" u="none" strike="noStrike" dirty="0">
                 <a:effectLst/>
                 <a:latin typeface="Times New Roman" panose="02020603050405020304" pitchFamily="18" charset="0"/>
               </a:rPr>
-              <a:t>. “Introduction to Statistical Modeling” Lecture presented at Washington </a:t>
-            </a:r>
-            <a:br>
-              <a:rPr lang="en-US" b="0" i="0" u="none" strike="noStrike" dirty="0">
-                <a:effectLst/>
-                <a:latin typeface="Times New Roman" panose="02020603050405020304" pitchFamily="18" charset="0"/>
-              </a:rPr>
-            </a:br>
-            <a:r>
-              <a:rPr lang="en-US" b="0" i="0" u="none" strike="noStrike" dirty="0">
-                <a:effectLst/>
-                <a:latin typeface="Times New Roman" panose="02020603050405020304" pitchFamily="18" charset="0"/>
-              </a:rPr>
-              <a:t>    State University Vancouver, Vancouver, </a:t>
-            </a:r>
-            <a:r>
-              <a:rPr lang="en-US" b="0" i="0" u="none" strike="noStrike" dirty="0" err="1">
-                <a:effectLst/>
-                <a:latin typeface="Times New Roman" panose="02020603050405020304" pitchFamily="18" charset="0"/>
-              </a:rPr>
-              <a:t>Wa</a:t>
-            </a:r>
-            <a:r>
-              <a:rPr lang="en-US" b="0" i="0" u="none" strike="noStrike" dirty="0">
-                <a:effectLst/>
-                <a:latin typeface="Times New Roman" panose="02020603050405020304" pitchFamily="18" charset="0"/>
-              </a:rPr>
-              <a:t>, October 2020. </a:t>
-            </a:r>
-          </a:p>
-          <a:p>
-            <a:pPr marL="0" indent="0">
-              <a:buNone/>
-            </a:pPr>
-            <a:r>
-              <a:rPr lang="en-US" b="0" i="0" u="none" strike="noStrike" dirty="0">
-                <a:effectLst/>
-                <a:latin typeface="Times New Roman" panose="02020603050405020304" pitchFamily="18" charset="0"/>
-              </a:rPr>
-              <a:t>[3] “ImageJ Software.” smalldropsprays.info. Accessed October 22, 2020.</a:t>
-            </a:r>
-            <a:br>
-              <a:rPr lang="en-US" b="0" i="0" u="none" strike="noStrike" dirty="0">
-                <a:effectLst/>
-                <a:latin typeface="Times New Roman" panose="02020603050405020304" pitchFamily="18" charset="0"/>
-              </a:rPr>
-            </a:br>
-            <a:r>
-              <a:rPr lang="en-US" b="0" i="0" u="none" strike="noStrike" dirty="0">
-                <a:effectLst/>
-                <a:latin typeface="Times New Roman" panose="02020603050405020304" pitchFamily="18" charset="0"/>
-              </a:rPr>
-              <a:t>    </a:t>
+              <a:t> , New York, Ny. December 20, 2001. </a:t>
             </a:r>
             <a:r>
               <a:rPr lang="en-US" b="0" i="0" u="sng" strike="noStrike" dirty="0">
@@ -5960,40 +5920,104 @@
                   </a:extLst>
                 </a:hlinkClick>
               </a:rPr>
-              <a:t>http://www.smalldropsprays.info/stepbystepmethods/ImageJ-software</a:t>
-            </a:r>
+              <a:t>https://ncihub.org/files/MTRjZGIzZDF</a:t>
+            </a:r>
+            <a:br>
+              <a:rPr lang="en-US" b="0" i="0" u="sng" strike="noStrike" dirty="0">
+                <a:effectLst/>
+                <a:latin typeface="Times New Roman" panose="02020603050405020304" pitchFamily="18" charset="0"/>
+                <a:hlinkClick r:id="rId4">
+                  <a:extLst>
+                    <a:ext uri="{A12FA001-AC4F-418D-AE19-62706E023703}">
+                      <ahyp:hlinkClr xmlns:ahyp="http://schemas.microsoft.com/office/drawing/2018/hyperlinkcolor" val="tx"/>
+                    </a:ext>
+                  </a:extLst>
+                </a:hlinkClick>
+              </a:rPr>
+            </a:br>
+            <a:r>
+              <a:rPr lang="en-US" b="0" i="0" u="sng" strike="noStrike" dirty="0">
+                <a:effectLst/>
+                <a:latin typeface="Times New Roman" panose="02020603050405020304" pitchFamily="18" charset="0"/>
+                <a:hlinkClick r:id="rId4">
+                  <a:extLst>
+                    <a:ext uri="{A12FA001-AC4F-418D-AE19-62706E023703}">
+                      <ahyp:hlinkClr xmlns:ahyp="http://schemas.microsoft.com/office/drawing/2018/hyperlinkcolor" val="tx"/>
+                    </a:ext>
+                  </a:extLst>
+                </a:hlinkClick>
+              </a:rPr>
+              <a:t>    kMzI4NjdhNjg4ZDFjM2E4OGFiYzIyMDMxM2VkYWMzMTk3OThiODFkYTUwNT</a:t>
+            </a:r>
+            <a:br>
+              <a:rPr lang="en-US" b="0" i="0" u="sng" strike="noStrike" dirty="0">
+                <a:effectLst/>
+                <a:latin typeface="Times New Roman" panose="02020603050405020304" pitchFamily="18" charset="0"/>
+                <a:hlinkClick r:id="rId4">
+                  <a:extLst>
+                    <a:ext uri="{A12FA001-AC4F-418D-AE19-62706E023703}">
+                      <ahyp:hlinkClr xmlns:ahyp="http://schemas.microsoft.com/office/drawing/2018/hyperlinkcolor" val="tx"/>
+                    </a:ext>
+                  </a:extLst>
+                </a:hlinkClick>
+              </a:rPr>
+            </a:br>
+            <a:r>
+              <a:rPr lang="en-US" b="0" i="0" u="sng" strike="noStrike" dirty="0">
+                <a:effectLst/>
+                <a:latin typeface="Times New Roman" panose="02020603050405020304" pitchFamily="18" charset="0"/>
+                <a:hlinkClick r:id="rId4">
+                  <a:extLst>
+                    <a:ext uri="{A12FA001-AC4F-418D-AE19-62706E023703}">
+                      <ahyp:hlinkClr xmlns:ahyp="http://schemas.microsoft.com/office/drawing/2018/hyperlinkcolor" val="tx"/>
+                    </a:ext>
+                  </a:extLst>
+                </a:hlinkClick>
+              </a:rPr>
+              <a:t>    IwNTEwNTQwMzU1MjovdmFyL3d3dy9uY2lwaHViL2FwcC9zaXRlL2NvbGxlY3R</a:t>
+            </a:r>
+            <a:br>
+              <a:rPr lang="en-US" b="0" i="0" u="sng" strike="noStrike" dirty="0">
+                <a:effectLst/>
+                <a:latin typeface="Times New Roman" panose="02020603050405020304" pitchFamily="18" charset="0"/>
+                <a:hlinkClick r:id="rId4">
+                  <a:extLst>
+                    <a:ext uri="{A12FA001-AC4F-418D-AE19-62706E023703}">
+                      <ahyp:hlinkClr xmlns:ahyp="http://schemas.microsoft.com/office/drawing/2018/hyperlinkcolor" val="tx"/>
+                    </a:ext>
+                  </a:extLst>
+                </a:hlinkClick>
+              </a:rPr>
+            </a:br>
+            <a:r>
+              <a:rPr lang="en-US" b="0" i="0" u="sng" strike="noStrike" dirty="0">
+                <a:effectLst/>
+                <a:latin typeface="Times New Roman" panose="02020603050405020304" pitchFamily="18" charset="0"/>
+                <a:hlinkClick r:id="rId4">
+                  <a:extLst>
+                    <a:ext uri="{A12FA001-AC4F-418D-AE19-62706E023703}">
+                      <ahyp:hlinkClr xmlns:ahyp="http://schemas.microsoft.com/office/drawing/2018/hyperlinkcolor" val="tx"/>
+                    </a:ext>
+                  </a:extLst>
+                </a:hlinkClick>
+              </a:rPr>
+              <a:t>    pb25zLzExMzIvSUVFRV9TdGFuZGFyZDEwNjMucGRm</a:t>
+            </a:r>
+            <a:endParaRPr lang="en-US" b="0" i="0" u="sng" strike="noStrike" dirty="0">
+              <a:effectLst/>
+              <a:latin typeface="Times New Roman" panose="02020603050405020304" pitchFamily="18" charset="0"/>
+            </a:endParaRPr>
+          </a:p>
+          <a:p>
+            <a:pPr marL="0" indent="0">
+              <a:buNone/>
+            </a:pPr>
             <a:r>
               <a:rPr lang="en-US" b="0" i="0" u="none" strike="noStrike" dirty="0">
                 <a:effectLst/>
                 <a:latin typeface="Times New Roman" panose="02020603050405020304" pitchFamily="18" charset="0"/>
               </a:rPr>
-              <a:t>.</a:t>
-            </a:r>
-          </a:p>
-          <a:p>
-            <a:pPr marL="0" indent="0">
-              <a:buNone/>
-            </a:pPr>
-            <a:r>
-              <a:rPr lang="en-US" b="0" i="0" u="none" strike="noStrike" dirty="0">
-                <a:effectLst/>
-                <a:latin typeface="Times New Roman" panose="02020603050405020304" pitchFamily="18" charset="0"/>
-              </a:rPr>
-              <a:t>[4] Gao, Fei, and Mohammad E. </a:t>
-            </a:r>
-            <a:r>
-              <a:rPr lang="en-US" b="0" i="0" u="none" strike="noStrike" dirty="0" err="1">
-                <a:effectLst/>
-                <a:latin typeface="Times New Roman" panose="02020603050405020304" pitchFamily="18" charset="0"/>
-              </a:rPr>
-              <a:t>Taslim</a:t>
-            </a:r>
-            <a:r>
-              <a:rPr lang="en-US" b="0" i="0" u="none" strike="noStrike" dirty="0">
-                <a:effectLst/>
-                <a:latin typeface="Times New Roman" panose="02020603050405020304" pitchFamily="18" charset="0"/>
-              </a:rPr>
-              <a:t>. “Numerical Simulation of the Droplet-Surface Impact </a:t>
+              <a:t>[3] “ImageJ Software.” smalldropsprays.info. Accessed October 22, 2020.</a:t>
             </a:r>
             <a:br>
               <a:rPr lang="en-US" b="0" i="0" u="none" strike="noStrike" dirty="0">
@@ -6006,47 +6030,54 @@
                 <a:effectLst/>
                 <a:latin typeface="Times New Roman" panose="02020603050405020304" pitchFamily="18" charset="0"/>
               </a:rPr>
-              <a:t>    Using </a:t>
+              <a:t>    </a:t>
+            </a:r>
+            <a:r>
+              <a:rPr lang="en-US" b="0" i="0" u="sng" strike="noStrike" dirty="0">
+                <a:effectLst/>
+                <a:latin typeface="Times New Roman" panose="02020603050405020304" pitchFamily="18" charset="0"/>
+                <a:hlinkClick r:id="rId5">
+                  <a:extLst>
+                    <a:ext uri="{A12FA001-AC4F-418D-AE19-62706E023703}">
+                      <ahyp:hlinkClr xmlns:ahyp="http://schemas.microsoft.com/office/drawing/2018/hyperlinkcolor" val="tx"/>
+                    </a:ext>
+                  </a:extLst>
+                </a:hlinkClick>
+              </a:rPr>
+              <a:t>http://www.smalldropsprays.info/stepbystepmethods/ImageJ-software</a:t>
+            </a:r>
+            <a:r>
+              <a:rPr lang="en-US" b="0" i="0" u="none" strike="noStrike" dirty="0">
+                <a:effectLst/>
+                <a:latin typeface="Times New Roman" panose="02020603050405020304" pitchFamily="18" charset="0"/>
+              </a:rPr>
+              <a:t>.</a:t>
+            </a:r>
+          </a:p>
+          <a:p>
+            <a:pPr marL="0" indent="0">
+              <a:buNone/>
+            </a:pPr>
+            <a:r>
+              <a:rPr lang="en-US" b="0" i="0" u="none" strike="noStrike" dirty="0">
+                <a:effectLst/>
+                <a:latin typeface="Times New Roman" panose="02020603050405020304" pitchFamily="18" charset="0"/>
+              </a:rPr>
+              <a:t>[4]  “</a:t>
             </a:r>
             <a:r>
               <a:rPr lang="en-US" b="0" i="0" u="none" strike="noStrike" dirty="0" err="1">
                 <a:effectLst/>
                 <a:latin typeface="Times New Roman" panose="02020603050405020304" pitchFamily="18" charset="0"/>
               </a:rPr>
-              <a:t>InterFoam</a:t>
+              <a:t>Optimas</a:t>
             </a:r>
             <a:r>
               <a:rPr lang="en-US" b="0" i="0" u="none" strike="noStrike" dirty="0">
                 <a:effectLst/>
                 <a:latin typeface="Times New Roman" panose="02020603050405020304" pitchFamily="18" charset="0"/>
               </a:rPr>
-              <a:t>,” 2015.</a:t>
-            </a:r>
-          </a:p>
-          <a:p>
-            <a:pPr marL="0" indent="0">
-              <a:buNone/>
-            </a:pPr>
-            <a:r>
-              <a:rPr lang="en-US" b="0" i="0" u="none" strike="noStrike" dirty="0">
-                <a:effectLst/>
-                <a:latin typeface="Times New Roman" panose="02020603050405020304" pitchFamily="18" charset="0"/>
-              </a:rPr>
-              <a:t>[5] Greenshields, Chris. “</a:t>
-            </a:r>
-            <a:r>
-              <a:rPr lang="en-US" b="0" i="0" u="none" strike="noStrike" dirty="0" err="1">
-                <a:effectLst/>
-                <a:latin typeface="Times New Roman" panose="02020603050405020304" pitchFamily="18" charset="0"/>
-              </a:rPr>
-              <a:t>OpenFOAM</a:t>
-            </a:r>
-            <a:r>
-              <a:rPr lang="en-US" b="0" i="0" u="none" strike="noStrike" dirty="0">
-                <a:effectLst/>
-                <a:latin typeface="Times New Roman" panose="02020603050405020304" pitchFamily="18" charset="0"/>
-              </a:rPr>
-              <a:t> v6 User Guide: 4.3 Time and Data I/O Control.” CFD </a:t>
+              <a:t> Software for Imaging”, Adept Turnkey, accessed October 21, 2020,</a:t>
             </a:r>
             <a:br>
               <a:rPr lang="en-US" b="0" i="0" u="none" strike="noStrike" dirty="0">
@@ -6059,63 +6090,29 @@
                 <a:effectLst/>
                 <a:latin typeface="Times New Roman" panose="02020603050405020304" pitchFamily="18" charset="0"/>
               </a:rPr>
-              <a:t>    Direct. CFD Direct Ltd., July 10, 2018. </a:t>
-            </a:r>
-            <a:br>
+              <a:t>    </a:t>
+            </a:r>
+            <a:r>
+              <a:rPr lang="en-US" b="0" i="0" u="sng" strike="noStrike" dirty="0">
+                <a:effectLst/>
+                <a:latin typeface="Times New Roman" panose="02020603050405020304" pitchFamily="18" charset="0"/>
+                <a:hlinkClick r:id="rId6">
+                  <a:extLst>
+                    <a:ext uri="{A12FA001-AC4F-418D-AE19-62706E023703}">
+                      <ahyp:hlinkClr xmlns:ahyp="http://schemas.microsoft.com/office/drawing/2018/hyperlinkcolor" val="tx"/>
+                    </a:ext>
+                  </a:extLst>
+                </a:hlinkClick>
+              </a:rPr>
+              <a:t>http://www.adept.net.au/software/mediacy/optimas/index.shtml</a:t>
+            </a:r>
+            <a:r>
               <a:rPr lang="en-US" b="0" i="0" u="none" strike="noStrike" dirty="0">
                 <a:effectLst/>
                 <a:latin typeface="Times New Roman" panose="02020603050405020304" pitchFamily="18" charset="0"/>
               </a:rPr>
-            </a:br>
-            <a:r>
-              <a:rPr lang="en-US" b="0" i="0" u="none" strike="noStrike" dirty="0">
-                <a:effectLst/>
-                <a:latin typeface="Times New Roman" panose="02020603050405020304" pitchFamily="18" charset="0"/>
-              </a:rPr>
-              <a:t>    ffhttps://cfd.direct/openfoam/user-guide/v6-controldict/.</a:t>
-            </a:r>
-          </a:p>
-          <a:p>
-            <a:pPr marL="0" indent="0">
-              <a:buNone/>
-            </a:pPr>
-            <a:r>
-              <a:rPr lang="en-US" b="0" i="0" u="none" strike="noStrike" dirty="0">
-                <a:effectLst/>
-                <a:latin typeface="Times New Roman" panose="02020603050405020304" pitchFamily="18" charset="0"/>
-              </a:rPr>
-              <a:t>[6] Kaul, Abhishek. “Contrast Matrices and Unpaired” Lecture presented at Washington State </a:t>
-            </a:r>
-            <a:br>
-              <a:rPr lang="en-US" b="0" i="0" u="none" strike="noStrike" dirty="0">
-                <a:effectLst/>
-                <a:latin typeface="Times New Roman" panose="02020603050405020304" pitchFamily="18" charset="0"/>
-              </a:rPr>
-            </a:br>
-            <a:r>
-              <a:rPr lang="en-US" b="0" i="0" u="none" strike="noStrike" dirty="0">
-                <a:effectLst/>
-                <a:latin typeface="Times New Roman" panose="02020603050405020304" pitchFamily="18" charset="0"/>
-              </a:rPr>
-              <a:t>    University Vancouver, Vancouver, </a:t>
-            </a:r>
-            <a:r>
-              <a:rPr lang="en-US" b="0" i="0" u="none" strike="noStrike" dirty="0" err="1">
-                <a:effectLst/>
-                <a:latin typeface="Times New Roman" panose="02020603050405020304" pitchFamily="18" charset="0"/>
-              </a:rPr>
-              <a:t>Wa</a:t>
-            </a:r>
-            <a:r>
-              <a:rPr lang="en-US" b="0" i="0" u="none" strike="noStrike" dirty="0">
-                <a:effectLst/>
-                <a:latin typeface="Times New Roman" panose="02020603050405020304" pitchFamily="18" charset="0"/>
-              </a:rPr>
-              <a:t>, April 2019.</a:t>
-            </a:r>
-            <a:endParaRPr lang="en-US" dirty="0">
-              <a:effectLst/>
-            </a:endParaRPr>
+              <a:t> </a:t>
+            </a:r>
           </a:p>
           <a:p>
             <a:pPr marL="0" indent="0">
@@ -6442,21 +6439,35 @@
                 <a:effectLst/>
                 <a:latin typeface="Times New Roman" panose="02020603050405020304" pitchFamily="18" charset="0"/>
               </a:rPr>
-              <a:t>[7] Kaul, Abhishek. “K</a:t>
-            </a:r>
-            <a:r>
-              <a:rPr lang="en-US" b="0" i="0" u="none" strike="noStrike" baseline="30000" dirty="0">
+              <a:t>[5] Siddique, </a:t>
+            </a:r>
+            <a:r>
+              <a:rPr lang="en-US" b="0" i="0" u="none" strike="noStrike" dirty="0" err="1">
                 <a:effectLst/>
                 <a:latin typeface="Times New Roman" panose="02020603050405020304" pitchFamily="18" charset="0"/>
               </a:rPr>
-              <a:t>th </a:t>
+              <a:t>Anayet</a:t>
             </a:r>
             <a:r>
               <a:rPr lang="en-US" b="0" i="0" u="none" strike="noStrike" dirty="0">
                 <a:effectLst/>
                 <a:latin typeface="Times New Roman" panose="02020603050405020304" pitchFamily="18" charset="0"/>
               </a:rPr>
-              <a:t>Nearest Neighbor” Lecture presented at Washington State University </a:t>
+              <a:t> Ullah  Siddique, Marcus Trimble, Feng Zhao, Mark M. </a:t>
+            </a:r>
+            <a:r>
+              <a:rPr lang="en-US" b="0" i="0" u="none" strike="noStrike" dirty="0" err="1">
+                <a:effectLst/>
+                <a:latin typeface="Times New Roman" panose="02020603050405020304" pitchFamily="18" charset="0"/>
+              </a:rPr>
+              <a:t>Weislogel</a:t>
+            </a:r>
+            <a:r>
+              <a:rPr lang="en-US" b="0" i="0" u="none" strike="noStrike" dirty="0">
+                <a:effectLst/>
+                <a:latin typeface="Times New Roman" panose="02020603050405020304" pitchFamily="18" charset="0"/>
+              </a:rPr>
+              <a:t>, and </a:t>
             </a:r>
             <a:br>
               <a:rPr lang="en-US" b="0" i="0" u="none" strike="noStrike" dirty="0">
@@ -6469,21 +6480,39 @@
                 <a:effectLst/>
                 <a:latin typeface="Times New Roman" panose="02020603050405020304" pitchFamily="18" charset="0"/>
               </a:rPr>
-              <a:t>    Vancouver, Vancouver, </a:t>
+              <a:t>    Hua Tan. “Jet ejection following drop impact on </a:t>
             </a:r>
             <a:r>
               <a:rPr lang="en-US" b="0" i="0" u="none" strike="noStrike" dirty="0" err="1">
                 <a:effectLst/>
                 <a:latin typeface="Times New Roman" panose="02020603050405020304" pitchFamily="18" charset="0"/>
               </a:rPr>
-              <a:t>Wa</a:t>
+              <a:t>micropillared</a:t>
             </a:r>
             <a:r>
               <a:rPr lang="en-US" b="0" i="0" u="none" strike="noStrike" dirty="0">
                 <a:effectLst/>
                 <a:latin typeface="Times New Roman" panose="02020603050405020304" pitchFamily="18" charset="0"/>
               </a:rPr>
-              <a:t>, April 2019.</a:t>
+              <a:t> hydrophilic substrates.” APS physics</a:t>
+            </a:r>
+            <a:br>
+              <a:rPr lang="en-US" dirty="0">
+                <a:latin typeface="Times New Roman" panose="02020603050405020304" pitchFamily="18" charset="0"/>
+              </a:rPr>
+            </a:br>
+            <a:r>
+              <a:rPr lang="en-US" dirty="0">
+                <a:latin typeface="Times New Roman" panose="02020603050405020304" pitchFamily="18" charset="0"/>
+              </a:rPr>
+              <a:t>    </a:t>
+            </a:r>
+            <a:r>
+              <a:rPr lang="en-US" b="0" i="0" u="none" strike="noStrike" dirty="0">
+                <a:effectLst/>
+                <a:latin typeface="Times New Roman" panose="02020603050405020304" pitchFamily="18" charset="0"/>
+              </a:rPr>
+              <a:t>Journals.aps.org, July 15, 2020. </a:t>
             </a:r>
           </a:p>
           <a:p>
@@ -6495,7 +6524,35 @@
                 <a:effectLst/>
                 <a:latin typeface="Times New Roman" panose="02020603050405020304" pitchFamily="18" charset="0"/>
               </a:rPr>
-              <a:t>[8] Kaul, Abhishek. “LDA and QDA” Lecture presented at Washington State University </a:t>
+              <a:t>[6] </a:t>
+            </a:r>
+            <a:r>
+              <a:rPr lang="en-US" b="0" i="0" u="none" strike="noStrike" dirty="0" err="1">
+                <a:effectLst/>
+                <a:latin typeface="Times New Roman" panose="02020603050405020304" pitchFamily="18" charset="0"/>
+              </a:rPr>
+              <a:t>Stalder</a:t>
+            </a:r>
+            <a:r>
+              <a:rPr lang="en-US" b="0" i="0" u="none" strike="noStrike" dirty="0">
+                <a:effectLst/>
+                <a:latin typeface="Times New Roman" panose="02020603050405020304" pitchFamily="18" charset="0"/>
+              </a:rPr>
+              <a:t>, </a:t>
+            </a:r>
+            <a:r>
+              <a:rPr lang="en-US" b="0" i="0" u="none" strike="noStrike" dirty="0" err="1">
+                <a:effectLst/>
+                <a:latin typeface="Times New Roman" panose="02020603050405020304" pitchFamily="18" charset="0"/>
+              </a:rPr>
+              <a:t>A.f.</a:t>
+            </a:r>
+            <a:r>
+              <a:rPr lang="en-US" b="0" i="0" u="none" strike="noStrike" dirty="0">
+                <a:effectLst/>
+                <a:latin typeface="Times New Roman" panose="02020603050405020304" pitchFamily="18" charset="0"/>
+              </a:rPr>
+              <a:t>, G. Kulik, D. Sage, L. Barbieri, and P. Hoffmann. “A Snake-Based Approach to</a:t>
             </a:r>
             <a:br>
               <a:rPr lang="en-US" b="0" i="0" u="none" strike="noStrike" dirty="0">
@@ -6508,47 +6565,34 @@
                 <a:effectLst/>
                 <a:latin typeface="Times New Roman" panose="02020603050405020304" pitchFamily="18" charset="0"/>
               </a:rPr>
-              <a:t>    Vancouver, Vancouver, </a:t>
-            </a:r>
-            <a:r>
-              <a:rPr lang="en-US" b="0" i="0" u="none" strike="noStrike" dirty="0" err="1">
+              <a:t>    Accurate Determination of Both Contact Points and Contact Angles.” </a:t>
+            </a:r>
+            <a:r>
+              <a:rPr lang="en-US" b="0" i="1" u="none" strike="noStrike" dirty="0">
                 <a:effectLst/>
                 <a:latin typeface="Times New Roman" panose="02020603050405020304" pitchFamily="18" charset="0"/>
               </a:rPr>
-              <a:t>Wa</a:t>
+              <a:t>Colloids and </a:t>
+            </a:r>
+            <a:br>
+              <a:rPr lang="en-US" b="0" i="1" u="none" strike="noStrike" dirty="0">
+                <a:effectLst/>
+                <a:latin typeface="Times New Roman" panose="02020603050405020304" pitchFamily="18" charset="0"/>
+              </a:rPr>
+            </a:br>
+            <a:r>
+              <a:rPr lang="en-US" b="0" i="1" u="none" strike="noStrike" dirty="0">
+                <a:effectLst/>
+                <a:latin typeface="Times New Roman" panose="02020603050405020304" pitchFamily="18" charset="0"/>
+              </a:rPr>
+              <a:t>    Surfaces A: Physicochemical and Engineering Aspects</a:t>
             </a:r>
             <a:r>
               <a:rPr lang="en-US" b="0" i="0" u="none" strike="noStrike" dirty="0">
                 <a:effectLst/>
                 <a:latin typeface="Times New Roman" panose="02020603050405020304" pitchFamily="18" charset="0"/>
               </a:rPr>
-              <a:t>, April 2019.</a:t>
-            </a:r>
-          </a:p>
-          <a:p>
-            <a:pPr marL="0" indent="0">
-              <a:buNone/>
-            </a:pPr>
-            <a:r>
-              <a:rPr lang="en-US" b="0" i="0" u="none" strike="noStrike" dirty="0">
-                <a:effectLst/>
-                <a:latin typeface="Times New Roman" panose="02020603050405020304" pitchFamily="18" charset="0"/>
-              </a:rPr>
-              <a:t>[9]  “</a:t>
-            </a:r>
-            <a:r>
-              <a:rPr lang="en-US" b="0" i="0" u="none" strike="noStrike" dirty="0" err="1">
-                <a:effectLst/>
-                <a:latin typeface="Times New Roman" panose="02020603050405020304" pitchFamily="18" charset="0"/>
-              </a:rPr>
-              <a:t>Optimas</a:t>
-            </a:r>
-            <a:r>
-              <a:rPr lang="en-US" b="0" i="0" u="none" strike="noStrike" dirty="0">
-                <a:effectLst/>
-                <a:latin typeface="Times New Roman" panose="02020603050405020304" pitchFamily="18" charset="0"/>
-              </a:rPr>
-              <a:t> Software for Imaging”, Adept Turnkey, accessed October 21, 2020,</a:t>
+              <a:t> 286, no. 1-3 (2006): 92–103. </a:t>
             </a:r>
             <a:br>
               <a:rPr lang="en-US" b="0" i="0" u="none" strike="noStrike" dirty="0">
@@ -6561,10 +6605,31 @@
                 <a:effectLst/>
                 <a:latin typeface="Times New Roman" panose="02020603050405020304" pitchFamily="18" charset="0"/>
               </a:rPr>
-              <a:t>    </a:t>
-            </a:r>
-            <a:r>
-              <a:rPr lang="en-US" b="0" i="0" u="sng" strike="noStrike" dirty="0">
+              <a:t>    https://doi.org/10.1016/j.colsurfa.2006.03.008.</a:t>
+            </a:r>
+            <a:endParaRPr lang="en-US" dirty="0">
+              <a:effectLst/>
+            </a:endParaRPr>
+          </a:p>
+          <a:p>
+            <a:pPr marL="0" indent="0">
+              <a:buNone/>
+            </a:pPr>
+            <a:r>
+              <a:rPr lang="da-DK" dirty="0">
+                <a:latin typeface="Times New Roman" panose="02020603050405020304" pitchFamily="18" charset="0"/>
+              </a:rPr>
+              <a:t>[7] </a:t>
+            </a:r>
+            <a:r>
+              <a:rPr lang="da-DK" b="0" i="0" u="none" strike="noStrike" dirty="0">
+                <a:effectLst/>
+                <a:latin typeface="Times New Roman" panose="02020603050405020304" pitchFamily="18" charset="0"/>
+              </a:rPr>
+              <a:t>Stalder, Aurélien. “Flevet.” BIII. Accessed October 22, 2020. </a:t>
+            </a:r>
+            <a:r>
+              <a:rPr lang="da-DK" b="0" i="0" u="sng" strike="noStrike" dirty="0">
                 <a:effectLst/>
                 <a:latin typeface="Times New Roman" panose="02020603050405020304" pitchFamily="18" charset="0"/>
                 <a:hlinkClick r:id="rId3">
@@ -6575,54 +6640,58 @@
                   </a:extLst>
                 </a:hlinkClick>
               </a:rPr>
-              <a:t>http://www.adept.net.au/software/mediacy/optimas/index.shtml</a:t>
-            </a:r>
+              <a:t>https://www.biii.eu/lbadsa</a:t>
+            </a:r>
+            <a:r>
+              <a:rPr lang="da-DK" b="0" i="0" u="none" strike="noStrike" dirty="0">
+                <a:effectLst/>
+                <a:latin typeface="Times New Roman" panose="02020603050405020304" pitchFamily="18" charset="0"/>
+              </a:rPr>
+              <a:t>.</a:t>
+            </a:r>
+            <a:endParaRPr lang="en-US" b="0" i="0" u="none" strike="noStrike" dirty="0">
+              <a:effectLst/>
+              <a:latin typeface="Times New Roman" panose="02020603050405020304" pitchFamily="18" charset="0"/>
+            </a:endParaRPr>
+          </a:p>
+          <a:p>
+            <a:pPr marL="0" indent="0">
+              <a:buNone/>
+            </a:pPr>
             <a:r>
               <a:rPr lang="en-US" b="0" i="0" u="none" strike="noStrike" dirty="0">
                 <a:effectLst/>
                 <a:latin typeface="Times New Roman" panose="02020603050405020304" pitchFamily="18" charset="0"/>
               </a:rPr>
-              <a:t> </a:t>
-            </a:r>
-          </a:p>
-          <a:p>
-            <a:pPr marL="0" indent="0">
-              <a:buNone/>
-            </a:pPr>
+              <a:t>[8] </a:t>
+            </a:r>
+            <a:r>
+              <a:rPr lang="en-US" b="0" i="0" u="none" strike="noStrike" dirty="0" err="1">
+                <a:effectLst/>
+                <a:latin typeface="Times New Roman" panose="02020603050405020304" pitchFamily="18" charset="0"/>
+              </a:rPr>
+              <a:t>Stalder</a:t>
+            </a:r>
             <a:r>
               <a:rPr lang="en-US" b="0" i="0" u="none" strike="noStrike" dirty="0">
                 <a:effectLst/>
                 <a:latin typeface="Times New Roman" panose="02020603050405020304" pitchFamily="18" charset="0"/>
               </a:rPr>
-              <a:t>[10] Siddique, </a:t>
+              <a:t>, </a:t>
             </a:r>
             <a:r>
               <a:rPr lang="en-US" b="0" i="0" u="none" strike="noStrike" dirty="0" err="1">
                 <a:effectLst/>
                 <a:latin typeface="Times New Roman" panose="02020603050405020304" pitchFamily="18" charset="0"/>
               </a:rPr>
-              <a:t>Anayet</a:t>
+              <a:t>A.f.</a:t>
             </a:r>
             <a:r>
               <a:rPr lang="en-US" b="0" i="0" u="none" strike="noStrike" dirty="0">
                 <a:effectLst/>
                 <a:latin typeface="Times New Roman" panose="02020603050405020304" pitchFamily="18" charset="0"/>
               </a:rPr>
-              <a:t> Ullah  Siddique, Marcus Trimble, Feng Zhao, Mark M. </a:t>
-            </a:r>
-            <a:r>
-              <a:rPr lang="en-US" b="0" i="0" u="none" strike="noStrike" dirty="0" err="1">
-                <a:effectLst/>
-                <a:latin typeface="Times New Roman" panose="02020603050405020304" pitchFamily="18" charset="0"/>
-              </a:rPr>
-              <a:t>Weislogel</a:t>
-            </a:r>
-            <a:r>
-              <a:rPr lang="en-US" b="0" i="0" u="none" strike="noStrike" dirty="0">
-                <a:effectLst/>
-                <a:latin typeface="Times New Roman" panose="02020603050405020304" pitchFamily="18" charset="0"/>
-              </a:rPr>
-              <a:t>, and </a:t>
+              <a:t>, G. Kulik, D. Sage, L. Barbieri, and P. Hoffmann. “A Snake-Based Approach to</a:t>
             </a:r>
             <a:br>
               <a:rPr lang="en-US" b="0" i="0" u="none" strike="noStrike" dirty="0">
@@ -6635,82 +6704,34 @@
                 <a:effectLst/>
                 <a:latin typeface="Times New Roman" panose="02020603050405020304" pitchFamily="18" charset="0"/>
               </a:rPr>
-              <a:t>    Hua Tan. “Jet ejection following drop impact on </a:t>
-            </a:r>
-            <a:r>
-              <a:rPr lang="en-US" b="0" i="0" u="none" strike="noStrike" dirty="0" err="1">
+              <a:t>    Accurate Determination of Both Contact Points and Contact Angles.” </a:t>
+            </a:r>
+            <a:r>
+              <a:rPr lang="en-US" b="0" i="1" u="none" strike="noStrike" dirty="0">
                 <a:effectLst/>
                 <a:latin typeface="Times New Roman" panose="02020603050405020304" pitchFamily="18" charset="0"/>
               </a:rPr>
-              <a:t>micropillared</a:t>
+              <a:t>Colloids and </a:t>
+            </a:r>
+            <a:br>
+              <a:rPr lang="en-US" b="0" i="1" u="none" strike="noStrike" dirty="0">
+                <a:effectLst/>
+                <a:latin typeface="Times New Roman" panose="02020603050405020304" pitchFamily="18" charset="0"/>
+              </a:rPr>
+            </a:br>
+            <a:r>
+              <a:rPr lang="en-US" b="0" i="1" u="none" strike="noStrike" dirty="0">
+                <a:effectLst/>
+                <a:latin typeface="Times New Roman" panose="02020603050405020304" pitchFamily="18" charset="0"/>
+              </a:rPr>
+              <a:t>    Surfaces A: Physicochemical and Engineering Aspects</a:t>
             </a:r>
             <a:r>
               <a:rPr lang="en-US" b="0" i="0" u="none" strike="noStrike" dirty="0">
                 <a:effectLst/>
                 <a:latin typeface="Times New Roman" panose="02020603050405020304" pitchFamily="18" charset="0"/>
               </a:rPr>
-              <a:t> hydrophilic substrates.” APS physics</a:t>
-            </a:r>
-            <a:br>
-              <a:rPr lang="en-US" dirty="0">
-                <a:latin typeface="Times New Roman" panose="02020603050405020304" pitchFamily="18" charset="0"/>
-              </a:rPr>
-            </a:br>
-            <a:r>
-              <a:rPr lang="en-US" dirty="0">
-                <a:latin typeface="Times New Roman" panose="02020603050405020304" pitchFamily="18" charset="0"/>
-              </a:rPr>
-              <a:t>    </a:t>
-            </a:r>
-            <a:r>
-              <a:rPr lang="en-US" b="0" i="0" u="none" strike="noStrike" dirty="0">
-                <a:effectLst/>
-                <a:latin typeface="Times New Roman" panose="02020603050405020304" pitchFamily="18" charset="0"/>
-              </a:rPr>
-              <a:t>Journals.aps.org, July 15, 2020. </a:t>
-            </a:r>
-            <a:endParaRPr lang="en-US" dirty="0">
-              <a:latin typeface="Times New Roman" panose="02020603050405020304" pitchFamily="18" charset="0"/>
-            </a:endParaRPr>
-          </a:p>
-          <a:p>
-            <a:pPr marL="0" indent="0">
-              <a:buNone/>
-            </a:pPr>
-            <a:r>
-              <a:rPr lang="en-US" b="0" i="0" u="none" strike="noStrike" dirty="0">
-                <a:effectLst/>
-                <a:latin typeface="Times New Roman" panose="02020603050405020304" pitchFamily="18" charset="0"/>
-              </a:rPr>
-              <a:t>[11] </a:t>
-            </a:r>
-            <a:r>
-              <a:rPr lang="en-US" b="0" i="0" u="none" strike="noStrike" dirty="0" err="1">
-                <a:effectLst/>
-                <a:latin typeface="Times New Roman" panose="02020603050405020304" pitchFamily="18" charset="0"/>
-              </a:rPr>
-              <a:t>Stalder</a:t>
-            </a:r>
-            <a:r>
-              <a:rPr lang="en-US" b="0" i="0" u="none" strike="noStrike" dirty="0">
-                <a:effectLst/>
-                <a:latin typeface="Times New Roman" panose="02020603050405020304" pitchFamily="18" charset="0"/>
-              </a:rPr>
-              <a:t>, </a:t>
-            </a:r>
-            <a:r>
-              <a:rPr lang="en-US" b="0" i="0" u="none" strike="noStrike" dirty="0" err="1">
-                <a:effectLst/>
-                <a:latin typeface="Times New Roman" panose="02020603050405020304" pitchFamily="18" charset="0"/>
-              </a:rPr>
-              <a:t>A.f.</a:t>
-            </a:r>
-            <a:r>
-              <a:rPr lang="en-US" b="0" i="0" u="none" strike="noStrike" dirty="0">
-                <a:effectLst/>
-                <a:latin typeface="Times New Roman" panose="02020603050405020304" pitchFamily="18" charset="0"/>
-              </a:rPr>
-              <a:t>, G. Kulik, D. Sage, L. Barbieri, and P. Hoffmann. “A Snake-Based Approach to</a:t>
+              <a:t> 286, no. 1-3 (2006): 92–103. </a:t>
             </a:r>
             <a:br>
               <a:rPr lang="en-US" b="0" i="0" u="none" strike="noStrike" dirty="0">
@@ -6723,71 +6744,10 @@
                 <a:effectLst/>
                 <a:latin typeface="Times New Roman" panose="02020603050405020304" pitchFamily="18" charset="0"/>
               </a:rPr>
-              <a:t>    Accurate Determination of Both Contact Points and Contact Angles.” </a:t>
-            </a:r>
-            <a:r>
-              <a:rPr lang="en-US" b="0" i="1" u="none" strike="noStrike" dirty="0">
-                <a:effectLst/>
-                <a:latin typeface="Times New Roman" panose="02020603050405020304" pitchFamily="18" charset="0"/>
-              </a:rPr>
-              <a:t>Colloids and </a:t>
-            </a:r>
-            <a:br>
-              <a:rPr lang="en-US" b="0" i="1" u="none" strike="noStrike" dirty="0">
-                <a:effectLst/>
-                <a:latin typeface="Times New Roman" panose="02020603050405020304" pitchFamily="18" charset="0"/>
-              </a:rPr>
-            </a:br>
-            <a:r>
-              <a:rPr lang="en-US" b="0" i="1" u="none" strike="noStrike" dirty="0">
-                <a:effectLst/>
-                <a:latin typeface="Times New Roman" panose="02020603050405020304" pitchFamily="18" charset="0"/>
-              </a:rPr>
-              <a:t>    Surfaces A: Physicochemical and Engineering Aspects</a:t>
+              <a:t>    </a:t>
             </a:r>
             <a:r>
               <a:rPr lang="en-US" b="0" i="0" u="none" strike="noStrike" dirty="0">
-                <a:effectLst/>
-                <a:latin typeface="Times New Roman" panose="02020603050405020304" pitchFamily="18" charset="0"/>
-              </a:rPr>
-              <a:t> 286, no. 1-3 (2006): 92–103. </a:t>
-            </a:r>
-            <a:br>
-              <a:rPr lang="en-US" b="0" i="0" u="none" strike="noStrike" dirty="0">
-                <a:effectLst/>
-                <a:latin typeface="Times New Roman" panose="02020603050405020304" pitchFamily="18" charset="0"/>
-              </a:rPr>
-            </a:br>
-            <a:r>
-              <a:rPr lang="en-US" b="0" i="0" u="none" strike="noStrike" dirty="0">
-                <a:effectLst/>
-                <a:latin typeface="Times New Roman" panose="02020603050405020304" pitchFamily="18" charset="0"/>
-              </a:rPr>
-              <a:t>    https://doi.org/10.1016/j.colsurfa.2006.03.008.</a:t>
-            </a:r>
-            <a:endParaRPr lang="en-US" dirty="0">
-              <a:effectLst/>
-            </a:endParaRPr>
-          </a:p>
-          <a:p>
-            <a:pPr marL="0" indent="0">
-              <a:buNone/>
-            </a:pPr>
-            <a:r>
-              <a:rPr lang="da-DK" dirty="0">
-                <a:latin typeface="Times New Roman" panose="02020603050405020304" pitchFamily="18" charset="0"/>
-              </a:rPr>
-              <a:t>[12] </a:t>
-            </a:r>
-            <a:r>
-              <a:rPr lang="da-DK" b="0" i="0" u="none" strike="noStrike" dirty="0">
-                <a:effectLst/>
-                <a:latin typeface="Times New Roman" panose="02020603050405020304" pitchFamily="18" charset="0"/>
-              </a:rPr>
-              <a:t>Stalder, Aurélien. “Flevet.” BIII. Accessed October 22, 2020. </a:t>
-            </a:r>
-            <a:r>
-              <a:rPr lang="da-DK" b="0" i="0" u="sng" strike="noStrike" dirty="0">
                 <a:effectLst/>
                 <a:latin typeface="Times New Roman" panose="02020603050405020304" pitchFamily="18" charset="0"/>
                 <a:hlinkClick r:id="rId4">
@@ -6798,15 +6758,23 @@
                   </a:extLst>
                 </a:hlinkClick>
               </a:rPr>
-              <a:t>https://www.biii.eu/lbadsa</a:t>
-            </a:r>
-            <a:r>
-              <a:rPr lang="da-DK" b="0" i="0" u="none" strike="noStrike" dirty="0">
+              <a:t>https://doi.org/10.1016/j.colsurfa.2006.03.008</a:t>
+            </a:r>
+            <a:r>
+              <a:rPr lang="en-US" b="0" i="0" u="none" strike="noStrike" dirty="0">
                 <a:effectLst/>
                 <a:latin typeface="Times New Roman" panose="02020603050405020304" pitchFamily="18" charset="0"/>
               </a:rPr>
               <a:t>.</a:t>
             </a:r>
+          </a:p>
+          <a:p>
+            <a:pPr marL="0" indent="0">
+              <a:buNone/>
+            </a:pPr>
+            <a:endParaRPr lang="en-US" dirty="0">
+              <a:latin typeface="Times New Roman" panose="02020603050405020304" pitchFamily="18" charset="0"/>
+            </a:endParaRPr>
           </a:p>
         </p:txBody>
       </p:sp>
@@ -6824,427 +6792,6 @@
 </file>
 
 <file path=ppt/slides/slide16.xml><?xml version="1.0" encoding="utf-8"?>
-<p:sld xmlns:a="http://schemas.openxmlformats.org/drawingml/2006/main" xmlns:r="http://schemas.openxmlformats.org/officeDocument/2006/relationships" xmlns:p="http://schemas.openxmlformats.org/presentationml/2006/main">
-  <p:cSld>
-    <p:bg>
-      <p:bgPr>
-        <a:solidFill>
-          <a:schemeClr val="bg2"/>
-        </a:solidFill>
-        <a:effectLst/>
-      </p:bgPr>
-    </p:bg>
-    <p:spTree>
-      <p:nvGrpSpPr>
-        <p:cNvPr id="1" name=""/>
-        <p:cNvGrpSpPr/>
-        <p:nvPr/>
-      </p:nvGrpSpPr>
-      <p:grpSpPr>
-        <a:xfrm>
-          <a:off x="0" y="0"/>
-          <a:ext cx="0" cy="0"/>
-          <a:chOff x="0" y="0"/>
-          <a:chExt cx="0" cy="0"/>
-        </a:xfrm>
-      </p:grpSpPr>
-      <p:sp>
-        <p:nvSpPr>
-          <p:cNvPr id="43" name="Rectangle 42">
-            <a:extLst>
-              <a:ext uri="{FF2B5EF4-FFF2-40B4-BE49-F238E27FC236}">
-                <a16:creationId xmlns:a16="http://schemas.microsoft.com/office/drawing/2014/main" id="{70120F84-A866-4D9F-8B1C-9120A013D654}"/>
-              </a:ext>
-              <a:ext uri="{C183D7F6-B498-43B3-948B-1728B52AA6E4}">
-                <adec:decorative xmlns:adec="http://schemas.microsoft.com/office/drawing/2017/decorative" val="1"/>
-              </a:ext>
-            </a:extLst>
-          </p:cNvPr>
-          <p:cNvSpPr>
-            <a:spLocks noGrp="1" noRot="1" noChangeAspect="1" noMove="1" noResize="1" noEditPoints="1" noAdjustHandles="1" noChangeArrowheads="1" noChangeShapeType="1" noTextEdit="1"/>
-          </p:cNvSpPr>
-          <p:nvPr>
-            <p:extLst>
-              <p:ext uri="{386F3935-93C4-4BCD-93E2-E3B085C9AB24}">
-                <p16:designElem xmlns:p16="http://schemas.microsoft.com/office/powerpoint/2015/main" val="1"/>
-              </p:ext>
-            </p:extLst>
-          </p:nvPr>
-        </p:nvSpPr>
-        <p:spPr>
-          <a:xfrm>
-            <a:off x="0" y="0"/>
-            <a:ext cx="12192001" cy="6858000"/>
-          </a:xfrm>
-          <a:prstGeom prst="rect">
-            <a:avLst/>
-          </a:prstGeom>
-          <a:solidFill>
-            <a:schemeClr val="tx1">
-              <a:lumMod val="65000"/>
-              <a:lumOff val="35000"/>
-            </a:schemeClr>
-          </a:solidFill>
-          <a:ln>
-            <a:noFill/>
-          </a:ln>
-        </p:spPr>
-        <p:style>
-          <a:lnRef idx="2">
-            <a:schemeClr val="accent1">
-              <a:shade val="50000"/>
-            </a:schemeClr>
-          </a:lnRef>
-          <a:fillRef idx="1">
-            <a:schemeClr val="accent1"/>
-          </a:fillRef>
-          <a:effectRef idx="0">
-            <a:schemeClr val="accent1"/>
-          </a:effectRef>
-          <a:fontRef idx="minor">
-            <a:schemeClr val="lt1"/>
-          </a:fontRef>
-        </p:style>
-        <p:txBody>
-          <a:bodyPr rot="0" spcFirstLastPara="0" vert="horz" wrap="square" lIns="91440" tIns="45720" rIns="91440" bIns="45720" numCol="1" spcCol="0" rtlCol="0" fromWordArt="0" anchor="ctr" anchorCtr="0" forceAA="0" compatLnSpc="1">
-            <a:prstTxWarp prst="textNoShape">
-              <a:avLst/>
-            </a:prstTxWarp>
-            <a:noAutofit/>
-          </a:bodyPr>
-          <a:lstStyle>
-            <a:defPPr>
-              <a:defRPr lang="en-US"/>
-            </a:defPPr>
-            <a:lvl1pPr marL="0" algn="l" defTabSz="914400" rtl="0" eaLnBrk="1" latinLnBrk="0" hangingPunct="1">
-              <a:defRPr sz="1800" kern="1200">
-                <a:solidFill>
-                  <a:schemeClr val="lt1"/>
-                </a:solidFill>
-                <a:latin typeface="+mn-lt"/>
-                <a:ea typeface="+mn-ea"/>
-                <a:cs typeface="+mn-cs"/>
-              </a:defRPr>
-            </a:lvl1pPr>
-            <a:lvl2pPr marL="457200" algn="l" defTabSz="914400" rtl="0" eaLnBrk="1" latinLnBrk="0" hangingPunct="1">
-              <a:defRPr sz="1800" kern="1200">
-                <a:solidFill>
-                  <a:schemeClr val="lt1"/>
-                </a:solidFill>
-                <a:latin typeface="+mn-lt"/>
-                <a:ea typeface="+mn-ea"/>
-                <a:cs typeface="+mn-cs"/>
-              </a:defRPr>
-            </a:lvl2pPr>
-            <a:lvl3pPr marL="914400" algn="l" defTabSz="914400" rtl="0" eaLnBrk="1" latinLnBrk="0" hangingPunct="1">
-              <a:defRPr sz="1800" kern="1200">
-                <a:solidFill>
-                  <a:schemeClr val="lt1"/>
-                </a:solidFill>
-                <a:latin typeface="+mn-lt"/>
-                <a:ea typeface="+mn-ea"/>
-                <a:cs typeface="+mn-cs"/>
-              </a:defRPr>
-            </a:lvl3pPr>
-            <a:lvl4pPr marL="1371600" algn="l" defTabSz="914400" rtl="0" eaLnBrk="1" latinLnBrk="0" hangingPunct="1">
-              <a:defRPr sz="1800" kern="1200">
-                <a:solidFill>
-                  <a:schemeClr val="lt1"/>
-                </a:solidFill>
-                <a:latin typeface="+mn-lt"/>
-                <a:ea typeface="+mn-ea"/>
-                <a:cs typeface="+mn-cs"/>
-              </a:defRPr>
-            </a:lvl4pPr>
-            <a:lvl5pPr marL="1828800" algn="l" defTabSz="914400" rtl="0" eaLnBrk="1" latinLnBrk="0" hangingPunct="1">
-              <a:defRPr sz="1800" kern="1200">
-                <a:solidFill>
-                  <a:schemeClr val="lt1"/>
-                </a:solidFill>
-                <a:latin typeface="+mn-lt"/>
-                <a:ea typeface="+mn-ea"/>
-                <a:cs typeface="+mn-cs"/>
-              </a:defRPr>
-            </a:lvl5pPr>
-            <a:lvl6pPr marL="2286000" algn="l" defTabSz="914400" rtl="0" eaLnBrk="1" latinLnBrk="0" hangingPunct="1">
-              <a:defRPr sz="1800" kern="1200">
-                <a:solidFill>
-                  <a:schemeClr val="lt1"/>
-                </a:solidFill>
-                <a:latin typeface="+mn-lt"/>
-                <a:ea typeface="+mn-ea"/>
-                <a:cs typeface="+mn-cs"/>
-              </a:defRPr>
-            </a:lvl6pPr>
-            <a:lvl7pPr marL="2743200" algn="l" defTabSz="914400" rtl="0" eaLnBrk="1" latinLnBrk="0" hangingPunct="1">
-              <a:defRPr sz="1800" kern="1200">
-                <a:solidFill>
-                  <a:schemeClr val="lt1"/>
-                </a:solidFill>
-                <a:latin typeface="+mn-lt"/>
-                <a:ea typeface="+mn-ea"/>
-                <a:cs typeface="+mn-cs"/>
-              </a:defRPr>
-            </a:lvl7pPr>
-            <a:lvl8pPr marL="3200400" algn="l" defTabSz="914400" rtl="0" eaLnBrk="1" latinLnBrk="0" hangingPunct="1">
-              <a:defRPr sz="1800" kern="1200">
-                <a:solidFill>
-                  <a:schemeClr val="lt1"/>
-                </a:solidFill>
-                <a:latin typeface="+mn-lt"/>
-                <a:ea typeface="+mn-ea"/>
-                <a:cs typeface="+mn-cs"/>
-              </a:defRPr>
-            </a:lvl8pPr>
-            <a:lvl9pPr marL="3657600" algn="l" defTabSz="914400" rtl="0" eaLnBrk="1" latinLnBrk="0" hangingPunct="1">
-              <a:defRPr sz="1800" kern="1200">
-                <a:solidFill>
-                  <a:schemeClr val="lt1"/>
-                </a:solidFill>
-                <a:latin typeface="+mn-lt"/>
-                <a:ea typeface="+mn-ea"/>
-                <a:cs typeface="+mn-cs"/>
-              </a:defRPr>
-            </a:lvl9pPr>
-          </a:lstStyle>
-          <a:p>
-            <a:pPr algn="ctr"/>
-            <a:endParaRPr lang="en-US"/>
-          </a:p>
-        </p:txBody>
-      </p:sp>
-      <p:sp useBgFill="1">
-        <p:nvSpPr>
-          <p:cNvPr id="45" name="Rectangle 44">
-            <a:extLst>
-              <a:ext uri="{FF2B5EF4-FFF2-40B4-BE49-F238E27FC236}">
-                <a16:creationId xmlns:a16="http://schemas.microsoft.com/office/drawing/2014/main" id="{252FEFEF-6AC0-46B6-AC09-11FC56196FA4}"/>
-              </a:ext>
-              <a:ext uri="{C183D7F6-B498-43B3-948B-1728B52AA6E4}">
-                <adec:decorative xmlns:adec="http://schemas.microsoft.com/office/drawing/2017/decorative" val="1"/>
-              </a:ext>
-            </a:extLst>
-          </p:cNvPr>
-          <p:cNvSpPr>
-            <a:spLocks noGrp="1" noRot="1" noChangeAspect="1" noMove="1" noResize="1" noEditPoints="1" noAdjustHandles="1" noChangeArrowheads="1" noChangeShapeType="1" noTextEdit="1"/>
-          </p:cNvSpPr>
-          <p:nvPr>
-            <p:extLst>
-              <p:ext uri="{386F3935-93C4-4BCD-93E2-E3B085C9AB24}">
-                <p16:designElem xmlns:p16="http://schemas.microsoft.com/office/powerpoint/2015/main" val="1"/>
-              </p:ext>
-            </p:extLst>
-          </p:nvPr>
-        </p:nvSpPr>
-        <p:spPr>
-          <a:xfrm>
-            <a:off x="210312" y="226665"/>
-            <a:ext cx="11722608" cy="6382512"/>
-          </a:xfrm>
-          <a:prstGeom prst="rect">
-            <a:avLst/>
-          </a:prstGeom>
-          <a:ln w="6350" cap="flat" cmpd="sng" algn="ctr">
-            <a:noFill/>
-            <a:prstDash val="solid"/>
-          </a:ln>
-          <a:effectLst>
-            <a:softEdge rad="0"/>
-          </a:effectLst>
-        </p:spPr>
-      </p:sp>
-      <p:sp>
-        <p:nvSpPr>
-          <p:cNvPr id="2" name="Title 1">
-            <a:extLst>
-              <a:ext uri="{FF2B5EF4-FFF2-40B4-BE49-F238E27FC236}">
-                <a16:creationId xmlns:a16="http://schemas.microsoft.com/office/drawing/2014/main" id="{C0D7398C-75E5-4CB0-BA4F-D7D5CF2495D4}"/>
-              </a:ext>
-            </a:extLst>
-          </p:cNvPr>
-          <p:cNvSpPr>
-            <a:spLocks noGrp="1"/>
-          </p:cNvSpPr>
-          <p:nvPr>
-            <p:ph type="title"/>
-          </p:nvPr>
-        </p:nvSpPr>
-        <p:spPr>
-          <a:xfrm>
-            <a:off x="1175512" y="791060"/>
-            <a:ext cx="9792208" cy="686943"/>
-          </a:xfrm>
-        </p:spPr>
-        <p:txBody>
-          <a:bodyPr>
-            <a:normAutofit/>
-          </a:bodyPr>
-          <a:lstStyle/>
-          <a:p>
-            <a:r>
-              <a:rPr lang="en-US" dirty="0"/>
-              <a:t>Citations</a:t>
-            </a:r>
-          </a:p>
-        </p:txBody>
-      </p:sp>
-      <p:sp>
-        <p:nvSpPr>
-          <p:cNvPr id="3" name="Subtitle 2">
-            <a:extLst>
-              <a:ext uri="{FF2B5EF4-FFF2-40B4-BE49-F238E27FC236}">
-                <a16:creationId xmlns:a16="http://schemas.microsoft.com/office/drawing/2014/main" id="{5C5BFB45-FC34-495C-9C68-F9641246C2EE}"/>
-              </a:ext>
-            </a:extLst>
-          </p:cNvPr>
-          <p:cNvSpPr>
-            <a:spLocks noGrp="1"/>
-          </p:cNvSpPr>
-          <p:nvPr>
-            <p:ph idx="1"/>
-          </p:nvPr>
-        </p:nvSpPr>
-        <p:spPr>
-          <a:xfrm>
-            <a:off x="1175512" y="1478003"/>
-            <a:ext cx="9792208" cy="4487708"/>
-          </a:xfrm>
-        </p:spPr>
-        <p:txBody>
-          <a:bodyPr>
-            <a:noAutofit/>
-          </a:bodyPr>
-          <a:lstStyle/>
-          <a:p>
-            <a:pPr marL="0" indent="0">
-              <a:buNone/>
-            </a:pPr>
-            <a:r>
-              <a:rPr lang="en-US" b="0" i="0" u="none" strike="noStrike" dirty="0">
-                <a:effectLst/>
-                <a:latin typeface="Times New Roman" panose="02020603050405020304" pitchFamily="18" charset="0"/>
-              </a:rPr>
-              <a:t>[13] </a:t>
-            </a:r>
-            <a:r>
-              <a:rPr lang="en-US" b="0" i="0" u="none" strike="noStrike" dirty="0" err="1">
-                <a:effectLst/>
-                <a:latin typeface="Times New Roman" panose="02020603050405020304" pitchFamily="18" charset="0"/>
-              </a:rPr>
-              <a:t>Stalder</a:t>
-            </a:r>
-            <a:r>
-              <a:rPr lang="en-US" b="0" i="0" u="none" strike="noStrike" dirty="0">
-                <a:effectLst/>
-                <a:latin typeface="Times New Roman" panose="02020603050405020304" pitchFamily="18" charset="0"/>
-              </a:rPr>
-              <a:t>, </a:t>
-            </a:r>
-            <a:r>
-              <a:rPr lang="en-US" b="0" i="0" u="none" strike="noStrike" dirty="0" err="1">
-                <a:effectLst/>
-                <a:latin typeface="Times New Roman" panose="02020603050405020304" pitchFamily="18" charset="0"/>
-              </a:rPr>
-              <a:t>A.f.</a:t>
-            </a:r>
-            <a:r>
-              <a:rPr lang="en-US" b="0" i="0" u="none" strike="noStrike" dirty="0">
-                <a:effectLst/>
-                <a:latin typeface="Times New Roman" panose="02020603050405020304" pitchFamily="18" charset="0"/>
-              </a:rPr>
-              <a:t>, G. Kulik, D. Sage, L. Barbieri, and P. Hoffmann. “A Snake-Based Approach to</a:t>
-            </a:r>
-            <a:br>
-              <a:rPr lang="en-US" b="0" i="0" u="none" strike="noStrike" dirty="0">
-                <a:effectLst/>
-                <a:latin typeface="Times New Roman" panose="02020603050405020304" pitchFamily="18" charset="0"/>
-              </a:rPr>
-            </a:br>
-            <a:r>
-              <a:rPr lang="en-US" b="0" i="0" u="none" strike="noStrike" dirty="0">
-                <a:effectLst/>
-                <a:latin typeface="Times New Roman" panose="02020603050405020304" pitchFamily="18" charset="0"/>
-              </a:rPr>
-              <a:t>    Accurate Determination of Both Contact Points and Contact Angles.” </a:t>
-            </a:r>
-            <a:r>
-              <a:rPr lang="en-US" b="0" i="1" u="none" strike="noStrike" dirty="0">
-                <a:effectLst/>
-                <a:latin typeface="Times New Roman" panose="02020603050405020304" pitchFamily="18" charset="0"/>
-              </a:rPr>
-              <a:t>Colloids and </a:t>
-            </a:r>
-            <a:br>
-              <a:rPr lang="en-US" b="0" i="1" u="none" strike="noStrike" dirty="0">
-                <a:effectLst/>
-                <a:latin typeface="Times New Roman" panose="02020603050405020304" pitchFamily="18" charset="0"/>
-              </a:rPr>
-            </a:br>
-            <a:r>
-              <a:rPr lang="en-US" b="0" i="1" u="none" strike="noStrike" dirty="0">
-                <a:effectLst/>
-                <a:latin typeface="Times New Roman" panose="02020603050405020304" pitchFamily="18" charset="0"/>
-              </a:rPr>
-              <a:t>    Surfaces A: Physicochemical and Engineering Aspects</a:t>
-            </a:r>
-            <a:r>
-              <a:rPr lang="en-US" b="0" i="0" u="none" strike="noStrike" dirty="0">
-                <a:effectLst/>
-                <a:latin typeface="Times New Roman" panose="02020603050405020304" pitchFamily="18" charset="0"/>
-              </a:rPr>
-              <a:t> 286, no. 1-3 (2006): 92–103. </a:t>
-            </a:r>
-            <a:br>
-              <a:rPr lang="en-US" b="0" i="0" u="none" strike="noStrike" dirty="0">
-                <a:effectLst/>
-                <a:latin typeface="Times New Roman" panose="02020603050405020304" pitchFamily="18" charset="0"/>
-              </a:rPr>
-            </a:br>
-            <a:r>
-              <a:rPr lang="en-US" b="0" i="0" u="none" strike="noStrike" dirty="0">
-                <a:effectLst/>
-                <a:latin typeface="Times New Roman" panose="02020603050405020304" pitchFamily="18" charset="0"/>
-              </a:rPr>
-              <a:t>    </a:t>
-            </a:r>
-            <a:r>
-              <a:rPr lang="en-US" b="0" i="0" u="none" strike="noStrike" dirty="0">
-                <a:effectLst/>
-                <a:latin typeface="Times New Roman" panose="02020603050405020304" pitchFamily="18" charset="0"/>
-                <a:hlinkClick r:id="rId3">
-                  <a:extLst>
-                    <a:ext uri="{A12FA001-AC4F-418D-AE19-62706E023703}">
-                      <ahyp:hlinkClr xmlns:ahyp="http://schemas.microsoft.com/office/drawing/2018/hyperlinkcolor" val="tx"/>
-                    </a:ext>
-                  </a:extLst>
-                </a:hlinkClick>
-              </a:rPr>
-              <a:t>https://doi.org/10.1016/j.colsurfa.2006.03.008</a:t>
-            </a:r>
-            <a:r>
-              <a:rPr lang="en-US" b="0" i="0" u="none" strike="noStrike" dirty="0">
-                <a:effectLst/>
-                <a:latin typeface="Times New Roman" panose="02020603050405020304" pitchFamily="18" charset="0"/>
-              </a:rPr>
-              <a:t>.</a:t>
-            </a:r>
-          </a:p>
-        </p:txBody>
-      </p:sp>
-    </p:spTree>
-    <p:extLst>
-      <p:ext uri="{BB962C8B-B14F-4D97-AF65-F5344CB8AC3E}">
-        <p14:creationId xmlns:p14="http://schemas.microsoft.com/office/powerpoint/2010/main" val="3420679709"/>
-      </p:ext>
-    </p:extLst>
-  </p:cSld>
-  <p:clrMapOvr>
-    <a:overrideClrMapping bg1="dk1" tx1="lt1" bg2="dk2" tx2="lt2" accent1="accent1" accent2="accent2" accent3="accent3" accent4="accent4" accent5="accent5" accent6="accent6" hlink="hlink" folHlink="folHlink"/>
-  </p:clrMapOvr>
-</p:sld>
-</file>
-
-<file path=ppt/slides/slide17.xml><?xml version="1.0" encoding="utf-8"?>
 <p:sld xmlns:a="http://schemas.openxmlformats.org/drawingml/2006/main" xmlns:r="http://schemas.openxmlformats.org/officeDocument/2006/relationships" xmlns:p="http://schemas.openxmlformats.org/presentationml/2006/main">
   <p:cSld>
     <p:bg>
@@ -8704,7 +8251,7 @@
                 </a:solidFill>
                 <a:latin typeface="Times New Roman" panose="02020603050405020304" pitchFamily="18" charset="0"/>
               </a:rPr>
-              <a:t>3,9,11,12,13</a:t>
+              <a:t>3,4,6,7,8</a:t>
             </a:r>
           </a:p>
           <a:p>
@@ -8727,7 +8274,16 @@
                 </a:solidFill>
                 <a:latin typeface="Times New Roman" panose="02020603050405020304" pitchFamily="18" charset="0"/>
               </a:rPr>
-              <a:t>IEEE Standard ####</a:t>
+              <a:t>IEEE Standard 1063-2001</a:t>
+            </a:r>
+            <a:r>
+              <a:rPr lang="en-US" baseline="30000" dirty="0">
+                <a:solidFill>
+                  <a:srgbClr val="000000"/>
+                </a:solidFill>
+                <a:latin typeface="Times New Roman" panose="02020603050405020304" pitchFamily="18" charset="0"/>
+              </a:rPr>
+              <a:t>2</a:t>
             </a:r>
             <a:endParaRPr lang="en-US" dirty="0"/>
           </a:p>
@@ -10427,29 +9983,7 @@
                   </a:schemeClr>
                 </a:solidFill>
               </a:rPr>
-              <a:t>Saves  processed data as a table to a .</a:t>
-            </a:r>
-            <a:r>
-              <a:rPr lang="en-US" dirty="0" err="1">
-                <a:solidFill>
-                  <a:schemeClr val="tx1">
-                    <a:lumMod val="85000"/>
-                    <a:lumOff val="15000"/>
-                  </a:schemeClr>
-                </a:solidFill>
-              </a:rPr>
-              <a:t>cvs</a:t>
-            </a:r>
-            <a:r>
-              <a:rPr lang="en-US" dirty="0">
-                <a:solidFill>
-                  <a:schemeClr val="tx1">
-                    <a:lumMod val="85000"/>
-                    <a:lumOff val="15000"/>
-                  </a:schemeClr>
-                </a:solidFill>
-              </a:rPr>
-              <a:t>  file</a:t>
+              <a:t>Saves  processed data as a table to a .csv  file</a:t>
             </a:r>
           </a:p>
           <a:p>
@@ -11577,49 +11111,6 @@
 </a:themeOverride>
 </file>
 
-<file path=ppt/theme/themeOverride16.xml><?xml version="1.0" encoding="utf-8"?>
-<a:themeOverride xmlns:a="http://schemas.openxmlformats.org/drawingml/2006/main">
-  <a:clrScheme name="Marquee">
-    <a:dk1>
-      <a:srgbClr val="000000"/>
-    </a:dk1>
-    <a:lt1>
-      <a:sysClr val="window" lastClr="FFFFFF"/>
-    </a:lt1>
-    <a:dk2>
-      <a:srgbClr val="5E5E5E"/>
-    </a:dk2>
-    <a:lt2>
-      <a:srgbClr val="DDDDDD"/>
-    </a:lt2>
-    <a:accent1>
-      <a:srgbClr val="418AB3"/>
-    </a:accent1>
-    <a:accent2>
-      <a:srgbClr val="A6B727"/>
-    </a:accent2>
-    <a:accent3>
-      <a:srgbClr val="F69200"/>
-    </a:accent3>
-    <a:accent4>
-      <a:srgbClr val="838383"/>
-    </a:accent4>
-    <a:accent5>
-      <a:srgbClr val="FEC306"/>
-    </a:accent5>
-    <a:accent6>
-      <a:srgbClr val="DF5327"/>
-    </a:accent6>
-    <a:hlink>
-      <a:srgbClr val="F59E00"/>
-    </a:hlink>
-    <a:folHlink>
-      <a:srgbClr val="B2B2B2"/>
-    </a:folHlink>
-  </a:clrScheme>
-</a:themeOverride>
-</file>
-
 <file path=ppt/theme/themeOverride2.xml><?xml version="1.0" encoding="utf-8"?>
 <a:themeOverride xmlns:a="http://schemas.openxmlformats.org/drawingml/2006/main">
   <a:clrScheme name="Marquee">
@@ -11965,12 +11456,12 @@
 </file>
 
 <file path=customXml/item1.xml><?xml version="1.0" encoding="utf-8"?>
-<?mso-contentType ?>
-<FormTemplates xmlns="http://schemas.microsoft.com/sharepoint/v3/contenttype/forms">
-  <Display>DocumentLibraryForm</Display>
-  <Edit>DocumentLibraryForm</Edit>
-  <New>DocumentLibraryForm</New>
-</FormTemplates>
+<p:properties xmlns:p="http://schemas.microsoft.com/office/2006/metadata/properties" xmlns:xsi="http://www.w3.org/2001/XMLSchema-instance" xmlns:pc="http://schemas.microsoft.com/office/infopath/2007/PartnerControls">
+  <documentManagement>
+    <Status xmlns="71af3243-3dd4-4a8d-8c0d-dd76da1f02a5">Not started</Status>
+    <MediaServiceKeyPoints xmlns="71af3243-3dd4-4a8d-8c0d-dd76da1f02a5" xsi:nil="true"/>
+  </documentManagement>
+</p:properties>
 </file>
 
 <file path=customXml/item2.xml><?xml version="1.0" encoding="utf-8"?>
@@ -12195,18 +11686,20 @@
 </file>
 
 <file path=customXml/item3.xml><?xml version="1.0" encoding="utf-8"?>
-<p:properties xmlns:p="http://schemas.microsoft.com/office/2006/metadata/properties" xmlns:xsi="http://www.w3.org/2001/XMLSchema-instance" xmlns:pc="http://schemas.microsoft.com/office/infopath/2007/PartnerControls">
-  <documentManagement>
-    <Status xmlns="71af3243-3dd4-4a8d-8c0d-dd76da1f02a5">Not started</Status>
-    <MediaServiceKeyPoints xmlns="71af3243-3dd4-4a8d-8c0d-dd76da1f02a5" xsi:nil="true"/>
-  </documentManagement>
-</p:properties>
+<?mso-contentType ?>
+<FormTemplates xmlns="http://schemas.microsoft.com/sharepoint/v3/contenttype/forms">
+  <Display>DocumentLibraryForm</Display>
+  <Edit>DocumentLibraryForm</Edit>
+  <New>DocumentLibraryForm</New>
+</FormTemplates>
 </file>
 
 <file path=customXml/itemProps1.xml><?xml version="1.0" encoding="utf-8"?>
-<ds:datastoreItem xmlns:ds="http://schemas.openxmlformats.org/officeDocument/2006/customXml" ds:itemID="{AE2713E1-6312-427E-BFCB-C5A5DA301373}">
+<ds:datastoreItem xmlns:ds="http://schemas.openxmlformats.org/officeDocument/2006/customXml" ds:itemID="{52F3B215-496E-4790-A364-7C1C46DEC771}">
   <ds:schemaRefs>
-    <ds:schemaRef ds:uri="http://schemas.microsoft.com/sharepoint/v3/contenttype/forms"/>
+    <ds:schemaRef ds:uri="http://schemas.microsoft.com/office/2006/metadata/properties"/>
+    <ds:schemaRef ds:uri="http://schemas.microsoft.com/office/infopath/2007/PartnerControls"/>
+    <ds:schemaRef ds:uri="71af3243-3dd4-4a8d-8c0d-dd76da1f02a5"/>
   </ds:schemaRefs>
 </ds:datastoreItem>
 </file>
@@ -12231,11 +11724,9 @@
 </file>
 
 <file path=customXml/itemProps3.xml><?xml version="1.0" encoding="utf-8"?>
-<ds:datastoreItem xmlns:ds="http://schemas.openxmlformats.org/officeDocument/2006/customXml" ds:itemID="{52F3B215-496E-4790-A364-7C1C46DEC771}">
+<ds:datastoreItem xmlns:ds="http://schemas.openxmlformats.org/officeDocument/2006/customXml" ds:itemID="{AE2713E1-6312-427E-BFCB-C5A5DA301373}">
   <ds:schemaRefs>
-    <ds:schemaRef ds:uri="http://schemas.microsoft.com/office/2006/metadata/properties"/>
-    <ds:schemaRef ds:uri="http://schemas.microsoft.com/office/infopath/2007/PartnerControls"/>
-    <ds:schemaRef ds:uri="71af3243-3dd4-4a8d-8c0d-dd76da1f02a5"/>
+    <ds:schemaRef ds:uri="http://schemas.microsoft.com/sharepoint/v3/contenttype/forms"/>
   </ds:schemaRefs>
 </ds:datastoreItem>
 </file>
--- a/Final Presentation/MECH417_Team4_FinalPresentation.pptx
+++ b/Final Presentation/MECH417_Team4_FinalPresentation.pptx
@@ -13,14 +13,15 @@
     <p:sldId id="319" r:id="rId10"/>
     <p:sldId id="314" r:id="rId11"/>
     <p:sldId id="315" r:id="rId12"/>
-    <p:sldId id="327" r:id="rId13"/>
-    <p:sldId id="332" r:id="rId14"/>
-    <p:sldId id="316" r:id="rId15"/>
-    <p:sldId id="330" r:id="rId16"/>
-    <p:sldId id="331" r:id="rId17"/>
-    <p:sldId id="317" r:id="rId18"/>
-    <p:sldId id="328" r:id="rId19"/>
-    <p:sldId id="318" r:id="rId20"/>
+    <p:sldId id="333" r:id="rId13"/>
+    <p:sldId id="327" r:id="rId14"/>
+    <p:sldId id="332" r:id="rId15"/>
+    <p:sldId id="316" r:id="rId16"/>
+    <p:sldId id="330" r:id="rId17"/>
+    <p:sldId id="331" r:id="rId18"/>
+    <p:sldId id="317" r:id="rId19"/>
+    <p:sldId id="328" r:id="rId20"/>
+    <p:sldId id="318" r:id="rId21"/>
   </p:sldIdLst>
   <p:sldSz cx="12192000" cy="6858000"/>
   <p:notesSz cx="6858000" cy="9144000"/>
@@ -4675,40 +4676,7 @@
                   <a:srgbClr val="FF0000"/>
                 </a:solidFill>
               </a:rPr>
-              <a:t>Discuss final user manual outcome</a:t>
-            </a:r>
-          </a:p>
-          <a:p>
-            <a:pPr lvl="1"/>
-            <a:r>
-              <a:rPr lang="en-US" dirty="0">
-                <a:solidFill>
-                  <a:srgbClr val="FF0000"/>
-                </a:solidFill>
-              </a:rPr>
-              <a:t>List section: introduction, GUI section, function, etc.</a:t>
-            </a:r>
-          </a:p>
-          <a:p>
-            <a:pPr lvl="1"/>
-            <a:r>
-              <a:rPr lang="en-US" dirty="0">
-                <a:solidFill>
-                  <a:srgbClr val="FF0000"/>
-                </a:solidFill>
-              </a:rPr>
-              <a:t>For each section: describe what is covered in each section</a:t>
-            </a:r>
-          </a:p>
-          <a:p>
-            <a:pPr lvl="2"/>
-            <a:r>
-              <a:rPr lang="en-US" dirty="0">
-                <a:solidFill>
-                  <a:srgbClr val="FF0000"/>
-                </a:solidFill>
-              </a:rPr>
-              <a:t>Ex. GUI section: covers installation and features of the GUI on the user side</a:t>
+              <a:t>Show/Discuss graphs of data. </a:t>
             </a:r>
           </a:p>
         </p:txBody>
@@ -4716,7 +4684,7 @@
     </p:spTree>
     <p:extLst>
       <p:ext uri="{BB962C8B-B14F-4D97-AF65-F5344CB8AC3E}">
-        <p14:creationId xmlns:p14="http://schemas.microsoft.com/office/powerpoint/2010/main" val="726808292"/>
+        <p14:creationId xmlns:p14="http://schemas.microsoft.com/office/powerpoint/2010/main" val="3410302182"/>
       </p:ext>
     </p:extLst>
   </p:cSld>
@@ -4751,12 +4719,12 @@
           <a:chExt cx="0" cy="0"/>
         </a:xfrm>
       </p:grpSpPr>
-      <p:sp useBgFill="1">
-        <p:nvSpPr>
-          <p:cNvPr id="34" name="Rectangle 33">
+      <p:sp>
+        <p:nvSpPr>
+          <p:cNvPr id="25" name="Rectangle 24">
             <a:extLst>
               <a:ext uri="{FF2B5EF4-FFF2-40B4-BE49-F238E27FC236}">
-                <a16:creationId xmlns:a16="http://schemas.microsoft.com/office/drawing/2014/main" id="{54737801-B9D6-4A08-BD77-23010A80227A}"/>
+                <a16:creationId xmlns:a16="http://schemas.microsoft.com/office/drawing/2014/main" id="{47421797-7B77-498E-A01C-0A1194615BD5}"/>
               </a:ext>
               <a:ext uri="{C183D7F6-B498-43B3-948B-1728B52AA6E4}">
                 <adec:decorative xmlns:adec="http://schemas.microsoft.com/office/drawing/2017/decorative" val="1"/>
@@ -4777,11 +4745,14 @@
         <p:spPr>
           <a:xfrm>
             <a:off x="0" y="0"/>
-            <a:ext cx="12192000" cy="6858000"/>
+            <a:ext cx="12192001" cy="6858000"/>
           </a:xfrm>
           <a:prstGeom prst="rect">
             <a:avLst/>
           </a:prstGeom>
+          <a:solidFill>
+            <a:schemeClr val="bg1"/>
+          </a:solidFill>
           <a:ln>
             <a:noFill/>
           </a:ln>
@@ -4803,20 +4774,151 @@
           </a:fontRef>
         </p:style>
         <p:txBody>
-          <a:bodyPr rtlCol="0" anchor="ctr"/>
-          <a:lstStyle/>
+          <a:bodyPr rot="0" spcFirstLastPara="0" vert="horz" wrap="square" lIns="91440" tIns="45720" rIns="91440" bIns="45720" numCol="1" spcCol="0" rtlCol="0" fromWordArt="0" anchor="ctr" anchorCtr="0" forceAA="0" compatLnSpc="1">
+            <a:prstTxWarp prst="textNoShape">
+              <a:avLst/>
+            </a:prstTxWarp>
+            <a:noAutofit/>
+          </a:bodyPr>
+          <a:lstStyle>
+            <a:defPPr>
+              <a:defRPr lang="en-US"/>
+            </a:defPPr>
+            <a:lvl1pPr marL="0" algn="l" defTabSz="914400" rtl="0" eaLnBrk="1" latinLnBrk="0" hangingPunct="1">
+              <a:defRPr sz="1800" kern="1200">
+                <a:solidFill>
+                  <a:schemeClr val="lt1"/>
+                </a:solidFill>
+                <a:latin typeface="+mn-lt"/>
+                <a:ea typeface="+mn-ea"/>
+                <a:cs typeface="+mn-cs"/>
+              </a:defRPr>
+            </a:lvl1pPr>
+            <a:lvl2pPr marL="457200" algn="l" defTabSz="914400" rtl="0" eaLnBrk="1" latinLnBrk="0" hangingPunct="1">
+              <a:defRPr sz="1800" kern="1200">
+                <a:solidFill>
+                  <a:schemeClr val="lt1"/>
+                </a:solidFill>
+                <a:latin typeface="+mn-lt"/>
+                <a:ea typeface="+mn-ea"/>
+                <a:cs typeface="+mn-cs"/>
+              </a:defRPr>
+            </a:lvl2pPr>
+            <a:lvl3pPr marL="914400" algn="l" defTabSz="914400" rtl="0" eaLnBrk="1" latinLnBrk="0" hangingPunct="1">
+              <a:defRPr sz="1800" kern="1200">
+                <a:solidFill>
+                  <a:schemeClr val="lt1"/>
+                </a:solidFill>
+                <a:latin typeface="+mn-lt"/>
+                <a:ea typeface="+mn-ea"/>
+                <a:cs typeface="+mn-cs"/>
+              </a:defRPr>
+            </a:lvl3pPr>
+            <a:lvl4pPr marL="1371600" algn="l" defTabSz="914400" rtl="0" eaLnBrk="1" latinLnBrk="0" hangingPunct="1">
+              <a:defRPr sz="1800" kern="1200">
+                <a:solidFill>
+                  <a:schemeClr val="lt1"/>
+                </a:solidFill>
+                <a:latin typeface="+mn-lt"/>
+                <a:ea typeface="+mn-ea"/>
+                <a:cs typeface="+mn-cs"/>
+              </a:defRPr>
+            </a:lvl4pPr>
+            <a:lvl5pPr marL="1828800" algn="l" defTabSz="914400" rtl="0" eaLnBrk="1" latinLnBrk="0" hangingPunct="1">
+              <a:defRPr sz="1800" kern="1200">
+                <a:solidFill>
+                  <a:schemeClr val="lt1"/>
+                </a:solidFill>
+                <a:latin typeface="+mn-lt"/>
+                <a:ea typeface="+mn-ea"/>
+                <a:cs typeface="+mn-cs"/>
+              </a:defRPr>
+            </a:lvl5pPr>
+            <a:lvl6pPr marL="2286000" algn="l" defTabSz="914400" rtl="0" eaLnBrk="1" latinLnBrk="0" hangingPunct="1">
+              <a:defRPr sz="1800" kern="1200">
+                <a:solidFill>
+                  <a:schemeClr val="lt1"/>
+                </a:solidFill>
+                <a:latin typeface="+mn-lt"/>
+                <a:ea typeface="+mn-ea"/>
+                <a:cs typeface="+mn-cs"/>
+              </a:defRPr>
+            </a:lvl6pPr>
+            <a:lvl7pPr marL="2743200" algn="l" defTabSz="914400" rtl="0" eaLnBrk="1" latinLnBrk="0" hangingPunct="1">
+              <a:defRPr sz="1800" kern="1200">
+                <a:solidFill>
+                  <a:schemeClr val="lt1"/>
+                </a:solidFill>
+                <a:latin typeface="+mn-lt"/>
+                <a:ea typeface="+mn-ea"/>
+                <a:cs typeface="+mn-cs"/>
+              </a:defRPr>
+            </a:lvl7pPr>
+            <a:lvl8pPr marL="3200400" algn="l" defTabSz="914400" rtl="0" eaLnBrk="1" latinLnBrk="0" hangingPunct="1">
+              <a:defRPr sz="1800" kern="1200">
+                <a:solidFill>
+                  <a:schemeClr val="lt1"/>
+                </a:solidFill>
+                <a:latin typeface="+mn-lt"/>
+                <a:ea typeface="+mn-ea"/>
+                <a:cs typeface="+mn-cs"/>
+              </a:defRPr>
+            </a:lvl8pPr>
+            <a:lvl9pPr marL="3657600" algn="l" defTabSz="914400" rtl="0" eaLnBrk="1" latinLnBrk="0" hangingPunct="1">
+              <a:defRPr sz="1800" kern="1200">
+                <a:solidFill>
+                  <a:schemeClr val="lt1"/>
+                </a:solidFill>
+                <a:latin typeface="+mn-lt"/>
+                <a:ea typeface="+mn-ea"/>
+                <a:cs typeface="+mn-cs"/>
+              </a:defRPr>
+            </a:lvl9pPr>
+          </a:lstStyle>
           <a:p>
             <a:pPr algn="ctr"/>
             <a:endParaRPr lang="en-US"/>
           </a:p>
         </p:txBody>
       </p:sp>
-      <p:sp>
-        <p:nvSpPr>
-          <p:cNvPr id="36" name="Rectangle 35">
+      <p:pic>
+        <p:nvPicPr>
+          <p:cNvPr id="4" name="Picture 3">
             <a:extLst>
               <a:ext uri="{FF2B5EF4-FFF2-40B4-BE49-F238E27FC236}">
-                <a16:creationId xmlns:a16="http://schemas.microsoft.com/office/drawing/2014/main" id="{25FABD39-C757-461E-A681-DC273648402D}"/>
+                <a16:creationId xmlns:a16="http://schemas.microsoft.com/office/drawing/2014/main" id="{62BA1780-A246-4C7F-9267-727EF2F4E785}"/>
+              </a:ext>
+              <a:ext uri="{C183D7F6-B498-43B3-948B-1728B52AA6E4}">
+                <adec:decorative xmlns:adec="http://schemas.microsoft.com/office/drawing/2017/decorative" val="1"/>
+              </a:ext>
+            </a:extLst>
+          </p:cNvPr>
+          <p:cNvPicPr>
+            <a:picLocks noChangeAspect="1"/>
+          </p:cNvPicPr>
+          <p:nvPr/>
+        </p:nvPicPr>
+        <p:blipFill rotWithShape="1">
+          <a:blip r:embed="rId3"/>
+          <a:srcRect t="3846"/>
+          <a:stretch/>
+        </p:blipFill>
+        <p:spPr>
+          <a:xfrm>
+            <a:off x="20" y="10"/>
+            <a:ext cx="12191979" cy="6857990"/>
+          </a:xfrm>
+          <a:prstGeom prst="rect">
+            <a:avLst/>
+          </a:prstGeom>
+        </p:spPr>
+      </p:pic>
+      <p:sp>
+        <p:nvSpPr>
+          <p:cNvPr id="27" name="Rectangle 26">
+            <a:extLst>
+              <a:ext uri="{FF2B5EF4-FFF2-40B4-BE49-F238E27FC236}">
+                <a16:creationId xmlns:a16="http://schemas.microsoft.com/office/drawing/2014/main" id="{926D38EC-CD1B-456B-A813-64F8D8E71DA5}"/>
               </a:ext>
               <a:ext uri="{C183D7F6-B498-43B3-948B-1728B52AA6E4}">
                 <adec:decorative xmlns:adec="http://schemas.microsoft.com/office/drawing/2017/decorative" val="1"/>
@@ -4836,16 +4938,15 @@
         </p:nvSpPr>
         <p:spPr>
           <a:xfrm>
-            <a:off x="453190" y="572613"/>
-            <a:ext cx="11281609" cy="2396079"/>
+            <a:off x="234696" y="237744"/>
+            <a:ext cx="11722608" cy="6382512"/>
           </a:xfrm>
           <a:prstGeom prst="rect">
             <a:avLst/>
           </a:prstGeom>
           <a:solidFill>
-            <a:schemeClr val="tx1">
-              <a:lumMod val="85000"/>
-              <a:lumOff val="15000"/>
+            <a:schemeClr val="bg1">
+              <a:alpha val="90000"/>
             </a:schemeClr>
           </a:solidFill>
           <a:ln w="6350" cap="flat" cmpd="sng" algn="ctr">
@@ -4853,21 +4954,16 @@
             <a:prstDash val="solid"/>
           </a:ln>
           <a:effectLst>
-            <a:outerShdw blurRad="50800" algn="ctr" rotWithShape="0">
-              <a:prstClr val="black">
-                <a:alpha val="66000"/>
-              </a:prstClr>
-            </a:outerShdw>
             <a:softEdge rad="0"/>
           </a:effectLst>
         </p:spPr>
       </p:sp>
       <p:sp>
         <p:nvSpPr>
-          <p:cNvPr id="38" name="Rectangle 37">
+          <p:cNvPr id="29" name="Rectangle 28">
             <a:extLst>
               <a:ext uri="{FF2B5EF4-FFF2-40B4-BE49-F238E27FC236}">
-                <a16:creationId xmlns:a16="http://schemas.microsoft.com/office/drawing/2014/main" id="{2DF424F5-8D5C-46C0-A1B0-AF34E0350CD5}"/>
+                <a16:creationId xmlns:a16="http://schemas.microsoft.com/office/drawing/2014/main" id="{2DC18E46-CA2E-43A8-A2EC-61D30FAC3678}"/>
               </a:ext>
               <a:ext uri="{C183D7F6-B498-43B3-948B-1728B52AA6E4}">
                 <adec:decorative xmlns:adec="http://schemas.microsoft.com/office/drawing/2017/decorative" val="1"/>
@@ -4887,20 +4983,19 @@
         </p:nvSpPr>
         <p:spPr>
           <a:xfrm>
-            <a:off x="616738" y="737380"/>
-            <a:ext cx="10954512" cy="2066544"/>
+            <a:off x="371856" y="374904"/>
+            <a:ext cx="11448288" cy="6108192"/>
           </a:xfrm>
           <a:prstGeom prst="rect">
             <a:avLst/>
           </a:prstGeom>
-          <a:solidFill>
-            <a:schemeClr val="tx1">
-              <a:lumMod val="95000"/>
-            </a:schemeClr>
-          </a:solidFill>
+          <a:noFill/>
           <a:ln w="6350" cap="sq" cmpd="sng" algn="ctr">
             <a:solidFill>
-              <a:schemeClr val="bg1"/>
+              <a:schemeClr val="tx1">
+                <a:lumMod val="75000"/>
+                <a:lumOff val="25000"/>
+              </a:schemeClr>
             </a:solidFill>
             <a:prstDash val="solid"/>
             <a:miter lim="800000"/>
@@ -4926,7 +5021,7 @@
         </p:nvSpPr>
         <p:spPr>
           <a:xfrm>
-            <a:off x="1066800" y="1089090"/>
+            <a:off x="1066800" y="642594"/>
             <a:ext cx="10058400" cy="1371600"/>
           </a:xfrm>
         </p:spPr>
@@ -4936,14 +5031,9 @@
           </a:bodyPr>
           <a:lstStyle/>
           <a:p>
-            <a:pPr algn="ctr"/>
-            <a:r>
-              <a:rPr lang="en-US">
-                <a:solidFill>
-                  <a:schemeClr val="bg1"/>
-                </a:solidFill>
-              </a:rPr>
-              <a:t>Conclusion</a:t>
+            <a:r>
+              <a:rPr lang="en-US" dirty="0"/>
+              <a:t>Final Results</a:t>
             </a:r>
           </a:p>
         </p:txBody>
@@ -4966,64 +5056,56 @@
         </p:nvSpPr>
         <p:spPr>
           <a:xfrm>
-            <a:off x="1066800" y="3429000"/>
-            <a:ext cx="10058400" cy="2508384"/>
+            <a:off x="1066800" y="2103120"/>
+            <a:ext cx="10058400" cy="3849624"/>
           </a:xfrm>
         </p:spPr>
         <p:txBody>
-          <a:bodyPr anchor="t">
+          <a:bodyPr>
             <a:normAutofit/>
           </a:bodyPr>
           <a:lstStyle/>
           <a:p>
             <a:r>
-              <a:rPr lang="en-US" sz="2000" dirty="0">
+              <a:rPr lang="en-US" dirty="0">
                 <a:solidFill>
                   <a:srgbClr val="FF0000"/>
                 </a:solidFill>
               </a:rPr>
-              <a:t>Discuss skills gained</a:t>
-            </a:r>
-          </a:p>
-          <a:p>
-            <a:r>
-              <a:rPr lang="en-US" sz="2000" dirty="0">
+              <a:t>Discuss final user manual outcome</a:t>
+            </a:r>
+          </a:p>
+          <a:p>
+            <a:pPr lvl="1"/>
+            <a:r>
+              <a:rPr lang="en-US" dirty="0">
                 <a:solidFill>
                   <a:srgbClr val="FF0000"/>
                 </a:solidFill>
               </a:rPr>
-              <a:t>Address the equation generation/simulations</a:t>
+              <a:t>List section: introduction, GUI section, function, etc.</a:t>
             </a:r>
           </a:p>
           <a:p>
             <a:pPr lvl="1"/>
             <a:r>
-              <a:rPr lang="en-US" sz="1800" dirty="0">
+              <a:rPr lang="en-US" dirty="0">
                 <a:solidFill>
                   <a:srgbClr val="FF0000"/>
                 </a:solidFill>
               </a:rPr>
-              <a:t>How we could have planned better to include this</a:t>
-            </a:r>
-          </a:p>
-          <a:p>
-            <a:r>
-              <a:rPr lang="en-US" sz="2000" dirty="0">
+              <a:t>For each section: describe what is covered in each section</a:t>
+            </a:r>
+          </a:p>
+          <a:p>
+            <a:pPr lvl="2"/>
+            <a:r>
+              <a:rPr lang="en-US" dirty="0">
                 <a:solidFill>
                   <a:srgbClr val="FF0000"/>
                 </a:solidFill>
               </a:rPr>
-              <a:t>Discuss applet limitations/bugs</a:t>
-            </a:r>
-          </a:p>
-          <a:p>
-            <a:r>
-              <a:rPr lang="en-US" sz="2000" dirty="0">
-                <a:solidFill>
-                  <a:srgbClr val="FF0000"/>
-                </a:solidFill>
-              </a:rPr>
-              <a:t>Discuss a final comparison of the competitor</a:t>
+              <a:t>Ex. GUI section: covers installation and features of the GUI on the user side</a:t>
             </a:r>
           </a:p>
         </p:txBody>
@@ -5031,7 +5113,7 @@
     </p:spTree>
     <p:extLst>
       <p:ext uri="{BB962C8B-B14F-4D97-AF65-F5344CB8AC3E}">
-        <p14:creationId xmlns:p14="http://schemas.microsoft.com/office/powerpoint/2010/main" val="2600328208"/>
+        <p14:creationId xmlns:p14="http://schemas.microsoft.com/office/powerpoint/2010/main" val="726808292"/>
       </p:ext>
     </p:extLst>
   </p:cSld>
@@ -5253,6 +5335,321 @@
           <a:p>
             <a:pPr algn="ctr"/>
             <a:r>
+              <a:rPr lang="en-US">
+                <a:solidFill>
+                  <a:schemeClr val="bg1"/>
+                </a:solidFill>
+              </a:rPr>
+              <a:t>Conclusion</a:t>
+            </a:r>
+          </a:p>
+        </p:txBody>
+      </p:sp>
+      <p:sp>
+        <p:nvSpPr>
+          <p:cNvPr id="3" name="Subtitle 2">
+            <a:extLst>
+              <a:ext uri="{FF2B5EF4-FFF2-40B4-BE49-F238E27FC236}">
+                <a16:creationId xmlns:a16="http://schemas.microsoft.com/office/drawing/2014/main" id="{5C5BFB45-FC34-495C-9C68-F9641246C2EE}"/>
+              </a:ext>
+            </a:extLst>
+          </p:cNvPr>
+          <p:cNvSpPr>
+            <a:spLocks noGrp="1"/>
+          </p:cNvSpPr>
+          <p:nvPr>
+            <p:ph idx="1"/>
+          </p:nvPr>
+        </p:nvSpPr>
+        <p:spPr>
+          <a:xfrm>
+            <a:off x="1066800" y="3429000"/>
+            <a:ext cx="10058400" cy="2508384"/>
+          </a:xfrm>
+        </p:spPr>
+        <p:txBody>
+          <a:bodyPr anchor="t">
+            <a:normAutofit/>
+          </a:bodyPr>
+          <a:lstStyle/>
+          <a:p>
+            <a:r>
+              <a:rPr lang="en-US" sz="2000" dirty="0">
+                <a:solidFill>
+                  <a:srgbClr val="FF0000"/>
+                </a:solidFill>
+              </a:rPr>
+              <a:t>Discuss skills gained</a:t>
+            </a:r>
+          </a:p>
+          <a:p>
+            <a:r>
+              <a:rPr lang="en-US" sz="2000" dirty="0">
+                <a:solidFill>
+                  <a:srgbClr val="FF0000"/>
+                </a:solidFill>
+              </a:rPr>
+              <a:t>Address the equation generation/simulations</a:t>
+            </a:r>
+          </a:p>
+          <a:p>
+            <a:pPr lvl="1"/>
+            <a:r>
+              <a:rPr lang="en-US" sz="1800" dirty="0">
+                <a:solidFill>
+                  <a:srgbClr val="FF0000"/>
+                </a:solidFill>
+              </a:rPr>
+              <a:t>How we could have planned better to include this</a:t>
+            </a:r>
+          </a:p>
+          <a:p>
+            <a:r>
+              <a:rPr lang="en-US" sz="2000" dirty="0">
+                <a:solidFill>
+                  <a:srgbClr val="FF0000"/>
+                </a:solidFill>
+              </a:rPr>
+              <a:t>Discuss applet limitations/bugs</a:t>
+            </a:r>
+          </a:p>
+          <a:p>
+            <a:r>
+              <a:rPr lang="en-US" sz="2000" dirty="0">
+                <a:solidFill>
+                  <a:srgbClr val="FF0000"/>
+                </a:solidFill>
+              </a:rPr>
+              <a:t>Discuss a final comparison of the competitor</a:t>
+            </a:r>
+          </a:p>
+        </p:txBody>
+      </p:sp>
+    </p:spTree>
+    <p:extLst>
+      <p:ext uri="{BB962C8B-B14F-4D97-AF65-F5344CB8AC3E}">
+        <p14:creationId xmlns:p14="http://schemas.microsoft.com/office/powerpoint/2010/main" val="2600328208"/>
+      </p:ext>
+    </p:extLst>
+  </p:cSld>
+  <p:clrMapOvr>
+    <a:overrideClrMapping bg1="dk1" tx1="lt1" bg2="dk2" tx2="lt2" accent1="accent1" accent2="accent2" accent3="accent3" accent4="accent4" accent5="accent5" accent6="accent6" hlink="hlink" folHlink="folHlink"/>
+  </p:clrMapOvr>
+</p:sld>
+</file>
+
+<file path=ppt/slides/slide13.xml><?xml version="1.0" encoding="utf-8"?>
+<p:sld xmlns:a="http://schemas.openxmlformats.org/drawingml/2006/main" xmlns:r="http://schemas.openxmlformats.org/officeDocument/2006/relationships" xmlns:p="http://schemas.openxmlformats.org/presentationml/2006/main">
+  <p:cSld>
+    <p:bg>
+      <p:bgPr>
+        <a:solidFill>
+          <a:schemeClr val="bg1"/>
+        </a:solidFill>
+        <a:effectLst/>
+      </p:bgPr>
+    </p:bg>
+    <p:spTree>
+      <p:nvGrpSpPr>
+        <p:cNvPr id="1" name=""/>
+        <p:cNvGrpSpPr/>
+        <p:nvPr/>
+      </p:nvGrpSpPr>
+      <p:grpSpPr>
+        <a:xfrm>
+          <a:off x="0" y="0"/>
+          <a:ext cx="0" cy="0"/>
+          <a:chOff x="0" y="0"/>
+          <a:chExt cx="0" cy="0"/>
+        </a:xfrm>
+      </p:grpSpPr>
+      <p:sp useBgFill="1">
+        <p:nvSpPr>
+          <p:cNvPr id="34" name="Rectangle 33">
+            <a:extLst>
+              <a:ext uri="{FF2B5EF4-FFF2-40B4-BE49-F238E27FC236}">
+                <a16:creationId xmlns:a16="http://schemas.microsoft.com/office/drawing/2014/main" id="{54737801-B9D6-4A08-BD77-23010A80227A}"/>
+              </a:ext>
+              <a:ext uri="{C183D7F6-B498-43B3-948B-1728B52AA6E4}">
+                <adec:decorative xmlns:adec="http://schemas.microsoft.com/office/drawing/2017/decorative" val="1"/>
+              </a:ext>
+            </a:extLst>
+          </p:cNvPr>
+          <p:cNvSpPr>
+            <a:spLocks noGrp="1" noRot="1" noChangeAspect="1" noMove="1" noResize="1" noEditPoints="1" noAdjustHandles="1" noChangeArrowheads="1" noChangeShapeType="1" noTextEdit="1"/>
+          </p:cNvSpPr>
+          <p:nvPr>
+            <p:extLst>
+              <p:ext uri="{386F3935-93C4-4BCD-93E2-E3B085C9AB24}">
+                <p16:designElem xmlns:p16="http://schemas.microsoft.com/office/powerpoint/2015/main" val="1"/>
+              </p:ext>
+            </p:extLst>
+          </p:nvPr>
+        </p:nvSpPr>
+        <p:spPr>
+          <a:xfrm>
+            <a:off x="0" y="0"/>
+            <a:ext cx="12192000" cy="6858000"/>
+          </a:xfrm>
+          <a:prstGeom prst="rect">
+            <a:avLst/>
+          </a:prstGeom>
+          <a:ln>
+            <a:noFill/>
+          </a:ln>
+        </p:spPr>
+        <p:style>
+          <a:lnRef idx="2">
+            <a:schemeClr val="accent1">
+              <a:shade val="50000"/>
+            </a:schemeClr>
+          </a:lnRef>
+          <a:fillRef idx="1">
+            <a:schemeClr val="accent1"/>
+          </a:fillRef>
+          <a:effectRef idx="0">
+            <a:schemeClr val="accent1"/>
+          </a:effectRef>
+          <a:fontRef idx="minor">
+            <a:schemeClr val="lt1"/>
+          </a:fontRef>
+        </p:style>
+        <p:txBody>
+          <a:bodyPr rtlCol="0" anchor="ctr"/>
+          <a:lstStyle/>
+          <a:p>
+            <a:pPr algn="ctr"/>
+            <a:endParaRPr lang="en-US"/>
+          </a:p>
+        </p:txBody>
+      </p:sp>
+      <p:sp>
+        <p:nvSpPr>
+          <p:cNvPr id="36" name="Rectangle 35">
+            <a:extLst>
+              <a:ext uri="{FF2B5EF4-FFF2-40B4-BE49-F238E27FC236}">
+                <a16:creationId xmlns:a16="http://schemas.microsoft.com/office/drawing/2014/main" id="{25FABD39-C757-461E-A681-DC273648402D}"/>
+              </a:ext>
+              <a:ext uri="{C183D7F6-B498-43B3-948B-1728B52AA6E4}">
+                <adec:decorative xmlns:adec="http://schemas.microsoft.com/office/drawing/2017/decorative" val="1"/>
+              </a:ext>
+            </a:extLst>
+          </p:cNvPr>
+          <p:cNvSpPr>
+            <a:spLocks noGrp="1" noRot="1" noChangeAspect="1" noMove="1" noResize="1" noEditPoints="1" noAdjustHandles="1" noChangeArrowheads="1" noChangeShapeType="1" noTextEdit="1"/>
+          </p:cNvSpPr>
+          <p:nvPr>
+            <p:extLst>
+              <p:ext uri="{386F3935-93C4-4BCD-93E2-E3B085C9AB24}">
+                <p16:designElem xmlns:p16="http://schemas.microsoft.com/office/powerpoint/2015/main" val="1"/>
+              </p:ext>
+            </p:extLst>
+          </p:nvPr>
+        </p:nvSpPr>
+        <p:spPr>
+          <a:xfrm>
+            <a:off x="453190" y="572613"/>
+            <a:ext cx="11281609" cy="2396079"/>
+          </a:xfrm>
+          <a:prstGeom prst="rect">
+            <a:avLst/>
+          </a:prstGeom>
+          <a:solidFill>
+            <a:schemeClr val="tx1">
+              <a:lumMod val="85000"/>
+              <a:lumOff val="15000"/>
+            </a:schemeClr>
+          </a:solidFill>
+          <a:ln w="6350" cap="flat" cmpd="sng" algn="ctr">
+            <a:noFill/>
+            <a:prstDash val="solid"/>
+          </a:ln>
+          <a:effectLst>
+            <a:outerShdw blurRad="50800" algn="ctr" rotWithShape="0">
+              <a:prstClr val="black">
+                <a:alpha val="66000"/>
+              </a:prstClr>
+            </a:outerShdw>
+            <a:softEdge rad="0"/>
+          </a:effectLst>
+        </p:spPr>
+      </p:sp>
+      <p:sp>
+        <p:nvSpPr>
+          <p:cNvPr id="38" name="Rectangle 37">
+            <a:extLst>
+              <a:ext uri="{FF2B5EF4-FFF2-40B4-BE49-F238E27FC236}">
+                <a16:creationId xmlns:a16="http://schemas.microsoft.com/office/drawing/2014/main" id="{2DF424F5-8D5C-46C0-A1B0-AF34E0350CD5}"/>
+              </a:ext>
+              <a:ext uri="{C183D7F6-B498-43B3-948B-1728B52AA6E4}">
+                <adec:decorative xmlns:adec="http://schemas.microsoft.com/office/drawing/2017/decorative" val="1"/>
+              </a:ext>
+            </a:extLst>
+          </p:cNvPr>
+          <p:cNvSpPr>
+            <a:spLocks noGrp="1" noRot="1" noChangeAspect="1" noMove="1" noResize="1" noEditPoints="1" noAdjustHandles="1" noChangeArrowheads="1" noChangeShapeType="1" noTextEdit="1"/>
+          </p:cNvSpPr>
+          <p:nvPr>
+            <p:extLst>
+              <p:ext uri="{386F3935-93C4-4BCD-93E2-E3B085C9AB24}">
+                <p16:designElem xmlns:p16="http://schemas.microsoft.com/office/powerpoint/2015/main" val="1"/>
+              </p:ext>
+            </p:extLst>
+          </p:nvPr>
+        </p:nvSpPr>
+        <p:spPr>
+          <a:xfrm>
+            <a:off x="616738" y="737380"/>
+            <a:ext cx="10954512" cy="2066544"/>
+          </a:xfrm>
+          <a:prstGeom prst="rect">
+            <a:avLst/>
+          </a:prstGeom>
+          <a:solidFill>
+            <a:schemeClr val="tx1">
+              <a:lumMod val="95000"/>
+            </a:schemeClr>
+          </a:solidFill>
+          <a:ln w="6350" cap="sq" cmpd="sng" algn="ctr">
+            <a:solidFill>
+              <a:schemeClr val="bg1"/>
+            </a:solidFill>
+            <a:prstDash val="solid"/>
+            <a:miter lim="800000"/>
+          </a:ln>
+          <a:effectLst/>
+        </p:spPr>
+      </p:sp>
+      <p:sp>
+        <p:nvSpPr>
+          <p:cNvPr id="2" name="Title 1">
+            <a:extLst>
+              <a:ext uri="{FF2B5EF4-FFF2-40B4-BE49-F238E27FC236}">
+                <a16:creationId xmlns:a16="http://schemas.microsoft.com/office/drawing/2014/main" id="{C0D7398C-75E5-4CB0-BA4F-D7D5CF2495D4}"/>
+              </a:ext>
+            </a:extLst>
+          </p:cNvPr>
+          <p:cNvSpPr>
+            <a:spLocks noGrp="1"/>
+          </p:cNvSpPr>
+          <p:nvPr>
+            <p:ph type="title"/>
+          </p:nvPr>
+        </p:nvSpPr>
+        <p:spPr>
+          <a:xfrm>
+            <a:off x="1066800" y="1089090"/>
+            <a:ext cx="10058400" cy="1371600"/>
+          </a:xfrm>
+        </p:spPr>
+        <p:txBody>
+          <a:bodyPr>
+            <a:normAutofit/>
+          </a:bodyPr>
+          <a:lstStyle/>
+          <a:p>
+            <a:pPr algn="ctr"/>
+            <a:r>
               <a:rPr lang="en-US" dirty="0">
                 <a:solidFill>
                   <a:schemeClr val="bg1"/>
@@ -5359,7 +5756,7 @@
 </p:sld>
 </file>
 
-<file path=ppt/slides/slide13.xml><?xml version="1.0" encoding="utf-8"?>
+<file path=ppt/slides/slide14.xml><?xml version="1.0" encoding="utf-8"?>
 <p:sld xmlns:a="http://schemas.openxmlformats.org/drawingml/2006/main" xmlns:r="http://schemas.openxmlformats.org/officeDocument/2006/relationships" xmlns:p="http://schemas.openxmlformats.org/presentationml/2006/main">
   <p:cSld>
     <p:spTree>
@@ -5464,7 +5861,7 @@
 </p:sld>
 </file>
 
-<file path=ppt/slides/slide14.xml><?xml version="1.0" encoding="utf-8"?>
+<file path=ppt/slides/slide15.xml><?xml version="1.0" encoding="utf-8"?>
 <p:sld xmlns:a="http://schemas.openxmlformats.org/drawingml/2006/main" xmlns:r="http://schemas.openxmlformats.org/officeDocument/2006/relationships" xmlns:p="http://schemas.openxmlformats.org/presentationml/2006/main">
   <p:cSld>
     <p:bg>
@@ -6138,7 +6535,7 @@
 </p:sld>
 </file>
 
-<file path=ppt/slides/slide15.xml><?xml version="1.0" encoding="utf-8"?>
+<file path=ppt/slides/slide16.xml><?xml version="1.0" encoding="utf-8"?>
 <p:sld xmlns:a="http://schemas.openxmlformats.org/drawingml/2006/main" xmlns:r="http://schemas.openxmlformats.org/officeDocument/2006/relationships" xmlns:p="http://schemas.openxmlformats.org/presentationml/2006/main">
   <p:cSld>
     <p:bg>
@@ -6791,7 +7188,7 @@
 </p:sld>
 </file>
 
-<file path=ppt/slides/slide16.xml><?xml version="1.0" encoding="utf-8"?>
+<file path=ppt/slides/slide17.xml><?xml version="1.0" encoding="utf-8"?>
 <p:sld xmlns:a="http://schemas.openxmlformats.org/drawingml/2006/main" xmlns:r="http://schemas.openxmlformats.org/officeDocument/2006/relationships" xmlns:p="http://schemas.openxmlformats.org/presentationml/2006/main">
   <p:cSld>
     <p:bg>
@@ -7811,7 +8208,7 @@
         </p:spPr>
         <p:txBody>
           <a:bodyPr>
-            <a:normAutofit/>
+            <a:normAutofit lnSpcReduction="10000"/>
           </a:bodyPr>
           <a:lstStyle/>
           <a:p>
@@ -7823,7 +8220,7 @@
           <a:p>
             <a:r>
               <a:rPr lang="en-US" dirty="0"/>
-              <a:t>Applet – a small application for performing one or a few simple functions</a:t>
+              <a:t>Applet – A small application for performing one or a few simple functions</a:t>
             </a:r>
           </a:p>
           <a:p>
@@ -7835,7 +8232,13 @@
           <a:p>
             <a:r>
               <a:rPr lang="en-US" dirty="0"/>
-              <a:t>Spread Radius – the contact radius of a droplet</a:t>
+              <a:t>Spread Radius – The contact radius of a droplet</a:t>
+            </a:r>
+          </a:p>
+          <a:p>
+            <a:r>
+              <a:rPr lang="en-US" dirty="0"/>
+              <a:t>Callback – A function that is activated by user input </a:t>
             </a:r>
           </a:p>
         </p:txBody>
@@ -10280,8 +10683,37 @@
             </a:lvl9pPr>
           </a:lstStyle>
           <a:p>
-            <a:pPr algn="ctr"/>
-            <a:endParaRPr lang="en-US"/>
+            <a:pPr marL="0" marR="0" lvl="0" indent="0" algn="ctr" defTabSz="914400" rtl="0" eaLnBrk="1" fontAlgn="auto" latinLnBrk="0" hangingPunct="1">
+              <a:lnSpc>
+                <a:spcPct val="100000"/>
+              </a:lnSpc>
+              <a:spcBef>
+                <a:spcPts val="0"/>
+              </a:spcBef>
+              <a:spcAft>
+                <a:spcPts val="0"/>
+              </a:spcAft>
+              <a:buClrTx/>
+              <a:buSzTx/>
+              <a:buFontTx/>
+              <a:buNone/>
+              <a:tabLst/>
+              <a:defRPr/>
+            </a:pPr>
+            <a:endParaRPr kumimoji="0" lang="en-US" sz="1800" b="0" i="0" u="none" strike="noStrike" kern="1200" cap="none" spc="0" normalizeH="0" baseline="0" noProof="0">
+              <a:ln>
+                <a:noFill/>
+              </a:ln>
+              <a:solidFill>
+                <a:prstClr val="white"/>
+              </a:solidFill>
+              <a:effectLst/>
+              <a:uLnTx/>
+              <a:uFillTx/>
+              <a:latin typeface="Sagona Book" panose="02020404030301010803"/>
+              <a:ea typeface="+mn-ea"/>
+              <a:cs typeface="+mn-cs"/>
+            </a:endParaRPr>
           </a:p>
         </p:txBody>
       </p:sp>
@@ -10460,33 +10892,277 @@
         </p:nvSpPr>
         <p:spPr>
           <a:xfrm>
-            <a:off x="1066800" y="2103120"/>
-            <a:ext cx="10058400" cy="3849624"/>
+            <a:off x="1066800" y="1873250"/>
+            <a:ext cx="10058400" cy="4193530"/>
           </a:xfrm>
         </p:spPr>
         <p:txBody>
           <a:bodyPr>
-            <a:normAutofit/>
+            <a:normAutofit fontScale="92500" lnSpcReduction="20000"/>
           </a:bodyPr>
           <a:lstStyle/>
           <a:p>
             <a:r>
               <a:rPr lang="en-US" dirty="0">
                 <a:solidFill>
-                  <a:srgbClr val="FF0000"/>
-                </a:solidFill>
-              </a:rPr>
-              <a:t>Discuss final GUI outcome</a:t>
-            </a:r>
-          </a:p>
-          <a:p>
+                  <a:schemeClr val="tx1">
+                    <a:lumMod val="85000"/>
+                    <a:lumOff val="15000"/>
+                  </a:schemeClr>
+                </a:solidFill>
+              </a:rPr>
+              <a:t>GUI Input Parameters:</a:t>
+            </a:r>
+          </a:p>
+          <a:p>
+            <a:pPr lvl="1"/>
             <a:r>
               <a:rPr lang="en-US" dirty="0">
                 <a:solidFill>
-                  <a:srgbClr val="FF0000"/>
-                </a:solidFill>
-              </a:rPr>
-              <a:t>Show/Discuss graphs of data</a:t>
+                  <a:schemeClr val="tx1">
+                    <a:lumMod val="85000"/>
+                    <a:lumOff val="15000"/>
+                  </a:schemeClr>
+                </a:solidFill>
+              </a:rPr>
+              <a:t>Video Upload</a:t>
+            </a:r>
+          </a:p>
+          <a:p>
+            <a:pPr lvl="1"/>
+            <a:r>
+              <a:rPr lang="en-US" dirty="0">
+                <a:solidFill>
+                  <a:schemeClr val="tx1">
+                    <a:lumMod val="85000"/>
+                    <a:lumOff val="15000"/>
+                  </a:schemeClr>
+                </a:solidFill>
+              </a:rPr>
+              <a:t>Floor Height</a:t>
+            </a:r>
+          </a:p>
+          <a:p>
+            <a:pPr lvl="1"/>
+            <a:r>
+              <a:rPr lang="en-US" dirty="0">
+                <a:solidFill>
+                  <a:schemeClr val="tx1">
+                    <a:lumMod val="85000"/>
+                    <a:lumOff val="15000"/>
+                  </a:schemeClr>
+                </a:solidFill>
+              </a:rPr>
+              <a:t>Floor Angle</a:t>
+            </a:r>
+          </a:p>
+          <a:p>
+            <a:pPr lvl="1"/>
+            <a:r>
+              <a:rPr lang="en-US" dirty="0">
+                <a:solidFill>
+                  <a:schemeClr val="tx1">
+                    <a:lumMod val="85000"/>
+                    <a:lumOff val="15000"/>
+                  </a:schemeClr>
+                </a:solidFill>
+              </a:rPr>
+              <a:t>Unit conversions</a:t>
+            </a:r>
+          </a:p>
+          <a:p>
+            <a:pPr lvl="2"/>
+            <a:r>
+              <a:rPr lang="en-US" dirty="0">
+                <a:solidFill>
+                  <a:schemeClr val="tx1">
+                    <a:lumMod val="85000"/>
+                    <a:lumOff val="15000"/>
+                  </a:schemeClr>
+                </a:solidFill>
+              </a:rPr>
+              <a:t>Change from pixels/frame  to Microns/Second</a:t>
+            </a:r>
+          </a:p>
+          <a:p>
+            <a:r>
+              <a:rPr lang="en-US" dirty="0">
+                <a:solidFill>
+                  <a:schemeClr val="tx1">
+                    <a:lumMod val="85000"/>
+                    <a:lumOff val="15000"/>
+                  </a:schemeClr>
+                </a:solidFill>
+              </a:rPr>
+              <a:t>GUI Outputs/Features:</a:t>
+            </a:r>
+          </a:p>
+          <a:p>
+            <a:pPr lvl="1"/>
+            <a:r>
+              <a:rPr lang="en-US" dirty="0">
+                <a:solidFill>
+                  <a:schemeClr val="tx1">
+                    <a:lumMod val="85000"/>
+                    <a:lumOff val="15000"/>
+                  </a:schemeClr>
+                </a:solidFill>
+              </a:rPr>
+              <a:t>Processed images showing droplet boundary or contact angles</a:t>
+            </a:r>
+          </a:p>
+          <a:p>
+            <a:pPr lvl="2"/>
+            <a:r>
+              <a:rPr lang="en-US" dirty="0">
+                <a:solidFill>
+                  <a:schemeClr val="tx1">
+                    <a:lumMod val="85000"/>
+                    <a:lumOff val="15000"/>
+                  </a:schemeClr>
+                </a:solidFill>
+              </a:rPr>
+              <a:t>Four outline colors</a:t>
+            </a:r>
+          </a:p>
+          <a:p>
+            <a:pPr lvl="2"/>
+            <a:r>
+              <a:rPr lang="en-US" dirty="0">
+                <a:solidFill>
+                  <a:schemeClr val="tx1">
+                    <a:lumMod val="85000"/>
+                    <a:lumOff val="15000"/>
+                  </a:schemeClr>
+                </a:solidFill>
+              </a:rPr>
+              <a:t>Optimized: Decreased postprocessing time by  75%</a:t>
+            </a:r>
+          </a:p>
+          <a:p>
+            <a:pPr lvl="1"/>
+            <a:r>
+              <a:rPr lang="en-US" dirty="0">
+                <a:solidFill>
+                  <a:schemeClr val="tx1">
+                    <a:lumMod val="85000"/>
+                    <a:lumOff val="15000"/>
+                  </a:schemeClr>
+                </a:solidFill>
+              </a:rPr>
+              <a:t>Slider to  view all frames</a:t>
+            </a:r>
+          </a:p>
+          <a:p>
+            <a:pPr lvl="1"/>
+            <a:r>
+              <a:rPr lang="en-US" dirty="0">
+                <a:solidFill>
+                  <a:schemeClr val="tx1">
+                    <a:lumMod val="85000"/>
+                    <a:lumOff val="15000"/>
+                  </a:schemeClr>
+                </a:solidFill>
+              </a:rPr>
+              <a:t>Save current frame</a:t>
+            </a:r>
+          </a:p>
+          <a:p>
+            <a:pPr lvl="2"/>
+            <a:r>
+              <a:rPr lang="en-US" dirty="0">
+                <a:solidFill>
+                  <a:schemeClr val="tx1">
+                    <a:lumMod val="85000"/>
+                    <a:lumOff val="15000"/>
+                  </a:schemeClr>
+                </a:solidFill>
+              </a:rPr>
+              <a:t>Saves current processed frame as an image into a designated folder</a:t>
+            </a:r>
+          </a:p>
+          <a:p>
+            <a:pPr lvl="1"/>
+            <a:r>
+              <a:rPr lang="en-US" dirty="0">
+                <a:solidFill>
+                  <a:schemeClr val="tx1">
+                    <a:lumMod val="85000"/>
+                    <a:lumOff val="15000"/>
+                  </a:schemeClr>
+                </a:solidFill>
+              </a:rPr>
+              <a:t>Save processed video</a:t>
+            </a:r>
+          </a:p>
+          <a:p>
+            <a:pPr lvl="2"/>
+            <a:r>
+              <a:rPr lang="en-US" dirty="0">
+                <a:solidFill>
+                  <a:schemeClr val="tx1">
+                    <a:lumMod val="85000"/>
+                    <a:lumOff val="15000"/>
+                  </a:schemeClr>
+                </a:solidFill>
+              </a:rPr>
+              <a:t>Saves processed video as a .AVI into a designated folder</a:t>
+            </a:r>
+          </a:p>
+          <a:p>
+            <a:pPr lvl="1"/>
+            <a:r>
+              <a:rPr lang="en-US" dirty="0">
+                <a:solidFill>
+                  <a:schemeClr val="tx1">
+                    <a:lumMod val="85000"/>
+                    <a:lumOff val="15000"/>
+                  </a:schemeClr>
+                </a:solidFill>
+              </a:rPr>
+              <a:t>Save Analytics</a:t>
+            </a:r>
+          </a:p>
+          <a:p>
+            <a:pPr lvl="2"/>
+            <a:r>
+              <a:rPr lang="en-US" dirty="0">
+                <a:solidFill>
+                  <a:schemeClr val="tx1">
+                    <a:lumMod val="85000"/>
+                    <a:lumOff val="15000"/>
+                  </a:schemeClr>
+                </a:solidFill>
+              </a:rPr>
+              <a:t>Saves  processed data as a table to a .csv  file</a:t>
+            </a:r>
+          </a:p>
+          <a:p>
+            <a:pPr lvl="1"/>
+            <a:r>
+              <a:rPr lang="en-US" dirty="0">
+                <a:solidFill>
+                  <a:schemeClr val="tx1">
+                    <a:lumMod val="85000"/>
+                    <a:lumOff val="15000"/>
+                  </a:schemeClr>
+                </a:solidFill>
+              </a:rPr>
+              <a:t>Display of various output parameters</a:t>
+            </a:r>
+          </a:p>
+          <a:p>
+            <a:pPr lvl="1"/>
+            <a:r>
+              <a:rPr lang="en-US" dirty="0">
+                <a:solidFill>
+                  <a:schemeClr val="tx1">
+                    <a:lumMod val="85000"/>
+                    <a:lumOff val="15000"/>
+                  </a:schemeClr>
+                </a:solidFill>
+              </a:rPr>
+              <a:t>Output parameter unit conversions</a:t>
             </a:r>
           </a:p>
         </p:txBody>
@@ -10513,7 +11189,7 @@
         </p:blipFill>
         <p:spPr>
           <a:xfrm>
-            <a:off x="8028950" y="2139696"/>
+            <a:off x="7254250" y="1485646"/>
             <a:ext cx="3791194" cy="4343400"/>
           </a:xfrm>
           <a:prstGeom prst="rect">
@@ -10524,7 +11200,7 @@
     </p:spTree>
     <p:extLst>
       <p:ext uri="{BB962C8B-B14F-4D97-AF65-F5344CB8AC3E}">
-        <p14:creationId xmlns:p14="http://schemas.microsoft.com/office/powerpoint/2010/main" val="3410302182"/>
+        <p14:creationId xmlns:p14="http://schemas.microsoft.com/office/powerpoint/2010/main" val="372158832"/>
       </p:ext>
     </p:extLst>
   </p:cSld>
@@ -11111,6 +11787,49 @@
 </a:themeOverride>
 </file>
 
+<file path=ppt/theme/themeOverride16.xml><?xml version="1.0" encoding="utf-8"?>
+<a:themeOverride xmlns:a="http://schemas.openxmlformats.org/drawingml/2006/main">
+  <a:clrScheme name="Marquee">
+    <a:dk1>
+      <a:srgbClr val="000000"/>
+    </a:dk1>
+    <a:lt1>
+      <a:sysClr val="window" lastClr="FFFFFF"/>
+    </a:lt1>
+    <a:dk2>
+      <a:srgbClr val="5E5E5E"/>
+    </a:dk2>
+    <a:lt2>
+      <a:srgbClr val="DDDDDD"/>
+    </a:lt2>
+    <a:accent1>
+      <a:srgbClr val="418AB3"/>
+    </a:accent1>
+    <a:accent2>
+      <a:srgbClr val="A6B727"/>
+    </a:accent2>
+    <a:accent3>
+      <a:srgbClr val="F69200"/>
+    </a:accent3>
+    <a:accent4>
+      <a:srgbClr val="838383"/>
+    </a:accent4>
+    <a:accent5>
+      <a:srgbClr val="FEC306"/>
+    </a:accent5>
+    <a:accent6>
+      <a:srgbClr val="DF5327"/>
+    </a:accent6>
+    <a:hlink>
+      <a:srgbClr val="F59E00"/>
+    </a:hlink>
+    <a:folHlink>
+      <a:srgbClr val="B2B2B2"/>
+    </a:folHlink>
+  </a:clrScheme>
+</a:themeOverride>
+</file>
+
 <file path=ppt/theme/themeOverride2.xml><?xml version="1.0" encoding="utf-8"?>
 <a:themeOverride xmlns:a="http://schemas.openxmlformats.org/drawingml/2006/main">
   <a:clrScheme name="Marquee">
@@ -11456,12 +12175,12 @@
 </file>
 
 <file path=customXml/item1.xml><?xml version="1.0" encoding="utf-8"?>
-<p:properties xmlns:p="http://schemas.microsoft.com/office/2006/metadata/properties" xmlns:xsi="http://www.w3.org/2001/XMLSchema-instance" xmlns:pc="http://schemas.microsoft.com/office/infopath/2007/PartnerControls">
-  <documentManagement>
-    <Status xmlns="71af3243-3dd4-4a8d-8c0d-dd76da1f02a5">Not started</Status>
-    <MediaServiceKeyPoints xmlns="71af3243-3dd4-4a8d-8c0d-dd76da1f02a5" xsi:nil="true"/>
-  </documentManagement>
-</p:properties>
+<?mso-contentType ?>
+<FormTemplates xmlns="http://schemas.microsoft.com/sharepoint/v3/contenttype/forms">
+  <Display>DocumentLibraryForm</Display>
+  <Edit>DocumentLibraryForm</Edit>
+  <New>DocumentLibraryForm</New>
+</FormTemplates>
 </file>
 
 <file path=customXml/item2.xml><?xml version="1.0" encoding="utf-8"?>
@@ -11686,20 +12405,18 @@
 </file>
 
 <file path=customXml/item3.xml><?xml version="1.0" encoding="utf-8"?>
-<?mso-contentType ?>
-<FormTemplates xmlns="http://schemas.microsoft.com/sharepoint/v3/contenttype/forms">
-  <Display>DocumentLibraryForm</Display>
-  <Edit>DocumentLibraryForm</Edit>
-  <New>DocumentLibraryForm</New>
-</FormTemplates>
+<p:properties xmlns:p="http://schemas.microsoft.com/office/2006/metadata/properties" xmlns:xsi="http://www.w3.org/2001/XMLSchema-instance" xmlns:pc="http://schemas.microsoft.com/office/infopath/2007/PartnerControls">
+  <documentManagement>
+    <Status xmlns="71af3243-3dd4-4a8d-8c0d-dd76da1f02a5">Not started</Status>
+    <MediaServiceKeyPoints xmlns="71af3243-3dd4-4a8d-8c0d-dd76da1f02a5" xsi:nil="true"/>
+  </documentManagement>
+</p:properties>
 </file>
 
 <file path=customXml/itemProps1.xml><?xml version="1.0" encoding="utf-8"?>
-<ds:datastoreItem xmlns:ds="http://schemas.openxmlformats.org/officeDocument/2006/customXml" ds:itemID="{52F3B215-496E-4790-A364-7C1C46DEC771}">
+<ds:datastoreItem xmlns:ds="http://schemas.openxmlformats.org/officeDocument/2006/customXml" ds:itemID="{AE2713E1-6312-427E-BFCB-C5A5DA301373}">
   <ds:schemaRefs>
-    <ds:schemaRef ds:uri="http://schemas.microsoft.com/office/2006/metadata/properties"/>
-    <ds:schemaRef ds:uri="http://schemas.microsoft.com/office/infopath/2007/PartnerControls"/>
-    <ds:schemaRef ds:uri="71af3243-3dd4-4a8d-8c0d-dd76da1f02a5"/>
+    <ds:schemaRef ds:uri="http://schemas.microsoft.com/sharepoint/v3/contenttype/forms"/>
   </ds:schemaRefs>
 </ds:datastoreItem>
 </file>
@@ -11724,9 +12441,11 @@
 </file>
 
 <file path=customXml/itemProps3.xml><?xml version="1.0" encoding="utf-8"?>
-<ds:datastoreItem xmlns:ds="http://schemas.openxmlformats.org/officeDocument/2006/customXml" ds:itemID="{AE2713E1-6312-427E-BFCB-C5A5DA301373}">
+<ds:datastoreItem xmlns:ds="http://schemas.openxmlformats.org/officeDocument/2006/customXml" ds:itemID="{52F3B215-496E-4790-A364-7C1C46DEC771}">
   <ds:schemaRefs>
-    <ds:schemaRef ds:uri="http://schemas.microsoft.com/sharepoint/v3/contenttype/forms"/>
+    <ds:schemaRef ds:uri="http://schemas.microsoft.com/office/2006/metadata/properties"/>
+    <ds:schemaRef ds:uri="http://schemas.microsoft.com/office/infopath/2007/PartnerControls"/>
+    <ds:schemaRef ds:uri="71af3243-3dd4-4a8d-8c0d-dd76da1f02a5"/>
   </ds:schemaRefs>
 </ds:datastoreItem>
 </file>
--- a/Final Presentation/MECH417_Team4_FinalPresentation.pptx
+++ b/Final Presentation/MECH417_Team4_FinalPresentation.pptx
@@ -5689,57 +5689,48 @@
           <a:lstStyle/>
           <a:p>
             <a:r>
-              <a:rPr lang="en-US" sz="2000" dirty="0">
-                <a:solidFill>
-                  <a:srgbClr val="FF0000"/>
-                </a:solidFill>
-              </a:rPr>
-              <a:t>Discuss next steps for GUI</a:t>
+              <a:rPr lang="en-US" sz="2000" dirty="0"/>
+              <a:t>Next Steps for the Applet:</a:t>
             </a:r>
           </a:p>
           <a:p>
             <a:pPr lvl="1"/>
             <a:r>
-              <a:rPr lang="en-US" sz="1800" dirty="0">
-                <a:solidFill>
-                  <a:srgbClr val="FF0000"/>
-                </a:solidFill>
-              </a:rPr>
-              <a:t>Better floor finding</a:t>
+              <a:rPr lang="en-US" sz="1800" dirty="0"/>
+              <a:t>Finish and integrate automated floor finding</a:t>
             </a:r>
           </a:p>
           <a:p>
             <a:pPr lvl="1"/>
             <a:r>
-              <a:rPr lang="en-US" sz="1800" dirty="0">
-                <a:solidFill>
-                  <a:srgbClr val="FF0000"/>
-                </a:solidFill>
-              </a:rPr>
-              <a:t>Object tracking</a:t>
+              <a:rPr lang="en-US" sz="1800" dirty="0"/>
+              <a:t>Add a system to identify and keep track of unique objects even when they go off screen</a:t>
             </a:r>
           </a:p>
           <a:p>
             <a:pPr lvl="1"/>
             <a:r>
-              <a:rPr lang="en-US" sz="1800" dirty="0">
-                <a:solidFill>
-                  <a:srgbClr val="FF0000"/>
-                </a:solidFill>
-              </a:rPr>
-              <a:t>Additional image processing methods/algorithms</a:t>
+              <a:rPr lang="en-US" sz="1800" dirty="0"/>
+              <a:t>Add additional image processing settings, methods, and algorithms for the user</a:t>
             </a:r>
           </a:p>
           <a:p>
             <a:pPr lvl="1"/>
             <a:r>
-              <a:rPr lang="en-US" sz="1800" dirty="0">
-                <a:solidFill>
-                  <a:srgbClr val="FF0000"/>
-                </a:solidFill>
-              </a:rPr>
-              <a:t>Automated data cleaning</a:t>
-            </a:r>
+              <a:rPr lang="en-US" sz="1800" dirty="0"/>
+              <a:t>Create a system for more thorough automated cleaning of the video</a:t>
+            </a:r>
+          </a:p>
+          <a:p>
+            <a:pPr lvl="1"/>
+            <a:r>
+              <a:rPr lang="en-US" sz="1800" dirty="0"/>
+              <a:t>Continue to add error catching systems</a:t>
+            </a:r>
+          </a:p>
+          <a:p>
+            <a:pPr lvl="1"/>
+            <a:endParaRPr lang="en-US" sz="1800" dirty="0"/>
           </a:p>
         </p:txBody>
       </p:sp>
@@ -12175,12 +12166,12 @@
 </file>
 
 <file path=customXml/item1.xml><?xml version="1.0" encoding="utf-8"?>
-<?mso-contentType ?>
-<FormTemplates xmlns="http://schemas.microsoft.com/sharepoint/v3/contenttype/forms">
-  <Display>DocumentLibraryForm</Display>
-  <Edit>DocumentLibraryForm</Edit>
-  <New>DocumentLibraryForm</New>
-</FormTemplates>
+<p:properties xmlns:p="http://schemas.microsoft.com/office/2006/metadata/properties" xmlns:xsi="http://www.w3.org/2001/XMLSchema-instance" xmlns:pc="http://schemas.microsoft.com/office/infopath/2007/PartnerControls">
+  <documentManagement>
+    <Status xmlns="71af3243-3dd4-4a8d-8c0d-dd76da1f02a5">Not started</Status>
+    <MediaServiceKeyPoints xmlns="71af3243-3dd4-4a8d-8c0d-dd76da1f02a5" xsi:nil="true"/>
+  </documentManagement>
+</p:properties>
 </file>
 
 <file path=customXml/item2.xml><?xml version="1.0" encoding="utf-8"?>
@@ -12405,18 +12396,20 @@
 </file>
 
 <file path=customXml/item3.xml><?xml version="1.0" encoding="utf-8"?>
-<p:properties xmlns:p="http://schemas.microsoft.com/office/2006/metadata/properties" xmlns:xsi="http://www.w3.org/2001/XMLSchema-instance" xmlns:pc="http://schemas.microsoft.com/office/infopath/2007/PartnerControls">
-  <documentManagement>
-    <Status xmlns="71af3243-3dd4-4a8d-8c0d-dd76da1f02a5">Not started</Status>
-    <MediaServiceKeyPoints xmlns="71af3243-3dd4-4a8d-8c0d-dd76da1f02a5" xsi:nil="true"/>
-  </documentManagement>
-</p:properties>
+<?mso-contentType ?>
+<FormTemplates xmlns="http://schemas.microsoft.com/sharepoint/v3/contenttype/forms">
+  <Display>DocumentLibraryForm</Display>
+  <Edit>DocumentLibraryForm</Edit>
+  <New>DocumentLibraryForm</New>
+</FormTemplates>
 </file>
 
 <file path=customXml/itemProps1.xml><?xml version="1.0" encoding="utf-8"?>
-<ds:datastoreItem xmlns:ds="http://schemas.openxmlformats.org/officeDocument/2006/customXml" ds:itemID="{AE2713E1-6312-427E-BFCB-C5A5DA301373}">
+<ds:datastoreItem xmlns:ds="http://schemas.openxmlformats.org/officeDocument/2006/customXml" ds:itemID="{52F3B215-496E-4790-A364-7C1C46DEC771}">
   <ds:schemaRefs>
-    <ds:schemaRef ds:uri="http://schemas.microsoft.com/sharepoint/v3/contenttype/forms"/>
+    <ds:schemaRef ds:uri="http://schemas.microsoft.com/office/2006/metadata/properties"/>
+    <ds:schemaRef ds:uri="http://schemas.microsoft.com/office/infopath/2007/PartnerControls"/>
+    <ds:schemaRef ds:uri="71af3243-3dd4-4a8d-8c0d-dd76da1f02a5"/>
   </ds:schemaRefs>
 </ds:datastoreItem>
 </file>
@@ -12441,11 +12434,9 @@
 </file>
 
 <file path=customXml/itemProps3.xml><?xml version="1.0" encoding="utf-8"?>
-<ds:datastoreItem xmlns:ds="http://schemas.openxmlformats.org/officeDocument/2006/customXml" ds:itemID="{52F3B215-496E-4790-A364-7C1C46DEC771}">
+<ds:datastoreItem xmlns:ds="http://schemas.openxmlformats.org/officeDocument/2006/customXml" ds:itemID="{AE2713E1-6312-427E-BFCB-C5A5DA301373}">
   <ds:schemaRefs>
-    <ds:schemaRef ds:uri="http://schemas.microsoft.com/office/2006/metadata/properties"/>
-    <ds:schemaRef ds:uri="http://schemas.microsoft.com/office/infopath/2007/PartnerControls"/>
-    <ds:schemaRef ds:uri="71af3243-3dd4-4a8d-8c0d-dd76da1f02a5"/>
+    <ds:schemaRef ds:uri="http://schemas.microsoft.com/sharepoint/v3/contenttype/forms"/>
   </ds:schemaRefs>
 </ds:datastoreItem>
 </file>
--- a/Final Presentation/MECH417_Team4_FinalPresentation.pptx
+++ b/Final Presentation/MECH417_Team4_FinalPresentation.pptx
@@ -5056,60 +5056,335 @@
         </p:nvSpPr>
         <p:spPr>
           <a:xfrm>
-            <a:off x="1066800" y="2103120"/>
-            <a:ext cx="10058400" cy="3849624"/>
+            <a:off x="1066800" y="1711354"/>
+            <a:ext cx="10058400" cy="4504052"/>
           </a:xfrm>
         </p:spPr>
         <p:txBody>
           <a:bodyPr>
-            <a:normAutofit/>
+            <a:normAutofit fontScale="92500" lnSpcReduction="10000"/>
           </a:bodyPr>
           <a:lstStyle/>
           <a:p>
             <a:r>
-              <a:rPr lang="en-US" dirty="0">
-                <a:solidFill>
-                  <a:srgbClr val="FF0000"/>
-                </a:solidFill>
-              </a:rPr>
-              <a:t>Discuss final user manual outcome</a:t>
+              <a:rPr lang="en-US" dirty="0"/>
+              <a:t>User Manual </a:t>
             </a:r>
           </a:p>
           <a:p>
             <a:pPr lvl="1"/>
             <a:r>
-              <a:rPr lang="en-US" dirty="0">
-                <a:solidFill>
-                  <a:srgbClr val="FF0000"/>
-                </a:solidFill>
-              </a:rPr>
-              <a:t>List section: introduction, GUI section, function, etc.</a:t>
+              <a:rPr lang="en-US" dirty="0"/>
+              <a:t>Introduction includes</a:t>
+            </a:r>
+          </a:p>
+          <a:p>
+            <a:pPr lvl="2"/>
+            <a:r>
+              <a:rPr lang="en-US" dirty="0"/>
+              <a:t>Purpose</a:t>
+            </a:r>
+          </a:p>
+          <a:p>
+            <a:pPr lvl="2"/>
+            <a:r>
+              <a:rPr lang="en-US" dirty="0"/>
+              <a:t>Conventions</a:t>
+            </a:r>
+          </a:p>
+          <a:p>
+            <a:pPr lvl="2"/>
+            <a:r>
+              <a:rPr lang="en-US" dirty="0"/>
+              <a:t>Audience</a:t>
+            </a:r>
+          </a:p>
+          <a:p>
+            <a:pPr lvl="2"/>
+            <a:r>
+              <a:rPr lang="en-US" dirty="0"/>
+              <a:t>Scope</a:t>
             </a:r>
           </a:p>
           <a:p>
             <a:pPr lvl="1"/>
             <a:r>
-              <a:rPr lang="en-US" dirty="0">
-                <a:solidFill>
-                  <a:srgbClr val="FF0000"/>
-                </a:solidFill>
-              </a:rPr>
-              <a:t>For each section: describe what is covered in each section</a:t>
+              <a:rPr lang="en-US" dirty="0"/>
+              <a:t>Description includes</a:t>
             </a:r>
           </a:p>
           <a:p>
             <a:pPr lvl="2"/>
             <a:r>
-              <a:rPr lang="en-US" dirty="0">
-                <a:solidFill>
-                  <a:srgbClr val="FF0000"/>
-                </a:solidFill>
-              </a:rPr>
-              <a:t>Ex. GUI section: covers installation and features of the GUI on the user side</a:t>
+              <a:rPr lang="en-US" dirty="0"/>
+              <a:t>Perspective</a:t>
+            </a:r>
+          </a:p>
+          <a:p>
+            <a:pPr lvl="2"/>
+            <a:r>
+              <a:rPr lang="en-US" dirty="0"/>
+              <a:t>Function</a:t>
+            </a:r>
+          </a:p>
+          <a:p>
+            <a:pPr lvl="2"/>
+            <a:r>
+              <a:rPr lang="en-US" dirty="0"/>
+              <a:t>User classes and characteristics</a:t>
+            </a:r>
+          </a:p>
+          <a:p>
+            <a:pPr lvl="2"/>
+            <a:r>
+              <a:rPr lang="en-US" dirty="0"/>
+              <a:t>Operating environment</a:t>
+            </a:r>
+          </a:p>
+          <a:p>
+            <a:pPr lvl="2"/>
+            <a:r>
+              <a:rPr lang="en-US" dirty="0"/>
+              <a:t>Constraints</a:t>
+            </a:r>
+          </a:p>
+          <a:p>
+            <a:pPr lvl="2"/>
+            <a:r>
+              <a:rPr lang="en-US" dirty="0"/>
+              <a:t>Assumptions and dependencies</a:t>
+            </a:r>
+          </a:p>
+          <a:p>
+            <a:pPr lvl="1"/>
+            <a:r>
+              <a:rPr lang="en-US" dirty="0"/>
+              <a:t>GUI User Guide includes</a:t>
+            </a:r>
+          </a:p>
+          <a:p>
+            <a:pPr lvl="2"/>
+            <a:r>
+              <a:rPr lang="en-US" dirty="0"/>
+              <a:t>Installation</a:t>
+            </a:r>
+          </a:p>
+          <a:p>
+            <a:pPr lvl="2"/>
+            <a:r>
+              <a:rPr lang="en-US" dirty="0"/>
+              <a:t>Opening the applet</a:t>
+            </a:r>
+          </a:p>
+          <a:p>
+            <a:pPr lvl="2"/>
+            <a:r>
+              <a:rPr lang="en-US" dirty="0"/>
+              <a:t>Using the applet</a:t>
+            </a:r>
+          </a:p>
+          <a:p>
+            <a:pPr lvl="1"/>
+            <a:r>
+              <a:rPr lang="en-US" dirty="0"/>
+              <a:t>System Functions includes</a:t>
+            </a:r>
+          </a:p>
+          <a:p>
+            <a:pPr lvl="2"/>
+            <a:r>
+              <a:rPr lang="en-US" dirty="0"/>
+              <a:t>Theory and Description for each function</a:t>
+            </a:r>
+          </a:p>
+          <a:p>
+            <a:pPr lvl="2"/>
+            <a:r>
+              <a:rPr lang="en-US" dirty="0"/>
+              <a:t>Fault Isolation for each function</a:t>
+            </a:r>
+          </a:p>
+          <a:p>
+            <a:pPr lvl="2"/>
+            <a:r>
+              <a:rPr lang="en-US" dirty="0"/>
+              <a:t>Links to related functions</a:t>
             </a:r>
           </a:p>
         </p:txBody>
       </p:sp>
+      <p:grpSp>
+        <p:nvGrpSpPr>
+          <p:cNvPr id="11" name="Group 10">
+            <a:extLst>
+              <a:ext uri="{FF2B5EF4-FFF2-40B4-BE49-F238E27FC236}">
+                <a16:creationId xmlns:a16="http://schemas.microsoft.com/office/drawing/2014/main" id="{2B9D2E86-B329-4DBA-B2AD-BA0CCB9A026C}"/>
+              </a:ext>
+            </a:extLst>
+          </p:cNvPr>
+          <p:cNvGrpSpPr/>
+          <p:nvPr/>
+        </p:nvGrpSpPr>
+        <p:grpSpPr>
+          <a:xfrm>
+            <a:off x="6589776" y="568994"/>
+            <a:ext cx="3718560" cy="2284719"/>
+            <a:chOff x="5565141" y="574047"/>
+            <a:chExt cx="3718560" cy="2284719"/>
+          </a:xfrm>
+        </p:grpSpPr>
+        <p:pic>
+          <p:nvPicPr>
+            <p:cNvPr id="6" name="Picture 5">
+              <a:extLst>
+                <a:ext uri="{FF2B5EF4-FFF2-40B4-BE49-F238E27FC236}">
+                  <a16:creationId xmlns:a16="http://schemas.microsoft.com/office/drawing/2014/main" id="{5129AC60-273A-4F78-B931-A9B5206429B3}"/>
+                </a:ext>
+              </a:extLst>
+            </p:cNvPr>
+            <p:cNvPicPr>
+              <a:picLocks noChangeAspect="1"/>
+            </p:cNvPicPr>
+            <p:nvPr/>
+          </p:nvPicPr>
+          <p:blipFill>
+            <a:blip r:embed="rId4"/>
+            <a:stretch>
+              <a:fillRect/>
+            </a:stretch>
+          </p:blipFill>
+          <p:spPr>
+            <a:xfrm>
+              <a:off x="5565141" y="574047"/>
+              <a:ext cx="3718560" cy="2051861"/>
+            </a:xfrm>
+            <a:prstGeom prst="rect">
+              <a:avLst/>
+            </a:prstGeom>
+          </p:spPr>
+        </p:pic>
+        <p:sp>
+          <p:nvSpPr>
+            <p:cNvPr id="9" name="TextBox 8">
+              <a:extLst>
+                <a:ext uri="{FF2B5EF4-FFF2-40B4-BE49-F238E27FC236}">
+                  <a16:creationId xmlns:a16="http://schemas.microsoft.com/office/drawing/2014/main" id="{60DA80BB-19AF-4DBA-9630-E37132FE09BF}"/>
+                </a:ext>
+              </a:extLst>
+            </p:cNvPr>
+            <p:cNvSpPr txBox="1"/>
+            <p:nvPr/>
+          </p:nvSpPr>
+          <p:spPr>
+            <a:xfrm>
+              <a:off x="6216398" y="2612545"/>
+              <a:ext cx="2416046" cy="246221"/>
+            </a:xfrm>
+            <a:prstGeom prst="rect">
+              <a:avLst/>
+            </a:prstGeom>
+            <a:noFill/>
+          </p:spPr>
+          <p:txBody>
+            <a:bodyPr wrap="none" rtlCol="0">
+              <a:spAutoFit/>
+            </a:bodyPr>
+            <a:lstStyle/>
+            <a:p>
+              <a:r>
+                <a:rPr lang="en-US" sz="1000" dirty="0"/>
+                <a:t>Example of System Function Section</a:t>
+              </a:r>
+            </a:p>
+          </p:txBody>
+        </p:sp>
+      </p:grpSp>
+      <p:grpSp>
+        <p:nvGrpSpPr>
+          <p:cNvPr id="10" name="Group 9">
+            <a:extLst>
+              <a:ext uri="{FF2B5EF4-FFF2-40B4-BE49-F238E27FC236}">
+                <a16:creationId xmlns:a16="http://schemas.microsoft.com/office/drawing/2014/main" id="{79B88FC2-9F4B-4382-BDF7-327A30273B2F}"/>
+              </a:ext>
+            </a:extLst>
+          </p:cNvPr>
+          <p:cNvGrpSpPr/>
+          <p:nvPr/>
+        </p:nvGrpSpPr>
+        <p:grpSpPr>
+          <a:xfrm>
+            <a:off x="6840120" y="2927698"/>
+            <a:ext cx="3217872" cy="3509638"/>
+            <a:chOff x="8331408" y="2914318"/>
+            <a:chExt cx="3217872" cy="3509638"/>
+          </a:xfrm>
+        </p:grpSpPr>
+        <p:pic>
+          <p:nvPicPr>
+            <p:cNvPr id="8" name="Picture 7">
+              <a:extLst>
+                <a:ext uri="{FF2B5EF4-FFF2-40B4-BE49-F238E27FC236}">
+                  <a16:creationId xmlns:a16="http://schemas.microsoft.com/office/drawing/2014/main" id="{0930CE1A-BBDD-4832-A9D8-A0C2BA9E1A22}"/>
+                </a:ext>
+              </a:extLst>
+            </p:cNvPr>
+            <p:cNvPicPr>
+              <a:picLocks noChangeAspect="1"/>
+            </p:cNvPicPr>
+            <p:nvPr/>
+          </p:nvPicPr>
+          <p:blipFill>
+            <a:blip r:embed="rId5"/>
+            <a:stretch>
+              <a:fillRect/>
+            </a:stretch>
+          </p:blipFill>
+          <p:spPr>
+            <a:xfrm>
+              <a:off x="8331408" y="2914318"/>
+              <a:ext cx="3217872" cy="3271904"/>
+            </a:xfrm>
+            <a:prstGeom prst="rect">
+              <a:avLst/>
+            </a:prstGeom>
+          </p:spPr>
+        </p:pic>
+        <p:sp>
+          <p:nvSpPr>
+            <p:cNvPr id="13" name="TextBox 12">
+              <a:extLst>
+                <a:ext uri="{FF2B5EF4-FFF2-40B4-BE49-F238E27FC236}">
+                  <a16:creationId xmlns:a16="http://schemas.microsoft.com/office/drawing/2014/main" id="{0DEFA462-B082-43B6-B046-D11767B24591}"/>
+                </a:ext>
+              </a:extLst>
+            </p:cNvPr>
+            <p:cNvSpPr txBox="1"/>
+            <p:nvPr/>
+          </p:nvSpPr>
+          <p:spPr>
+            <a:xfrm>
+              <a:off x="8868158" y="6177735"/>
+              <a:ext cx="2339102" cy="246221"/>
+            </a:xfrm>
+            <a:prstGeom prst="rect">
+              <a:avLst/>
+            </a:prstGeom>
+            <a:noFill/>
+          </p:spPr>
+          <p:txBody>
+            <a:bodyPr wrap="none" rtlCol="0">
+              <a:spAutoFit/>
+            </a:bodyPr>
+            <a:lstStyle/>
+            <a:p>
+              <a:r>
+                <a:rPr lang="en-US" sz="1000" dirty="0"/>
+                <a:t>Example of GUI User Guide Section</a:t>
+              </a:r>
+            </a:p>
+          </p:txBody>
+        </p:sp>
+      </p:grpSp>
     </p:spTree>
     <p:extLst>
       <p:ext uri="{BB962C8B-B14F-4D97-AF65-F5344CB8AC3E}">
@@ -12166,12 +12441,12 @@
 </file>
 
 <file path=customXml/item1.xml><?xml version="1.0" encoding="utf-8"?>
-<p:properties xmlns:p="http://schemas.microsoft.com/office/2006/metadata/properties" xmlns:xsi="http://www.w3.org/2001/XMLSchema-instance" xmlns:pc="http://schemas.microsoft.com/office/infopath/2007/PartnerControls">
-  <documentManagement>
-    <Status xmlns="71af3243-3dd4-4a8d-8c0d-dd76da1f02a5">Not started</Status>
-    <MediaServiceKeyPoints xmlns="71af3243-3dd4-4a8d-8c0d-dd76da1f02a5" xsi:nil="true"/>
-  </documentManagement>
-</p:properties>
+<?mso-contentType ?>
+<FormTemplates xmlns="http://schemas.microsoft.com/sharepoint/v3/contenttype/forms">
+  <Display>DocumentLibraryForm</Display>
+  <Edit>DocumentLibraryForm</Edit>
+  <New>DocumentLibraryForm</New>
+</FormTemplates>
 </file>
 
 <file path=customXml/item2.xml><?xml version="1.0" encoding="utf-8"?>
@@ -12396,20 +12671,18 @@
 </file>
 
 <file path=customXml/item3.xml><?xml version="1.0" encoding="utf-8"?>
-<?mso-contentType ?>
-<FormTemplates xmlns="http://schemas.microsoft.com/sharepoint/v3/contenttype/forms">
-  <Display>DocumentLibraryForm</Display>
-  <Edit>DocumentLibraryForm</Edit>
-  <New>DocumentLibraryForm</New>
-</FormTemplates>
+<p:properties xmlns:p="http://schemas.microsoft.com/office/2006/metadata/properties" xmlns:xsi="http://www.w3.org/2001/XMLSchema-instance" xmlns:pc="http://schemas.microsoft.com/office/infopath/2007/PartnerControls">
+  <documentManagement>
+    <Status xmlns="71af3243-3dd4-4a8d-8c0d-dd76da1f02a5">Not started</Status>
+    <MediaServiceKeyPoints xmlns="71af3243-3dd4-4a8d-8c0d-dd76da1f02a5" xsi:nil="true"/>
+  </documentManagement>
+</p:properties>
 </file>
 
 <file path=customXml/itemProps1.xml><?xml version="1.0" encoding="utf-8"?>
-<ds:datastoreItem xmlns:ds="http://schemas.openxmlformats.org/officeDocument/2006/customXml" ds:itemID="{52F3B215-496E-4790-A364-7C1C46DEC771}">
+<ds:datastoreItem xmlns:ds="http://schemas.openxmlformats.org/officeDocument/2006/customXml" ds:itemID="{AE2713E1-6312-427E-BFCB-C5A5DA301373}">
   <ds:schemaRefs>
-    <ds:schemaRef ds:uri="http://schemas.microsoft.com/office/2006/metadata/properties"/>
-    <ds:schemaRef ds:uri="http://schemas.microsoft.com/office/infopath/2007/PartnerControls"/>
-    <ds:schemaRef ds:uri="71af3243-3dd4-4a8d-8c0d-dd76da1f02a5"/>
+    <ds:schemaRef ds:uri="http://schemas.microsoft.com/sharepoint/v3/contenttype/forms"/>
   </ds:schemaRefs>
 </ds:datastoreItem>
 </file>
@@ -12434,9 +12707,11 @@
 </file>
 
 <file path=customXml/itemProps3.xml><?xml version="1.0" encoding="utf-8"?>
-<ds:datastoreItem xmlns:ds="http://schemas.openxmlformats.org/officeDocument/2006/customXml" ds:itemID="{AE2713E1-6312-427E-BFCB-C5A5DA301373}">
+<ds:datastoreItem xmlns:ds="http://schemas.openxmlformats.org/officeDocument/2006/customXml" ds:itemID="{52F3B215-496E-4790-A364-7C1C46DEC771}">
   <ds:schemaRefs>
-    <ds:schemaRef ds:uri="http://schemas.microsoft.com/sharepoint/v3/contenttype/forms"/>
+    <ds:schemaRef ds:uri="http://schemas.microsoft.com/office/2006/metadata/properties"/>
+    <ds:schemaRef ds:uri="http://schemas.microsoft.com/office/infopath/2007/PartnerControls"/>
+    <ds:schemaRef ds:uri="71af3243-3dd4-4a8d-8c0d-dd76da1f02a5"/>
   </ds:schemaRefs>
 </ds:datastoreItem>
 </file>
--- a/Final Presentation/MECH417_Team4_FinalPresentation.pptx
+++ b/Final Presentation/MECH417_Team4_FinalPresentation.pptx
@@ -9281,8 +9281,8 @@
         </p:nvSpPr>
         <p:spPr>
           <a:xfrm>
-            <a:off x="1033844" y="1730650"/>
-            <a:ext cx="9792208" cy="2607298"/>
+            <a:off x="1033844" y="1730649"/>
+            <a:ext cx="9792208" cy="2941883"/>
           </a:xfrm>
         </p:spPr>
         <p:txBody>
@@ -9320,7 +9320,7 @@
           <a:p>
             <a:r>
               <a:rPr lang="en-US" dirty="0"/>
-              <a:t>The GUI must work well for videos in which droplet movement can be estimated in 2-D</a:t>
+              <a:t>The GUI works well for videos in which droplet movement can be estimated in 2-D</a:t>
             </a:r>
           </a:p>
           <a:p>
@@ -9337,13 +9337,21 @@
           </a:p>
           <a:p>
             <a:r>
-              <a:rPr lang="en-US" dirty="0">
-                <a:solidFill>
-                  <a:srgbClr val="FF0000"/>
-                </a:solidFill>
-              </a:rPr>
-              <a:t>User Manual expectations</a:t>
-            </a:r>
+              <a:rPr lang="en-US" dirty="0"/>
+              <a:t>User Manual contains comprehensive instructions for installing and using the GUI </a:t>
+            </a:r>
+          </a:p>
+          <a:p>
+            <a:r>
+              <a:rPr lang="en-US" dirty="0"/>
+              <a:t>User Manual outlines the purpose, functionality, and fault isolation for each system function</a:t>
+            </a:r>
+          </a:p>
+          <a:p>
+            <a:pPr marL="0" indent="0">
+              <a:buNone/>
+            </a:pPr>
+            <a:endParaRPr lang="en-US" dirty="0"/>
           </a:p>
           <a:p>
             <a:endParaRPr lang="en-US" dirty="0"/>
@@ -9372,8 +9380,8 @@
         </p:blipFill>
         <p:spPr>
           <a:xfrm>
-            <a:off x="4937760" y="4028766"/>
-            <a:ext cx="2316480" cy="2316480"/>
+            <a:off x="5346304" y="4921355"/>
+            <a:ext cx="1499392" cy="1499392"/>
           </a:xfrm>
           <a:prstGeom prst="rect">
             <a:avLst/>
@@ -12441,12 +12449,12 @@
 </file>
 
 <file path=customXml/item1.xml><?xml version="1.0" encoding="utf-8"?>
-<?mso-contentType ?>
-<FormTemplates xmlns="http://schemas.microsoft.com/sharepoint/v3/contenttype/forms">
-  <Display>DocumentLibraryForm</Display>
-  <Edit>DocumentLibraryForm</Edit>
-  <New>DocumentLibraryForm</New>
-</FormTemplates>
+<p:properties xmlns:p="http://schemas.microsoft.com/office/2006/metadata/properties" xmlns:xsi="http://www.w3.org/2001/XMLSchema-instance" xmlns:pc="http://schemas.microsoft.com/office/infopath/2007/PartnerControls">
+  <documentManagement>
+    <Status xmlns="71af3243-3dd4-4a8d-8c0d-dd76da1f02a5">Not started</Status>
+    <MediaServiceKeyPoints xmlns="71af3243-3dd4-4a8d-8c0d-dd76da1f02a5" xsi:nil="true"/>
+  </documentManagement>
+</p:properties>
 </file>
 
 <file path=customXml/item2.xml><?xml version="1.0" encoding="utf-8"?>
@@ -12671,18 +12679,20 @@
 </file>
 
 <file path=customXml/item3.xml><?xml version="1.0" encoding="utf-8"?>
-<p:properties xmlns:p="http://schemas.microsoft.com/office/2006/metadata/properties" xmlns:xsi="http://www.w3.org/2001/XMLSchema-instance" xmlns:pc="http://schemas.microsoft.com/office/infopath/2007/PartnerControls">
-  <documentManagement>
-    <Status xmlns="71af3243-3dd4-4a8d-8c0d-dd76da1f02a5">Not started</Status>
-    <MediaServiceKeyPoints xmlns="71af3243-3dd4-4a8d-8c0d-dd76da1f02a5" xsi:nil="true"/>
-  </documentManagement>
-</p:properties>
+<?mso-contentType ?>
+<FormTemplates xmlns="http://schemas.microsoft.com/sharepoint/v3/contenttype/forms">
+  <Display>DocumentLibraryForm</Display>
+  <Edit>DocumentLibraryForm</Edit>
+  <New>DocumentLibraryForm</New>
+</FormTemplates>
 </file>
 
 <file path=customXml/itemProps1.xml><?xml version="1.0" encoding="utf-8"?>
-<ds:datastoreItem xmlns:ds="http://schemas.openxmlformats.org/officeDocument/2006/customXml" ds:itemID="{AE2713E1-6312-427E-BFCB-C5A5DA301373}">
+<ds:datastoreItem xmlns:ds="http://schemas.openxmlformats.org/officeDocument/2006/customXml" ds:itemID="{52F3B215-496E-4790-A364-7C1C46DEC771}">
   <ds:schemaRefs>
-    <ds:schemaRef ds:uri="http://schemas.microsoft.com/sharepoint/v3/contenttype/forms"/>
+    <ds:schemaRef ds:uri="http://schemas.microsoft.com/office/2006/metadata/properties"/>
+    <ds:schemaRef ds:uri="http://schemas.microsoft.com/office/infopath/2007/PartnerControls"/>
+    <ds:schemaRef ds:uri="71af3243-3dd4-4a8d-8c0d-dd76da1f02a5"/>
   </ds:schemaRefs>
 </ds:datastoreItem>
 </file>
@@ -12707,11 +12717,9 @@
 </file>
 
 <file path=customXml/itemProps3.xml><?xml version="1.0" encoding="utf-8"?>
-<ds:datastoreItem xmlns:ds="http://schemas.openxmlformats.org/officeDocument/2006/customXml" ds:itemID="{52F3B215-496E-4790-A364-7C1C46DEC771}">
+<ds:datastoreItem xmlns:ds="http://schemas.openxmlformats.org/officeDocument/2006/customXml" ds:itemID="{AE2713E1-6312-427E-BFCB-C5A5DA301373}">
   <ds:schemaRefs>
-    <ds:schemaRef ds:uri="http://schemas.microsoft.com/office/2006/metadata/properties"/>
-    <ds:schemaRef ds:uri="http://schemas.microsoft.com/office/infopath/2007/PartnerControls"/>
-    <ds:schemaRef ds:uri="71af3243-3dd4-4a8d-8c0d-dd76da1f02a5"/>
+    <ds:schemaRef ds:uri="http://schemas.microsoft.com/sharepoint/v3/contenttype/forms"/>
   </ds:schemaRefs>
 </ds:datastoreItem>
 </file>
--- a/Final Presentation/MECH417_Team4_FinalPresentation.pptx
+++ b/Final Presentation/MECH417_Team4_FinalPresentation.pptx
@@ -597,7 +597,7 @@
           <a:p>
             <a:fld id="{EA0C0817-A112-4847-8014-A94B7D2A4EA3}" type="datetime1">
               <a:rPr lang="en-US" smtClean="0"/>
-              <a:t>4/21/2021</a:t>
+              <a:t>2021-04-21</a:t>
             </a:fld>
             <a:endParaRPr lang="en-US" dirty="0"/>
           </a:p>
@@ -799,7 +799,7 @@
           <a:p>
             <a:fld id="{7332B432-ACDA-4023-A761-2BAB76577B62}" type="datetime1">
               <a:rPr lang="en-US" smtClean="0"/>
-              <a:t>4/21/2021</a:t>
+              <a:t>2021-04-21</a:t>
             </a:fld>
             <a:endParaRPr lang="en-US" dirty="0"/>
           </a:p>
@@ -1398,7 +1398,7 @@
           <a:p>
             <a:fld id="{D9C646AA-F36E-4540-911D-FFFC0A0EF24A}" type="datetime1">
               <a:rPr lang="en-US" smtClean="0"/>
-              <a:t>4/21/2021</a:t>
+              <a:t>2021-04-21</a:t>
             </a:fld>
             <a:endParaRPr lang="en-US" dirty="0"/>
           </a:p>
@@ -1718,7 +1718,7 @@
           <a:p>
             <a:fld id="{69186D26-FA5F-4637-B602-B7C2DC34CFD4}" type="datetime1">
               <a:rPr lang="en-US" smtClean="0"/>
-              <a:t>4/21/2021</a:t>
+              <a:t>2021-04-21</a:t>
             </a:fld>
             <a:endParaRPr lang="en-US" dirty="0"/>
           </a:p>
@@ -2155,7 +2155,7 @@
           <a:p>
             <a:fld id="{8A7F15D8-96D1-4781-BC50-CA8A088B2FE4}" type="datetime1">
               <a:rPr lang="en-US" smtClean="0"/>
-              <a:t>4/21/2021</a:t>
+              <a:t>2021-04-21</a:t>
             </a:fld>
             <a:endParaRPr lang="en-US" dirty="0"/>
           </a:p>
@@ -2273,7 +2273,7 @@
           <a:p>
             <a:fld id="{F9A96C99-B8F8-4528-BD05-0E16E943DC09}" type="datetime1">
               <a:rPr lang="en-US" smtClean="0"/>
-              <a:t>4/21/2021</a:t>
+              <a:t>2021-04-21</a:t>
             </a:fld>
             <a:endParaRPr lang="en-US" dirty="0"/>
           </a:p>
@@ -2368,7 +2368,7 @@
           <a:p>
             <a:fld id="{03636942-C211-4B28-8DBD-C953E00AF71B}" type="datetime1">
               <a:rPr lang="en-US" smtClean="0"/>
-              <a:t>4/21/2021</a:t>
+              <a:t>2021-04-21</a:t>
             </a:fld>
             <a:endParaRPr lang="en-US" dirty="0"/>
           </a:p>
@@ -2785,7 +2785,7 @@
           <a:p>
             <a:fld id="{7E8D12A6-918A-48BD-8CB9-CA713993B0EA}" type="datetime1">
               <a:rPr lang="en-US" smtClean="0"/>
-              <a:t>4/21/2021</a:t>
+              <a:t>2021-04-21</a:t>
             </a:fld>
             <a:endParaRPr lang="en-US" dirty="0"/>
           </a:p>
@@ -3047,7 +3047,7 @@
             <a:fld id="{E778CE86-875F-4587-BCF6-FA054AFC0D53}" type="datetime1">
               <a:rPr lang="en-US" smtClean="0"/>
               <a:pPr/>
-              <a:t>4/21/2021</a:t>
+              <a:t>2021-04-21</a:t>
             </a:fld>
             <a:endParaRPr lang="en-US" dirty="0"/>
           </a:p>
@@ -3563,7 +3563,7 @@
           <a:p>
             <a:fld id="{F6FA2B21-3FCD-4721-B95C-427943F61125}" type="datetime1">
               <a:rPr lang="en-US" smtClean="0"/>
-              <a:t>4/21/2021</a:t>
+              <a:t>2021-04-21</a:t>
             </a:fld>
             <a:endParaRPr lang="en-US" dirty="0"/>
           </a:p>
@@ -4642,45 +4642,65 @@
           </a:p>
         </p:txBody>
       </p:sp>
-      <p:sp>
-        <p:nvSpPr>
-          <p:cNvPr id="3" name="Subtitle 2">
+      <p:pic>
+        <p:nvPicPr>
+          <p:cNvPr id="6" name="Content Placeholder 5" descr="A picture containing diagram&#10;&#10;Description automatically generated">
             <a:extLst>
               <a:ext uri="{FF2B5EF4-FFF2-40B4-BE49-F238E27FC236}">
-                <a16:creationId xmlns:a16="http://schemas.microsoft.com/office/drawing/2014/main" id="{5C5BFB45-FC34-495C-9C68-F9641246C2EE}"/>
+                <a16:creationId xmlns:a16="http://schemas.microsoft.com/office/drawing/2014/main" id="{A1CA08BE-061B-428D-9620-4BC568B3F651}"/>
               </a:ext>
             </a:extLst>
           </p:cNvPr>
-          <p:cNvSpPr>
-            <a:spLocks noGrp="1"/>
-          </p:cNvSpPr>
+          <p:cNvPicPr>
+            <a:picLocks noGrp="1" noChangeAspect="1"/>
+          </p:cNvPicPr>
           <p:nvPr>
             <p:ph idx="1"/>
           </p:nvPr>
-        </p:nvSpPr>
-        <p:spPr>
-          <a:xfrm>
-            <a:off x="1066800" y="2103120"/>
-            <a:ext cx="10058400" cy="3849624"/>
-          </a:xfrm>
-        </p:spPr>
-        <p:txBody>
-          <a:bodyPr>
-            <a:normAutofit/>
-          </a:bodyPr>
-          <a:lstStyle/>
-          <a:p>
-            <a:r>
-              <a:rPr lang="en-US" dirty="0">
-                <a:solidFill>
-                  <a:srgbClr val="FF0000"/>
-                </a:solidFill>
-              </a:rPr>
-              <a:t>Show/Discuss graphs of data. </a:t>
-            </a:r>
-          </a:p>
-        </p:txBody>
-      </p:sp>
+        </p:nvPicPr>
+        <p:blipFill>
+          <a:blip r:embed="rId4"/>
+          <a:stretch>
+            <a:fillRect/>
+          </a:stretch>
+        </p:blipFill>
+        <p:spPr>
+          <a:xfrm>
+            <a:off x="5904690" y="2014194"/>
+            <a:ext cx="5915454" cy="3849687"/>
+          </a:xfrm>
+        </p:spPr>
+      </p:pic>
+      <p:pic>
+        <p:nvPicPr>
+          <p:cNvPr id="8" name="Picture 7" descr="Chart, line chart&#10;&#10;Description automatically generated">
+            <a:extLst>
+              <a:ext uri="{FF2B5EF4-FFF2-40B4-BE49-F238E27FC236}">
+                <a16:creationId xmlns:a16="http://schemas.microsoft.com/office/drawing/2014/main" id="{B33FBF0C-ED9D-4177-A955-59AE5B4BFA71}"/>
+              </a:ext>
+            </a:extLst>
+          </p:cNvPr>
+          <p:cNvPicPr>
+            <a:picLocks noChangeAspect="1"/>
+          </p:cNvPicPr>
+          <p:nvPr/>
+        </p:nvPicPr>
+        <p:blipFill>
+          <a:blip r:embed="rId5"/>
+          <a:stretch>
+            <a:fillRect/>
+          </a:stretch>
+        </p:blipFill>
+        <p:spPr>
+          <a:xfrm>
+            <a:off x="371854" y="2014194"/>
+            <a:ext cx="5941397" cy="3849687"/>
+          </a:xfrm>
+          <a:prstGeom prst="rect">
+            <a:avLst/>
+          </a:prstGeom>
+        </p:spPr>
+      </p:pic>
     </p:spTree>
     <p:extLst>
       <p:ext uri="{BB962C8B-B14F-4D97-AF65-F5344CB8AC3E}">
@@ -12449,15 +12469,6 @@
 </file>
 
 <file path=customXml/item1.xml><?xml version="1.0" encoding="utf-8"?>
-<p:properties xmlns:p="http://schemas.microsoft.com/office/2006/metadata/properties" xmlns:xsi="http://www.w3.org/2001/XMLSchema-instance" xmlns:pc="http://schemas.microsoft.com/office/infopath/2007/PartnerControls">
-  <documentManagement>
-    <Status xmlns="71af3243-3dd4-4a8d-8c0d-dd76da1f02a5">Not started</Status>
-    <MediaServiceKeyPoints xmlns="71af3243-3dd4-4a8d-8c0d-dd76da1f02a5" xsi:nil="true"/>
-  </documentManagement>
-</p:properties>
-</file>
-
-<file path=customXml/item2.xml><?xml version="1.0" encoding="utf-8"?>
 <ct:contentTypeSchema xmlns:ct="http://schemas.microsoft.com/office/2006/metadata/contentType" xmlns:ma="http://schemas.microsoft.com/office/2006/metadata/properties/metaAttributes" ct:_="" ma:_="" ma:contentTypeName="Document" ma:contentTypeID="0x01010079F111ED35F8CC479449609E8A0923A6" ma:contentTypeVersion="12" ma:contentTypeDescription="Create a new document." ma:contentTypeScope="" ma:versionID="a410dd7f93c95333ffa1b60ed6adedd1">
   <xsd:schema xmlns:xsd="http://www.w3.org/2001/XMLSchema" xmlns:xs="http://www.w3.org/2001/XMLSchema" xmlns:p="http://schemas.microsoft.com/office/2006/metadata/properties" xmlns:ns2="71af3243-3dd4-4a8d-8c0d-dd76da1f02a5" xmlns:ns3="16c05727-aa75-4e4a-9b5f-8a80a1165891" targetNamespace="http://schemas.microsoft.com/office/2006/metadata/properties" ma:root="true" ma:fieldsID="a936d9baba76aa3866493feff160faab" ns2:_="" ns3:_="">
     <xsd:import namespace="71af3243-3dd4-4a8d-8c0d-dd76da1f02a5"/>
@@ -12678,6 +12689,15 @@
 </ct:contentTypeSchema>
 </file>
 
+<file path=customXml/item2.xml><?xml version="1.0" encoding="utf-8"?>
+<p:properties xmlns:p="http://schemas.microsoft.com/office/2006/metadata/properties" xmlns:xsi="http://www.w3.org/2001/XMLSchema-instance" xmlns:pc="http://schemas.microsoft.com/office/infopath/2007/PartnerControls">
+  <documentManagement>
+    <Status xmlns="71af3243-3dd4-4a8d-8c0d-dd76da1f02a5">Not started</Status>
+    <MediaServiceKeyPoints xmlns="71af3243-3dd4-4a8d-8c0d-dd76da1f02a5" xsi:nil="true"/>
+  </documentManagement>
+</p:properties>
+</file>
+
 <file path=customXml/item3.xml><?xml version="1.0" encoding="utf-8"?>
 <?mso-contentType ?>
 <FormTemplates xmlns="http://schemas.microsoft.com/sharepoint/v3/contenttype/forms">
@@ -12688,16 +12708,6 @@
 </file>
 
 <file path=customXml/itemProps1.xml><?xml version="1.0" encoding="utf-8"?>
-<ds:datastoreItem xmlns:ds="http://schemas.openxmlformats.org/officeDocument/2006/customXml" ds:itemID="{52F3B215-496E-4790-A364-7C1C46DEC771}">
-  <ds:schemaRefs>
-    <ds:schemaRef ds:uri="http://schemas.microsoft.com/office/2006/metadata/properties"/>
-    <ds:schemaRef ds:uri="http://schemas.microsoft.com/office/infopath/2007/PartnerControls"/>
-    <ds:schemaRef ds:uri="71af3243-3dd4-4a8d-8c0d-dd76da1f02a5"/>
-  </ds:schemaRefs>
-</ds:datastoreItem>
-</file>
-
-<file path=customXml/itemProps2.xml><?xml version="1.0" encoding="utf-8"?>
 <ds:datastoreItem xmlns:ds="http://schemas.openxmlformats.org/officeDocument/2006/customXml" ds:itemID="{50DB95DD-0319-4EE5-8C5C-9CEDF75E024B}">
   <ds:schemaRefs>
     <ds:schemaRef ds:uri="http://schemas.microsoft.com/office/2006/metadata/contentType"/>
@@ -12716,6 +12726,16 @@
 </ds:datastoreItem>
 </file>
 
+<file path=customXml/itemProps2.xml><?xml version="1.0" encoding="utf-8"?>
+<ds:datastoreItem xmlns:ds="http://schemas.openxmlformats.org/officeDocument/2006/customXml" ds:itemID="{52F3B215-496E-4790-A364-7C1C46DEC771}">
+  <ds:schemaRefs>
+    <ds:schemaRef ds:uri="http://schemas.microsoft.com/office/2006/metadata/properties"/>
+    <ds:schemaRef ds:uri="http://schemas.microsoft.com/office/infopath/2007/PartnerControls"/>
+    <ds:schemaRef ds:uri="71af3243-3dd4-4a8d-8c0d-dd76da1f02a5"/>
+  </ds:schemaRefs>
+</ds:datastoreItem>
+</file>
+
 <file path=customXml/itemProps3.xml><?xml version="1.0" encoding="utf-8"?>
 <ds:datastoreItem xmlns:ds="http://schemas.openxmlformats.org/officeDocument/2006/customXml" ds:itemID="{AE2713E1-6312-427E-BFCB-C5A5DA301373}">
   <ds:schemaRefs>

--- a/Final Presentation/MECH417_Team4_FinalPresentation.pptx
+++ b/Final Presentation/MECH417_Team4_FinalPresentation.pptx
@@ -16,12 +16,13 @@
     <p:sldId id="333" r:id="rId13"/>
     <p:sldId id="327" r:id="rId14"/>
     <p:sldId id="332" r:id="rId15"/>
-    <p:sldId id="316" r:id="rId16"/>
-    <p:sldId id="330" r:id="rId17"/>
-    <p:sldId id="331" r:id="rId18"/>
-    <p:sldId id="317" r:id="rId19"/>
-    <p:sldId id="328" r:id="rId20"/>
-    <p:sldId id="318" r:id="rId21"/>
+    <p:sldId id="335" r:id="rId16"/>
+    <p:sldId id="316" r:id="rId17"/>
+    <p:sldId id="330" r:id="rId18"/>
+    <p:sldId id="331" r:id="rId19"/>
+    <p:sldId id="317" r:id="rId20"/>
+    <p:sldId id="328" r:id="rId21"/>
+    <p:sldId id="318" r:id="rId22"/>
   </p:sldIdLst>
   <p:sldSz cx="12192000" cy="6858000"/>
   <p:notesSz cx="6858000" cy="9144000"/>
@@ -597,7 +598,7 @@
           <a:p>
             <a:fld id="{EA0C0817-A112-4847-8014-A94B7D2A4EA3}" type="datetime1">
               <a:rPr lang="en-US" smtClean="0"/>
-              <a:t>2021-04-21</a:t>
+              <a:t>4/21/2021</a:t>
             </a:fld>
             <a:endParaRPr lang="en-US" dirty="0"/>
           </a:p>
@@ -799,7 +800,7 @@
           <a:p>
             <a:fld id="{7332B432-ACDA-4023-A761-2BAB76577B62}" type="datetime1">
               <a:rPr lang="en-US" smtClean="0"/>
-              <a:t>2021-04-21</a:t>
+              <a:t>4/21/2021</a:t>
             </a:fld>
             <a:endParaRPr lang="en-US" dirty="0"/>
           </a:p>
@@ -1398,7 +1399,7 @@
           <a:p>
             <a:fld id="{D9C646AA-F36E-4540-911D-FFFC0A0EF24A}" type="datetime1">
               <a:rPr lang="en-US" smtClean="0"/>
-              <a:t>2021-04-21</a:t>
+              <a:t>4/21/2021</a:t>
             </a:fld>
             <a:endParaRPr lang="en-US" dirty="0"/>
           </a:p>
@@ -1718,7 +1719,7 @@
           <a:p>
             <a:fld id="{69186D26-FA5F-4637-B602-B7C2DC34CFD4}" type="datetime1">
               <a:rPr lang="en-US" smtClean="0"/>
-              <a:t>2021-04-21</a:t>
+              <a:t>4/21/2021</a:t>
             </a:fld>
             <a:endParaRPr lang="en-US" dirty="0"/>
           </a:p>
@@ -2155,7 +2156,7 @@
           <a:p>
             <a:fld id="{8A7F15D8-96D1-4781-BC50-CA8A088B2FE4}" type="datetime1">
               <a:rPr lang="en-US" smtClean="0"/>
-              <a:t>2021-04-21</a:t>
+              <a:t>4/21/2021</a:t>
             </a:fld>
             <a:endParaRPr lang="en-US" dirty="0"/>
           </a:p>
@@ -2273,7 +2274,7 @@
           <a:p>
             <a:fld id="{F9A96C99-B8F8-4528-BD05-0E16E943DC09}" type="datetime1">
               <a:rPr lang="en-US" smtClean="0"/>
-              <a:t>2021-04-21</a:t>
+              <a:t>4/21/2021</a:t>
             </a:fld>
             <a:endParaRPr lang="en-US" dirty="0"/>
           </a:p>
@@ -2368,7 +2369,7 @@
           <a:p>
             <a:fld id="{03636942-C211-4B28-8DBD-C953E00AF71B}" type="datetime1">
               <a:rPr lang="en-US" smtClean="0"/>
-              <a:t>2021-04-21</a:t>
+              <a:t>4/21/2021</a:t>
             </a:fld>
             <a:endParaRPr lang="en-US" dirty="0"/>
           </a:p>
@@ -2785,7 +2786,7 @@
           <a:p>
             <a:fld id="{7E8D12A6-918A-48BD-8CB9-CA713993B0EA}" type="datetime1">
               <a:rPr lang="en-US" smtClean="0"/>
-              <a:t>2021-04-21</a:t>
+              <a:t>4/21/2021</a:t>
             </a:fld>
             <a:endParaRPr lang="en-US" dirty="0"/>
           </a:p>
@@ -3047,7 +3048,7 @@
             <a:fld id="{E778CE86-875F-4587-BCF6-FA054AFC0D53}" type="datetime1">
               <a:rPr lang="en-US" smtClean="0"/>
               <a:pPr/>
-              <a:t>2021-04-21</a:t>
+              <a:t>4/21/2021</a:t>
             </a:fld>
             <a:endParaRPr lang="en-US" dirty="0"/>
           </a:p>
@@ -3563,7 +3564,7 @@
           <a:p>
             <a:fld id="{F6FA2B21-3FCD-4721-B95C-427943F61125}" type="datetime1">
               <a:rPr lang="en-US" smtClean="0"/>
-              <a:t>2021-04-21</a:t>
+              <a:t>4/21/2021</a:t>
             </a:fld>
             <a:endParaRPr lang="en-US" dirty="0"/>
           </a:p>
@@ -5664,66 +5665,77 @@
         </p:spPr>
         <p:txBody>
           <a:bodyPr anchor="t">
-            <a:normAutofit/>
+            <a:normAutofit fontScale="85000" lnSpcReduction="20000"/>
           </a:bodyPr>
           <a:lstStyle/>
           <a:p>
             <a:r>
-              <a:rPr lang="en-US" sz="2000" dirty="0">
-                <a:solidFill>
-                  <a:srgbClr val="FF0000"/>
-                </a:solidFill>
-              </a:rPr>
-              <a:t>Discuss skills gained</a:t>
-            </a:r>
-          </a:p>
-          <a:p>
-            <a:r>
-              <a:rPr lang="en-US" sz="2000" dirty="0">
-                <a:solidFill>
-                  <a:srgbClr val="FF0000"/>
-                </a:solidFill>
-              </a:rPr>
-              <a:t>Address the equation generation/simulations</a:t>
+              <a:rPr lang="en-US" sz="2000" dirty="0"/>
+              <a:t>Applet limitations and bugs:</a:t>
             </a:r>
           </a:p>
           <a:p>
             <a:pPr lvl="1"/>
             <a:r>
-              <a:rPr lang="en-US" sz="1800" dirty="0">
-                <a:solidFill>
-                  <a:srgbClr val="FF0000"/>
-                </a:solidFill>
-              </a:rPr>
-              <a:t>How we could have planned better to include this</a:t>
-            </a:r>
-          </a:p>
-          <a:p>
-            <a:r>
-              <a:rPr lang="en-US" sz="2000" dirty="0">
-                <a:solidFill>
-                  <a:srgbClr val="FF0000"/>
-                </a:solidFill>
-              </a:rPr>
-              <a:t>Discuss applet limitations/bugs</a:t>
-            </a:r>
-          </a:p>
-          <a:p>
-            <a:r>
-              <a:rPr lang="en-US" sz="2000" dirty="0">
-                <a:solidFill>
-                  <a:srgbClr val="FF0000"/>
-                </a:solidFill>
-              </a:rPr>
-              <a:t>Discuss a final comparison of the competitor</a:t>
-            </a:r>
+              <a:rPr lang="en-US" sz="1800" dirty="0"/>
+              <a:t>Errors in object tracking</a:t>
+            </a:r>
+            <a:endParaRPr lang="en-US" sz="1700" dirty="0"/>
+          </a:p>
+          <a:p>
+            <a:pPr lvl="1"/>
+            <a:r>
+              <a:rPr lang="en-US" sz="1800" dirty="0"/>
+              <a:t>Could not track droplet out of display</a:t>
+            </a:r>
+          </a:p>
+          <a:p>
+            <a:r>
+              <a:rPr lang="en-US" sz="2000" dirty="0"/>
+              <a:t>Applet created by our group:</a:t>
+            </a:r>
+          </a:p>
+          <a:p>
+            <a:pPr lvl="1"/>
+            <a:r>
+              <a:rPr lang="en-US" sz="1800" dirty="0"/>
+              <a:t>Can calculate velocities, contact angle, diameters, maximum spread radius and velocity</a:t>
+            </a:r>
+          </a:p>
+          <a:p>
+            <a:pPr lvl="1"/>
+            <a:r>
+              <a:rPr lang="en-US" sz="1800" dirty="0"/>
+              <a:t>Can count satellite droplets</a:t>
+            </a:r>
+          </a:p>
+          <a:p>
+            <a:r>
+              <a:rPr lang="en-US" sz="2000" dirty="0"/>
+              <a:t>Competing applets main difference:</a:t>
+            </a:r>
+          </a:p>
+          <a:p>
+            <a:pPr lvl="1"/>
+            <a:r>
+              <a:rPr lang="en-US" sz="1800" dirty="0"/>
+              <a:t>Can calculate size, Weber and Reynolds number, impact velocity, droplet volume</a:t>
+            </a:r>
+          </a:p>
+          <a:p>
+            <a:pPr lvl="1"/>
+            <a:endParaRPr lang="en-US" sz="1800" dirty="0">
+              <a:solidFill>
+                <a:srgbClr val="FF0000"/>
+              </a:solidFill>
+            </a:endParaRPr>
           </a:p>
         </p:txBody>
       </p:sp>
     </p:spTree>
     <p:extLst>
       <p:ext uri="{BB962C8B-B14F-4D97-AF65-F5344CB8AC3E}">
-        <p14:creationId xmlns:p14="http://schemas.microsoft.com/office/powerpoint/2010/main" val="2600328208"/>
+        <p14:creationId xmlns:p14="http://schemas.microsoft.com/office/powerpoint/2010/main" val="1552532954"/>
       </p:ext>
     </p:extLst>
   </p:cSld>
@@ -5945,6 +5957,337 @@
           <a:p>
             <a:pPr algn="ctr"/>
             <a:r>
+              <a:rPr lang="en-US">
+                <a:solidFill>
+                  <a:schemeClr val="bg1"/>
+                </a:solidFill>
+              </a:rPr>
+              <a:t>Conclusion</a:t>
+            </a:r>
+          </a:p>
+        </p:txBody>
+      </p:sp>
+      <p:sp>
+        <p:nvSpPr>
+          <p:cNvPr id="3" name="Subtitle 2">
+            <a:extLst>
+              <a:ext uri="{FF2B5EF4-FFF2-40B4-BE49-F238E27FC236}">
+                <a16:creationId xmlns:a16="http://schemas.microsoft.com/office/drawing/2014/main" id="{5C5BFB45-FC34-495C-9C68-F9641246C2EE}"/>
+              </a:ext>
+            </a:extLst>
+          </p:cNvPr>
+          <p:cNvSpPr>
+            <a:spLocks noGrp="1"/>
+          </p:cNvSpPr>
+          <p:nvPr>
+            <p:ph idx="1"/>
+          </p:nvPr>
+        </p:nvSpPr>
+        <p:spPr>
+          <a:xfrm>
+            <a:off x="1066800" y="3429000"/>
+            <a:ext cx="10058400" cy="2508384"/>
+          </a:xfrm>
+        </p:spPr>
+        <p:txBody>
+          <a:bodyPr anchor="t">
+            <a:normAutofit fontScale="85000" lnSpcReduction="20000"/>
+          </a:bodyPr>
+          <a:lstStyle/>
+          <a:p>
+            <a:r>
+              <a:rPr lang="en-US" sz="2000" dirty="0"/>
+              <a:t>Skills gained in:</a:t>
+            </a:r>
+          </a:p>
+          <a:p>
+            <a:pPr lvl="1"/>
+            <a:r>
+              <a:rPr lang="en-US" sz="1800" dirty="0" err="1"/>
+              <a:t>Matlab</a:t>
+            </a:r>
+            <a:endParaRPr lang="en-US" sz="1800" dirty="0"/>
+          </a:p>
+          <a:p>
+            <a:pPr lvl="2"/>
+            <a:r>
+              <a:rPr lang="en-US" sz="1700" dirty="0"/>
+              <a:t>Image processing</a:t>
+            </a:r>
+          </a:p>
+          <a:p>
+            <a:pPr lvl="2"/>
+            <a:r>
+              <a:rPr lang="en-US" sz="1700" dirty="0"/>
+              <a:t>GUI design</a:t>
+            </a:r>
+          </a:p>
+          <a:p>
+            <a:pPr lvl="1"/>
+            <a:r>
+              <a:rPr lang="en-US" sz="1800" dirty="0" err="1"/>
+              <a:t>Github</a:t>
+            </a:r>
+            <a:endParaRPr lang="en-US" sz="1800" dirty="0"/>
+          </a:p>
+          <a:p>
+            <a:pPr lvl="1"/>
+            <a:r>
+              <a:rPr lang="en-US" sz="1800" dirty="0"/>
+              <a:t>LaTeX</a:t>
+            </a:r>
+          </a:p>
+          <a:p>
+            <a:r>
+              <a:rPr lang="en-US" sz="1800" dirty="0"/>
+              <a:t>To achieve equation generation and CFD simulations, the group could have simplified:</a:t>
+            </a:r>
+          </a:p>
+          <a:p>
+            <a:pPr lvl="2"/>
+            <a:r>
+              <a:rPr lang="en-US" sz="1700" dirty="0"/>
+              <a:t>Number of output parameters</a:t>
+            </a:r>
+          </a:p>
+          <a:p>
+            <a:pPr lvl="2"/>
+            <a:r>
+              <a:rPr lang="en-US" sz="1700" dirty="0"/>
+              <a:t>GUI capabilities</a:t>
+            </a:r>
+          </a:p>
+          <a:p>
+            <a:pPr lvl="2"/>
+            <a:endParaRPr lang="en-US" sz="1700" dirty="0"/>
+          </a:p>
+        </p:txBody>
+      </p:sp>
+    </p:spTree>
+    <p:extLst>
+      <p:ext uri="{BB962C8B-B14F-4D97-AF65-F5344CB8AC3E}">
+        <p14:creationId xmlns:p14="http://schemas.microsoft.com/office/powerpoint/2010/main" val="2600328208"/>
+      </p:ext>
+    </p:extLst>
+  </p:cSld>
+  <p:clrMapOvr>
+    <a:overrideClrMapping bg1="dk1" tx1="lt1" bg2="dk2" tx2="lt2" accent1="accent1" accent2="accent2" accent3="accent3" accent4="accent4" accent5="accent5" accent6="accent6" hlink="hlink" folHlink="folHlink"/>
+  </p:clrMapOvr>
+</p:sld>
+</file>
+
+<file path=ppt/slides/slide14.xml><?xml version="1.0" encoding="utf-8"?>
+<p:sld xmlns:a="http://schemas.openxmlformats.org/drawingml/2006/main" xmlns:r="http://schemas.openxmlformats.org/officeDocument/2006/relationships" xmlns:p="http://schemas.openxmlformats.org/presentationml/2006/main">
+  <p:cSld>
+    <p:bg>
+      <p:bgPr>
+        <a:solidFill>
+          <a:schemeClr val="bg1"/>
+        </a:solidFill>
+        <a:effectLst/>
+      </p:bgPr>
+    </p:bg>
+    <p:spTree>
+      <p:nvGrpSpPr>
+        <p:cNvPr id="1" name=""/>
+        <p:cNvGrpSpPr/>
+        <p:nvPr/>
+      </p:nvGrpSpPr>
+      <p:grpSpPr>
+        <a:xfrm>
+          <a:off x="0" y="0"/>
+          <a:ext cx="0" cy="0"/>
+          <a:chOff x="0" y="0"/>
+          <a:chExt cx="0" cy="0"/>
+        </a:xfrm>
+      </p:grpSpPr>
+      <p:sp useBgFill="1">
+        <p:nvSpPr>
+          <p:cNvPr id="34" name="Rectangle 33">
+            <a:extLst>
+              <a:ext uri="{FF2B5EF4-FFF2-40B4-BE49-F238E27FC236}">
+                <a16:creationId xmlns:a16="http://schemas.microsoft.com/office/drawing/2014/main" id="{54737801-B9D6-4A08-BD77-23010A80227A}"/>
+              </a:ext>
+              <a:ext uri="{C183D7F6-B498-43B3-948B-1728B52AA6E4}">
+                <adec:decorative xmlns:adec="http://schemas.microsoft.com/office/drawing/2017/decorative" val="1"/>
+              </a:ext>
+            </a:extLst>
+          </p:cNvPr>
+          <p:cNvSpPr>
+            <a:spLocks noGrp="1" noRot="1" noChangeAspect="1" noMove="1" noResize="1" noEditPoints="1" noAdjustHandles="1" noChangeArrowheads="1" noChangeShapeType="1" noTextEdit="1"/>
+          </p:cNvSpPr>
+          <p:nvPr>
+            <p:extLst>
+              <p:ext uri="{386F3935-93C4-4BCD-93E2-E3B085C9AB24}">
+                <p16:designElem xmlns:p16="http://schemas.microsoft.com/office/powerpoint/2015/main" val="1"/>
+              </p:ext>
+            </p:extLst>
+          </p:nvPr>
+        </p:nvSpPr>
+        <p:spPr>
+          <a:xfrm>
+            <a:off x="0" y="0"/>
+            <a:ext cx="12192000" cy="6858000"/>
+          </a:xfrm>
+          <a:prstGeom prst="rect">
+            <a:avLst/>
+          </a:prstGeom>
+          <a:ln>
+            <a:noFill/>
+          </a:ln>
+        </p:spPr>
+        <p:style>
+          <a:lnRef idx="2">
+            <a:schemeClr val="accent1">
+              <a:shade val="50000"/>
+            </a:schemeClr>
+          </a:lnRef>
+          <a:fillRef idx="1">
+            <a:schemeClr val="accent1"/>
+          </a:fillRef>
+          <a:effectRef idx="0">
+            <a:schemeClr val="accent1"/>
+          </a:effectRef>
+          <a:fontRef idx="minor">
+            <a:schemeClr val="lt1"/>
+          </a:fontRef>
+        </p:style>
+        <p:txBody>
+          <a:bodyPr rtlCol="0" anchor="ctr"/>
+          <a:lstStyle/>
+          <a:p>
+            <a:pPr algn="ctr"/>
+            <a:endParaRPr lang="en-US"/>
+          </a:p>
+        </p:txBody>
+      </p:sp>
+      <p:sp>
+        <p:nvSpPr>
+          <p:cNvPr id="36" name="Rectangle 35">
+            <a:extLst>
+              <a:ext uri="{FF2B5EF4-FFF2-40B4-BE49-F238E27FC236}">
+                <a16:creationId xmlns:a16="http://schemas.microsoft.com/office/drawing/2014/main" id="{25FABD39-C757-461E-A681-DC273648402D}"/>
+              </a:ext>
+              <a:ext uri="{C183D7F6-B498-43B3-948B-1728B52AA6E4}">
+                <adec:decorative xmlns:adec="http://schemas.microsoft.com/office/drawing/2017/decorative" val="1"/>
+              </a:ext>
+            </a:extLst>
+          </p:cNvPr>
+          <p:cNvSpPr>
+            <a:spLocks noGrp="1" noRot="1" noChangeAspect="1" noMove="1" noResize="1" noEditPoints="1" noAdjustHandles="1" noChangeArrowheads="1" noChangeShapeType="1" noTextEdit="1"/>
+          </p:cNvSpPr>
+          <p:nvPr>
+            <p:extLst>
+              <p:ext uri="{386F3935-93C4-4BCD-93E2-E3B085C9AB24}">
+                <p16:designElem xmlns:p16="http://schemas.microsoft.com/office/powerpoint/2015/main" val="1"/>
+              </p:ext>
+            </p:extLst>
+          </p:nvPr>
+        </p:nvSpPr>
+        <p:spPr>
+          <a:xfrm>
+            <a:off x="453190" y="572613"/>
+            <a:ext cx="11281609" cy="2396079"/>
+          </a:xfrm>
+          <a:prstGeom prst="rect">
+            <a:avLst/>
+          </a:prstGeom>
+          <a:solidFill>
+            <a:schemeClr val="tx1">
+              <a:lumMod val="85000"/>
+              <a:lumOff val="15000"/>
+            </a:schemeClr>
+          </a:solidFill>
+          <a:ln w="6350" cap="flat" cmpd="sng" algn="ctr">
+            <a:noFill/>
+            <a:prstDash val="solid"/>
+          </a:ln>
+          <a:effectLst>
+            <a:outerShdw blurRad="50800" algn="ctr" rotWithShape="0">
+              <a:prstClr val="black">
+                <a:alpha val="66000"/>
+              </a:prstClr>
+            </a:outerShdw>
+            <a:softEdge rad="0"/>
+          </a:effectLst>
+        </p:spPr>
+      </p:sp>
+      <p:sp>
+        <p:nvSpPr>
+          <p:cNvPr id="38" name="Rectangle 37">
+            <a:extLst>
+              <a:ext uri="{FF2B5EF4-FFF2-40B4-BE49-F238E27FC236}">
+                <a16:creationId xmlns:a16="http://schemas.microsoft.com/office/drawing/2014/main" id="{2DF424F5-8D5C-46C0-A1B0-AF34E0350CD5}"/>
+              </a:ext>
+              <a:ext uri="{C183D7F6-B498-43B3-948B-1728B52AA6E4}">
+                <adec:decorative xmlns:adec="http://schemas.microsoft.com/office/drawing/2017/decorative" val="1"/>
+              </a:ext>
+            </a:extLst>
+          </p:cNvPr>
+          <p:cNvSpPr>
+            <a:spLocks noGrp="1" noRot="1" noChangeAspect="1" noMove="1" noResize="1" noEditPoints="1" noAdjustHandles="1" noChangeArrowheads="1" noChangeShapeType="1" noTextEdit="1"/>
+          </p:cNvSpPr>
+          <p:nvPr>
+            <p:extLst>
+              <p:ext uri="{386F3935-93C4-4BCD-93E2-E3B085C9AB24}">
+                <p16:designElem xmlns:p16="http://schemas.microsoft.com/office/powerpoint/2015/main" val="1"/>
+              </p:ext>
+            </p:extLst>
+          </p:nvPr>
+        </p:nvSpPr>
+        <p:spPr>
+          <a:xfrm>
+            <a:off x="616738" y="737380"/>
+            <a:ext cx="10954512" cy="2066544"/>
+          </a:xfrm>
+          <a:prstGeom prst="rect">
+            <a:avLst/>
+          </a:prstGeom>
+          <a:solidFill>
+            <a:schemeClr val="tx1">
+              <a:lumMod val="95000"/>
+            </a:schemeClr>
+          </a:solidFill>
+          <a:ln w="6350" cap="sq" cmpd="sng" algn="ctr">
+            <a:solidFill>
+              <a:schemeClr val="bg1"/>
+            </a:solidFill>
+            <a:prstDash val="solid"/>
+            <a:miter lim="800000"/>
+          </a:ln>
+          <a:effectLst/>
+        </p:spPr>
+      </p:sp>
+      <p:sp>
+        <p:nvSpPr>
+          <p:cNvPr id="2" name="Title 1">
+            <a:extLst>
+              <a:ext uri="{FF2B5EF4-FFF2-40B4-BE49-F238E27FC236}">
+                <a16:creationId xmlns:a16="http://schemas.microsoft.com/office/drawing/2014/main" id="{C0D7398C-75E5-4CB0-BA4F-D7D5CF2495D4}"/>
+              </a:ext>
+            </a:extLst>
+          </p:cNvPr>
+          <p:cNvSpPr>
+            <a:spLocks noGrp="1"/>
+          </p:cNvSpPr>
+          <p:nvPr>
+            <p:ph type="title"/>
+          </p:nvPr>
+        </p:nvSpPr>
+        <p:spPr>
+          <a:xfrm>
+            <a:off x="1066800" y="1089090"/>
+            <a:ext cx="10058400" cy="1371600"/>
+          </a:xfrm>
+        </p:spPr>
+        <p:txBody>
+          <a:bodyPr>
+            <a:normAutofit/>
+          </a:bodyPr>
+          <a:lstStyle/>
+          <a:p>
+            <a:pPr algn="ctr"/>
+            <a:r>
               <a:rPr lang="en-US" dirty="0">
                 <a:solidFill>
                   <a:schemeClr val="bg1"/>
@@ -6042,7 +6385,7 @@
 </p:sld>
 </file>
 
-<file path=ppt/slides/slide14.xml><?xml version="1.0" encoding="utf-8"?>
+<file path=ppt/slides/slide15.xml><?xml version="1.0" encoding="utf-8"?>
 <p:sld xmlns:a="http://schemas.openxmlformats.org/drawingml/2006/main" xmlns:r="http://schemas.openxmlformats.org/officeDocument/2006/relationships" xmlns:p="http://schemas.openxmlformats.org/presentationml/2006/main">
   <p:cSld>
     <p:spTree>
@@ -6147,7 +6490,7 @@
 </p:sld>
 </file>
 
-<file path=ppt/slides/slide15.xml><?xml version="1.0" encoding="utf-8"?>
+<file path=ppt/slides/slide16.xml><?xml version="1.0" encoding="utf-8"?>
 <p:sld xmlns:a="http://schemas.openxmlformats.org/drawingml/2006/main" xmlns:r="http://schemas.openxmlformats.org/officeDocument/2006/relationships" xmlns:p="http://schemas.openxmlformats.org/presentationml/2006/main">
   <p:cSld>
     <p:bg>
@@ -6821,7 +7164,7 @@
 </p:sld>
 </file>
 
-<file path=ppt/slides/slide16.xml><?xml version="1.0" encoding="utf-8"?>
+<file path=ppt/slides/slide17.xml><?xml version="1.0" encoding="utf-8"?>
 <p:sld xmlns:a="http://schemas.openxmlformats.org/drawingml/2006/main" xmlns:r="http://schemas.openxmlformats.org/officeDocument/2006/relationships" xmlns:p="http://schemas.openxmlformats.org/presentationml/2006/main">
   <p:cSld>
     <p:bg>
@@ -7474,7 +7817,7 @@
 </p:sld>
 </file>
 
-<file path=ppt/slides/slide17.xml><?xml version="1.0" encoding="utf-8"?>
+<file path=ppt/slides/slide18.xml><?xml version="1.0" encoding="utf-8"?>
 <p:sld xmlns:a="http://schemas.openxmlformats.org/drawingml/2006/main" xmlns:r="http://schemas.openxmlformats.org/officeDocument/2006/relationships" xmlns:p="http://schemas.openxmlformats.org/presentationml/2006/main">
   <p:cSld>
     <p:bg>
@@ -12124,6 +12467,49 @@
 </a:themeOverride>
 </file>
 
+<file path=ppt/theme/themeOverride17.xml><?xml version="1.0" encoding="utf-8"?>
+<a:themeOverride xmlns:a="http://schemas.openxmlformats.org/drawingml/2006/main">
+  <a:clrScheme name="Marquee">
+    <a:dk1>
+      <a:srgbClr val="000000"/>
+    </a:dk1>
+    <a:lt1>
+      <a:sysClr val="window" lastClr="FFFFFF"/>
+    </a:lt1>
+    <a:dk2>
+      <a:srgbClr val="5E5E5E"/>
+    </a:dk2>
+    <a:lt2>
+      <a:srgbClr val="DDDDDD"/>
+    </a:lt2>
+    <a:accent1>
+      <a:srgbClr val="418AB3"/>
+    </a:accent1>
+    <a:accent2>
+      <a:srgbClr val="A6B727"/>
+    </a:accent2>
+    <a:accent3>
+      <a:srgbClr val="F69200"/>
+    </a:accent3>
+    <a:accent4>
+      <a:srgbClr val="838383"/>
+    </a:accent4>
+    <a:accent5>
+      <a:srgbClr val="FEC306"/>
+    </a:accent5>
+    <a:accent6>
+      <a:srgbClr val="DF5327"/>
+    </a:accent6>
+    <a:hlink>
+      <a:srgbClr val="F59E00"/>
+    </a:hlink>
+    <a:folHlink>
+      <a:srgbClr val="B2B2B2"/>
+    </a:folHlink>
+  </a:clrScheme>
+</a:themeOverride>
+</file>
+
 <file path=ppt/theme/themeOverride2.xml><?xml version="1.0" encoding="utf-8"?>
 <a:themeOverride xmlns:a="http://schemas.openxmlformats.org/drawingml/2006/main">
   <a:clrScheme name="Marquee">
@@ -12469,6 +12855,15 @@
 </file>
 
 <file path=customXml/item1.xml><?xml version="1.0" encoding="utf-8"?>
+<p:properties xmlns:p="http://schemas.microsoft.com/office/2006/metadata/properties" xmlns:xsi="http://www.w3.org/2001/XMLSchema-instance" xmlns:pc="http://schemas.microsoft.com/office/infopath/2007/PartnerControls">
+  <documentManagement>
+    <Status xmlns="71af3243-3dd4-4a8d-8c0d-dd76da1f02a5">Not started</Status>
+    <MediaServiceKeyPoints xmlns="71af3243-3dd4-4a8d-8c0d-dd76da1f02a5" xsi:nil="true"/>
+  </documentManagement>
+</p:properties>
+</file>
+
+<file path=customXml/item2.xml><?xml version="1.0" encoding="utf-8"?>
 <ct:contentTypeSchema xmlns:ct="http://schemas.microsoft.com/office/2006/metadata/contentType" xmlns:ma="http://schemas.microsoft.com/office/2006/metadata/properties/metaAttributes" ct:_="" ma:_="" ma:contentTypeName="Document" ma:contentTypeID="0x01010079F111ED35F8CC479449609E8A0923A6" ma:contentTypeVersion="12" ma:contentTypeDescription="Create a new document." ma:contentTypeScope="" ma:versionID="a410dd7f93c95333ffa1b60ed6adedd1">
   <xsd:schema xmlns:xsd="http://www.w3.org/2001/XMLSchema" xmlns:xs="http://www.w3.org/2001/XMLSchema" xmlns:p="http://schemas.microsoft.com/office/2006/metadata/properties" xmlns:ns2="71af3243-3dd4-4a8d-8c0d-dd76da1f02a5" xmlns:ns3="16c05727-aa75-4e4a-9b5f-8a80a1165891" targetNamespace="http://schemas.microsoft.com/office/2006/metadata/properties" ma:root="true" ma:fieldsID="a936d9baba76aa3866493feff160faab" ns2:_="" ns3:_="">
     <xsd:import namespace="71af3243-3dd4-4a8d-8c0d-dd76da1f02a5"/>
@@ -12689,15 +13084,6 @@
 </ct:contentTypeSchema>
 </file>
 
-<file path=customXml/item2.xml><?xml version="1.0" encoding="utf-8"?>
-<p:properties xmlns:p="http://schemas.microsoft.com/office/2006/metadata/properties" xmlns:xsi="http://www.w3.org/2001/XMLSchema-instance" xmlns:pc="http://schemas.microsoft.com/office/infopath/2007/PartnerControls">
-  <documentManagement>
-    <Status xmlns="71af3243-3dd4-4a8d-8c0d-dd76da1f02a5">Not started</Status>
-    <MediaServiceKeyPoints xmlns="71af3243-3dd4-4a8d-8c0d-dd76da1f02a5" xsi:nil="true"/>
-  </documentManagement>
-</p:properties>
-</file>
-
 <file path=customXml/item3.xml><?xml version="1.0" encoding="utf-8"?>
 <?mso-contentType ?>
 <FormTemplates xmlns="http://schemas.microsoft.com/sharepoint/v3/contenttype/forms">
@@ -12708,6 +13094,16 @@
 </file>
 
 <file path=customXml/itemProps1.xml><?xml version="1.0" encoding="utf-8"?>
+<ds:datastoreItem xmlns:ds="http://schemas.openxmlformats.org/officeDocument/2006/customXml" ds:itemID="{52F3B215-496E-4790-A364-7C1C46DEC771}">
+  <ds:schemaRefs>
+    <ds:schemaRef ds:uri="http://schemas.microsoft.com/office/2006/metadata/properties"/>
+    <ds:schemaRef ds:uri="http://schemas.microsoft.com/office/infopath/2007/PartnerControls"/>
+    <ds:schemaRef ds:uri="71af3243-3dd4-4a8d-8c0d-dd76da1f02a5"/>
+  </ds:schemaRefs>
+</ds:datastoreItem>
+</file>
+
+<file path=customXml/itemProps2.xml><?xml version="1.0" encoding="utf-8"?>
 <ds:datastoreItem xmlns:ds="http://schemas.openxmlformats.org/officeDocument/2006/customXml" ds:itemID="{50DB95DD-0319-4EE5-8C5C-9CEDF75E024B}">
   <ds:schemaRefs>
     <ds:schemaRef ds:uri="http://schemas.microsoft.com/office/2006/metadata/contentType"/>
@@ -12726,16 +13122,6 @@
 </ds:datastoreItem>
 </file>
 
-<file path=customXml/itemProps2.xml><?xml version="1.0" encoding="utf-8"?>
-<ds:datastoreItem xmlns:ds="http://schemas.openxmlformats.org/officeDocument/2006/customXml" ds:itemID="{52F3B215-496E-4790-A364-7C1C46DEC771}">
-  <ds:schemaRefs>
-    <ds:schemaRef ds:uri="http://schemas.microsoft.com/office/2006/metadata/properties"/>
-    <ds:schemaRef ds:uri="http://schemas.microsoft.com/office/infopath/2007/PartnerControls"/>
-    <ds:schemaRef ds:uri="71af3243-3dd4-4a8d-8c0d-dd76da1f02a5"/>
-  </ds:schemaRefs>
-</ds:datastoreItem>
-</file>
-
 <file path=customXml/itemProps3.xml><?xml version="1.0" encoding="utf-8"?>
 <ds:datastoreItem xmlns:ds="http://schemas.openxmlformats.org/officeDocument/2006/customXml" ds:itemID="{AE2713E1-6312-427E-BFCB-C5A5DA301373}">
   <ds:schemaRefs>
